--- a/practicas-MOVALSYS/PresentacionPracticas.pptx
+++ b/practicas-MOVALSYS/PresentacionPracticas.pptx
@@ -273,6 +273,11 @@
       </a:defRPr>
     </a:lvl9pPr>
   </p:defaultTextStyle>
+  <p:extLst>
+    <p:ext uri="{EFAFB233-063F-42B5-8137-9DF3F51BA10A}">
+      <p15:sldGuideLst xmlns:p15="http://schemas.microsoft.com/office/powerpoint/2012/main"/>
+    </p:ext>
+  </p:extLst>
 </p:presentation>
 </file>
 
@@ -6836,13 +6841,13 @@
   <p:clrMapOvr>
     <a:masterClrMapping/>
   </p:clrMapOvr>
-  <mc:AlternateContent xmlns:mc="http://schemas.openxmlformats.org/markup-compatibility/2006">
-    <mc:Choice xmlns:p14="http://schemas.microsoft.com/office/powerpoint/2010/main" Requires="p14">
+  <mc:AlternateContent xmlns:mc="http://schemas.openxmlformats.org/markup-compatibility/2006" xmlns:p14="http://schemas.microsoft.com/office/powerpoint/2010/main">
+    <mc:Choice Requires="p14">
       <p:transition spd="med" p14:dur="700">
         <p:fade/>
       </p:transition>
     </mc:Choice>
-    <mc:Fallback>
+    <mc:Fallback xmlns="">
       <p:transition spd="med">
         <p:fade/>
       </p:transition>
@@ -25638,9 +25643,10 @@
               </a:tabLst>
             </a:pPr>
             <a:r>
-              <a:rPr lang="es-ES" sz="1600" b="1" dirty="0"/>
-              <a:t>Personal</a:t>
+              <a:rPr lang="es-ES" sz="1600" b="1"/>
+              <a:t>Entorno personal</a:t>
             </a:r>
+            <a:endParaRPr lang="es-ES" sz="1600" b="1" dirty="0"/>
           </a:p>
         </p:txBody>
       </p:sp>
@@ -34177,9 +34183,6 @@
   <p:clrMapOvr>
     <a:masterClrMapping/>
   </p:clrMapOvr>
-  <p:transition>
-    <p:fade thruBlk="1"/>
-  </p:transition>
 </p:sld>
 </file>
 

--- a/practicas-MOVALSYS/PresentacionPracticas.pptx
+++ b/practicas-MOVALSYS/PresentacionPracticas.pptx
@@ -5,7 +5,7 @@
     <p:sldMasterId id="2147483658" r:id="rId1"/>
   </p:sldMasterIdLst>
   <p:notesMasterIdLst>
-    <p:notesMasterId r:id="rId21"/>
+    <p:notesMasterId r:id="rId20"/>
   </p:notesMasterIdLst>
   <p:sldIdLst>
     <p:sldId id="256" r:id="rId2"/>
@@ -13,35 +13,34 @@
     <p:sldId id="297" r:id="rId4"/>
     <p:sldId id="287" r:id="rId5"/>
     <p:sldId id="298" r:id="rId6"/>
-    <p:sldId id="285" r:id="rId7"/>
-    <p:sldId id="286" r:id="rId8"/>
-    <p:sldId id="299" r:id="rId9"/>
-    <p:sldId id="288" r:id="rId10"/>
-    <p:sldId id="291" r:id="rId11"/>
-    <p:sldId id="293" r:id="rId12"/>
-    <p:sldId id="294" r:id="rId13"/>
-    <p:sldId id="292" r:id="rId14"/>
-    <p:sldId id="295" r:id="rId15"/>
-    <p:sldId id="296" r:id="rId16"/>
-    <p:sldId id="301" r:id="rId17"/>
-    <p:sldId id="300" r:id="rId18"/>
-    <p:sldId id="289" r:id="rId19"/>
-    <p:sldId id="259" r:id="rId20"/>
+    <p:sldId id="286" r:id="rId7"/>
+    <p:sldId id="302" r:id="rId8"/>
+    <p:sldId id="288" r:id="rId9"/>
+    <p:sldId id="291" r:id="rId10"/>
+    <p:sldId id="293" r:id="rId11"/>
+    <p:sldId id="294" r:id="rId12"/>
+    <p:sldId id="292" r:id="rId13"/>
+    <p:sldId id="295" r:id="rId14"/>
+    <p:sldId id="296" r:id="rId15"/>
+    <p:sldId id="301" r:id="rId16"/>
+    <p:sldId id="300" r:id="rId17"/>
+    <p:sldId id="289" r:id="rId18"/>
+    <p:sldId id="259" r:id="rId19"/>
   </p:sldIdLst>
   <p:sldSz cx="9144000" cy="5143500" type="screen16x9"/>
   <p:notesSz cx="6858000" cy="9144000"/>
   <p:embeddedFontLst>
     <p:embeddedFont>
       <p:font typeface="Raleway ExtraBold" panose="020B0604020202020204" charset="0"/>
-      <p:bold r:id="rId22"/>
-      <p:boldItalic r:id="rId23"/>
+      <p:bold r:id="rId21"/>
+      <p:boldItalic r:id="rId22"/>
     </p:embeddedFont>
     <p:embeddedFont>
       <p:font typeface="Raleway Light" panose="020B0604020202020204" charset="0"/>
-      <p:regular r:id="rId24"/>
-      <p:bold r:id="rId25"/>
-      <p:italic r:id="rId26"/>
-      <p:boldItalic r:id="rId27"/>
+      <p:regular r:id="rId23"/>
+      <p:bold r:id="rId24"/>
+      <p:italic r:id="rId25"/>
+      <p:boldItalic r:id="rId26"/>
     </p:embeddedFont>
   </p:embeddedFontLst>
   <p:defaultTextStyle>
@@ -923,7 +922,7 @@
     </p:spTree>
     <p:extLst>
       <p:ext uri="{BB962C8B-B14F-4D97-AF65-F5344CB8AC3E}">
-        <p14:creationId xmlns:p14="http://schemas.microsoft.com/office/powerpoint/2010/main" val="1798199086"/>
+        <p14:creationId xmlns:p14="http://schemas.microsoft.com/office/powerpoint/2010/main" val="3658652817"/>
       </p:ext>
     </p:extLst>
   </p:cSld>
@@ -1032,7 +1031,7 @@
     </p:spTree>
     <p:extLst>
       <p:ext uri="{BB962C8B-B14F-4D97-AF65-F5344CB8AC3E}">
-        <p14:creationId xmlns:p14="http://schemas.microsoft.com/office/powerpoint/2010/main" val="3658652817"/>
+        <p14:creationId xmlns:p14="http://schemas.microsoft.com/office/powerpoint/2010/main" val="4052646854"/>
       </p:ext>
     </p:extLst>
   </p:cSld>
@@ -1141,7 +1140,7 @@
     </p:spTree>
     <p:extLst>
       <p:ext uri="{BB962C8B-B14F-4D97-AF65-F5344CB8AC3E}">
-        <p14:creationId xmlns:p14="http://schemas.microsoft.com/office/powerpoint/2010/main" val="4052646854"/>
+        <p14:creationId xmlns:p14="http://schemas.microsoft.com/office/powerpoint/2010/main" val="2705188562"/>
       </p:ext>
     </p:extLst>
   </p:cSld>
@@ -1250,7 +1249,7 @@
     </p:spTree>
     <p:extLst>
       <p:ext uri="{BB962C8B-B14F-4D97-AF65-F5344CB8AC3E}">
-        <p14:creationId xmlns:p14="http://schemas.microsoft.com/office/powerpoint/2010/main" val="2705188562"/>
+        <p14:creationId xmlns:p14="http://schemas.microsoft.com/office/powerpoint/2010/main" val="1510736924"/>
       </p:ext>
     </p:extLst>
   </p:cSld>
@@ -1359,7 +1358,7 @@
     </p:spTree>
     <p:extLst>
       <p:ext uri="{BB962C8B-B14F-4D97-AF65-F5344CB8AC3E}">
-        <p14:creationId xmlns:p14="http://schemas.microsoft.com/office/powerpoint/2010/main" val="1510736924"/>
+        <p14:creationId xmlns:p14="http://schemas.microsoft.com/office/powerpoint/2010/main" val="2435361451"/>
       </p:ext>
     </p:extLst>
   </p:cSld>
@@ -1468,7 +1467,7 @@
     </p:spTree>
     <p:extLst>
       <p:ext uri="{BB962C8B-B14F-4D97-AF65-F5344CB8AC3E}">
-        <p14:creationId xmlns:p14="http://schemas.microsoft.com/office/powerpoint/2010/main" val="2435361451"/>
+        <p14:creationId xmlns:p14="http://schemas.microsoft.com/office/powerpoint/2010/main" val="1757909881"/>
       </p:ext>
     </p:extLst>
   </p:cSld>
@@ -1479,6 +1478,115 @@
 </file>
 
 <file path=ppt/notesSlides/notesSlide16.xml><?xml version="1.0" encoding="utf-8"?>
+<p:notes xmlns:a="http://schemas.openxmlformats.org/drawingml/2006/main" xmlns:r="http://schemas.openxmlformats.org/officeDocument/2006/relationships" xmlns:p="http://schemas.openxmlformats.org/presentationml/2006/main" showMasterSp="0" showMasterPhAnim="0">
+  <p:cSld>
+    <p:spTree>
+      <p:nvGrpSpPr>
+        <p:cNvPr id="1" name="Shape 84"/>
+        <p:cNvGrpSpPr/>
+        <p:nvPr/>
+      </p:nvGrpSpPr>
+      <p:grpSpPr>
+        <a:xfrm>
+          <a:off x="0" y="0"/>
+          <a:ext cx="0" cy="0"/>
+          <a:chOff x="0" y="0"/>
+          <a:chExt cx="0" cy="0"/>
+        </a:xfrm>
+      </p:grpSpPr>
+      <p:sp>
+        <p:nvSpPr>
+          <p:cNvPr id="85" name="Google Shape;85;g35f391192_029:notes"/>
+          <p:cNvSpPr>
+            <a:spLocks noGrp="1" noRot="1" noChangeAspect="1"/>
+          </p:cNvSpPr>
+          <p:nvPr>
+            <p:ph type="sldImg" idx="2"/>
+          </p:nvPr>
+        </p:nvSpPr>
+        <p:spPr>
+          <a:xfrm>
+            <a:off x="381000" y="685800"/>
+            <a:ext cx="6096000" cy="3429000"/>
+          </a:xfrm>
+          <a:custGeom>
+            <a:avLst/>
+            <a:gdLst/>
+            <a:ahLst/>
+            <a:cxnLst/>
+            <a:rect l="l" t="t" r="r" b="b"/>
+            <a:pathLst>
+              <a:path w="120000" h="120000" extrusionOk="0">
+                <a:moveTo>
+                  <a:pt x="0" y="0"/>
+                </a:moveTo>
+                <a:lnTo>
+                  <a:pt x="120000" y="0"/>
+                </a:lnTo>
+                <a:lnTo>
+                  <a:pt x="120000" y="120000"/>
+                </a:lnTo>
+                <a:lnTo>
+                  <a:pt x="0" y="120000"/>
+                </a:lnTo>
+                <a:close/>
+              </a:path>
+            </a:pathLst>
+          </a:custGeom>
+        </p:spPr>
+      </p:sp>
+      <p:sp>
+        <p:nvSpPr>
+          <p:cNvPr id="86" name="Google Shape;86;g35f391192_029:notes"/>
+          <p:cNvSpPr txBox="1">
+            <a:spLocks noGrp="1"/>
+          </p:cNvSpPr>
+          <p:nvPr>
+            <p:ph type="body" idx="1"/>
+          </p:nvPr>
+        </p:nvSpPr>
+        <p:spPr>
+          <a:xfrm>
+            <a:off x="685800" y="4343400"/>
+            <a:ext cx="5486400" cy="4114800"/>
+          </a:xfrm>
+          <a:prstGeom prst="rect">
+            <a:avLst/>
+          </a:prstGeom>
+        </p:spPr>
+        <p:txBody>
+          <a:bodyPr spcFirstLastPara="1" wrap="square" lIns="91425" tIns="91425" rIns="91425" bIns="91425" anchor="t" anchorCtr="0">
+            <a:noAutofit/>
+          </a:bodyPr>
+          <a:lstStyle/>
+          <a:p>
+            <a:pPr marL="0" lvl="0" indent="0" algn="l" rtl="0">
+              <a:spcBef>
+                <a:spcPts val="0"/>
+              </a:spcBef>
+              <a:spcAft>
+                <a:spcPts val="0"/>
+              </a:spcAft>
+              <a:buNone/>
+            </a:pPr>
+            <a:endParaRPr dirty="0"/>
+          </a:p>
+        </p:txBody>
+      </p:sp>
+    </p:spTree>
+    <p:extLst>
+      <p:ext uri="{BB962C8B-B14F-4D97-AF65-F5344CB8AC3E}">
+        <p14:creationId xmlns:p14="http://schemas.microsoft.com/office/powerpoint/2010/main" val="3024308315"/>
+      </p:ext>
+    </p:extLst>
+  </p:cSld>
+  <p:clrMapOvr>
+    <a:masterClrMapping/>
+  </p:clrMapOvr>
+</p:notes>
+</file>
+
+<file path=ppt/notesSlides/notesSlide17.xml><?xml version="1.0" encoding="utf-8"?>
 <p:notes xmlns:a="http://schemas.openxmlformats.org/drawingml/2006/main" xmlns:r="http://schemas.openxmlformats.org/officeDocument/2006/relationships" xmlns:p="http://schemas.openxmlformats.org/presentationml/2006/main" showMasterSp="0" showMasterPhAnim="0">
   <p:cSld>
     <p:spTree>
@@ -1577,116 +1685,7 @@
     </p:spTree>
     <p:extLst>
       <p:ext uri="{BB962C8B-B14F-4D97-AF65-F5344CB8AC3E}">
-        <p14:creationId xmlns:p14="http://schemas.microsoft.com/office/powerpoint/2010/main" val="1757909881"/>
-      </p:ext>
-    </p:extLst>
-  </p:cSld>
-  <p:clrMapOvr>
-    <a:masterClrMapping/>
-  </p:clrMapOvr>
-</p:notes>
-</file>
-
-<file path=ppt/notesSlides/notesSlide17.xml><?xml version="1.0" encoding="utf-8"?>
-<p:notes xmlns:a="http://schemas.openxmlformats.org/drawingml/2006/main" xmlns:r="http://schemas.openxmlformats.org/officeDocument/2006/relationships" xmlns:p="http://schemas.openxmlformats.org/presentationml/2006/main" showMasterSp="0" showMasterPhAnim="0">
-  <p:cSld>
-    <p:spTree>
-      <p:nvGrpSpPr>
-        <p:cNvPr id="1" name="Shape 84"/>
-        <p:cNvGrpSpPr/>
-        <p:nvPr/>
-      </p:nvGrpSpPr>
-      <p:grpSpPr>
-        <a:xfrm>
-          <a:off x="0" y="0"/>
-          <a:ext cx="0" cy="0"/>
-          <a:chOff x="0" y="0"/>
-          <a:chExt cx="0" cy="0"/>
-        </a:xfrm>
-      </p:grpSpPr>
-      <p:sp>
-        <p:nvSpPr>
-          <p:cNvPr id="85" name="Google Shape;85;g35f391192_029:notes"/>
-          <p:cNvSpPr>
-            <a:spLocks noGrp="1" noRot="1" noChangeAspect="1"/>
-          </p:cNvSpPr>
-          <p:nvPr>
-            <p:ph type="sldImg" idx="2"/>
-          </p:nvPr>
-        </p:nvSpPr>
-        <p:spPr>
-          <a:xfrm>
-            <a:off x="381000" y="685800"/>
-            <a:ext cx="6096000" cy="3429000"/>
-          </a:xfrm>
-          <a:custGeom>
-            <a:avLst/>
-            <a:gdLst/>
-            <a:ahLst/>
-            <a:cxnLst/>
-            <a:rect l="l" t="t" r="r" b="b"/>
-            <a:pathLst>
-              <a:path w="120000" h="120000" extrusionOk="0">
-                <a:moveTo>
-                  <a:pt x="0" y="0"/>
-                </a:moveTo>
-                <a:lnTo>
-                  <a:pt x="120000" y="0"/>
-                </a:lnTo>
-                <a:lnTo>
-                  <a:pt x="120000" y="120000"/>
-                </a:lnTo>
-                <a:lnTo>
-                  <a:pt x="0" y="120000"/>
-                </a:lnTo>
-                <a:close/>
-              </a:path>
-            </a:pathLst>
-          </a:custGeom>
-        </p:spPr>
-      </p:sp>
-      <p:sp>
-        <p:nvSpPr>
-          <p:cNvPr id="86" name="Google Shape;86;g35f391192_029:notes"/>
-          <p:cNvSpPr txBox="1">
-            <a:spLocks noGrp="1"/>
-          </p:cNvSpPr>
-          <p:nvPr>
-            <p:ph type="body" idx="1"/>
-          </p:nvPr>
-        </p:nvSpPr>
-        <p:spPr>
-          <a:xfrm>
-            <a:off x="685800" y="4343400"/>
-            <a:ext cx="5486400" cy="4114800"/>
-          </a:xfrm>
-          <a:prstGeom prst="rect">
-            <a:avLst/>
-          </a:prstGeom>
-        </p:spPr>
-        <p:txBody>
-          <a:bodyPr spcFirstLastPara="1" wrap="square" lIns="91425" tIns="91425" rIns="91425" bIns="91425" anchor="t" anchorCtr="0">
-            <a:noAutofit/>
-          </a:bodyPr>
-          <a:lstStyle/>
-          <a:p>
-            <a:pPr marL="0" lvl="0" indent="0" algn="l" rtl="0">
-              <a:spcBef>
-                <a:spcPts val="0"/>
-              </a:spcBef>
-              <a:spcAft>
-                <a:spcPts val="0"/>
-              </a:spcAft>
-              <a:buNone/>
-            </a:pPr>
-            <a:endParaRPr/>
-          </a:p>
-        </p:txBody>
-      </p:sp>
-    </p:spTree>
-    <p:extLst>
-      <p:ext uri="{BB962C8B-B14F-4D97-AF65-F5344CB8AC3E}">
-        <p14:creationId xmlns:p14="http://schemas.microsoft.com/office/powerpoint/2010/main" val="3024308315"/>
+        <p14:creationId xmlns:p14="http://schemas.microsoft.com/office/powerpoint/2010/main" val="594690839"/>
       </p:ext>
     </p:extLst>
   </p:cSld>
@@ -1697,115 +1696,6 @@
 </file>
 
 <file path=ppt/notesSlides/notesSlide18.xml><?xml version="1.0" encoding="utf-8"?>
-<p:notes xmlns:a="http://schemas.openxmlformats.org/drawingml/2006/main" xmlns:r="http://schemas.openxmlformats.org/officeDocument/2006/relationships" xmlns:p="http://schemas.openxmlformats.org/presentationml/2006/main" showMasterSp="0" showMasterPhAnim="0">
-  <p:cSld>
-    <p:spTree>
-      <p:nvGrpSpPr>
-        <p:cNvPr id="1" name="Shape 277"/>
-        <p:cNvGrpSpPr/>
-        <p:nvPr/>
-      </p:nvGrpSpPr>
-      <p:grpSpPr>
-        <a:xfrm>
-          <a:off x="0" y="0"/>
-          <a:ext cx="0" cy="0"/>
-          <a:chOff x="0" y="0"/>
-          <a:chExt cx="0" cy="0"/>
-        </a:xfrm>
-      </p:grpSpPr>
-      <p:sp>
-        <p:nvSpPr>
-          <p:cNvPr id="278" name="Google Shape;278;g35ed75ccf_057:notes"/>
-          <p:cNvSpPr>
-            <a:spLocks noGrp="1" noRot="1" noChangeAspect="1"/>
-          </p:cNvSpPr>
-          <p:nvPr>
-            <p:ph type="sldImg" idx="2"/>
-          </p:nvPr>
-        </p:nvSpPr>
-        <p:spPr>
-          <a:xfrm>
-            <a:off x="381000" y="685800"/>
-            <a:ext cx="6096000" cy="3429000"/>
-          </a:xfrm>
-          <a:custGeom>
-            <a:avLst/>
-            <a:gdLst/>
-            <a:ahLst/>
-            <a:cxnLst/>
-            <a:rect l="l" t="t" r="r" b="b"/>
-            <a:pathLst>
-              <a:path w="120000" h="120000" extrusionOk="0">
-                <a:moveTo>
-                  <a:pt x="0" y="0"/>
-                </a:moveTo>
-                <a:lnTo>
-                  <a:pt x="120000" y="0"/>
-                </a:lnTo>
-                <a:lnTo>
-                  <a:pt x="120000" y="120000"/>
-                </a:lnTo>
-                <a:lnTo>
-                  <a:pt x="0" y="120000"/>
-                </a:lnTo>
-                <a:close/>
-              </a:path>
-            </a:pathLst>
-          </a:custGeom>
-        </p:spPr>
-      </p:sp>
-      <p:sp>
-        <p:nvSpPr>
-          <p:cNvPr id="279" name="Google Shape;279;g35ed75ccf_057:notes"/>
-          <p:cNvSpPr txBox="1">
-            <a:spLocks noGrp="1"/>
-          </p:cNvSpPr>
-          <p:nvPr>
-            <p:ph type="body" idx="1"/>
-          </p:nvPr>
-        </p:nvSpPr>
-        <p:spPr>
-          <a:xfrm>
-            <a:off x="685800" y="4343400"/>
-            <a:ext cx="5486400" cy="4114800"/>
-          </a:xfrm>
-          <a:prstGeom prst="rect">
-            <a:avLst/>
-          </a:prstGeom>
-        </p:spPr>
-        <p:txBody>
-          <a:bodyPr spcFirstLastPara="1" wrap="square" lIns="91425" tIns="91425" rIns="91425" bIns="91425" anchor="t" anchorCtr="0">
-            <a:noAutofit/>
-          </a:bodyPr>
-          <a:lstStyle/>
-          <a:p>
-            <a:pPr marL="0" lvl="0" indent="0" algn="l" rtl="0">
-              <a:spcBef>
-                <a:spcPts val="0"/>
-              </a:spcBef>
-              <a:spcAft>
-                <a:spcPts val="0"/>
-              </a:spcAft>
-              <a:buNone/>
-            </a:pPr>
-            <a:endParaRPr dirty="0"/>
-          </a:p>
-        </p:txBody>
-      </p:sp>
-    </p:spTree>
-    <p:extLst>
-      <p:ext uri="{BB962C8B-B14F-4D97-AF65-F5344CB8AC3E}">
-        <p14:creationId xmlns:p14="http://schemas.microsoft.com/office/powerpoint/2010/main" val="594690839"/>
-      </p:ext>
-    </p:extLst>
-  </p:cSld>
-  <p:clrMapOvr>
-    <a:masterClrMapping/>
-  </p:clrMapOvr>
-</p:notes>
-</file>
-
-<file path=ppt/notesSlides/notesSlide19.xml><?xml version="1.0" encoding="utf-8"?>
 <p:notes xmlns:a="http://schemas.openxmlformats.org/drawingml/2006/main" xmlns:r="http://schemas.openxmlformats.org/officeDocument/2006/relationships" xmlns:p="http://schemas.openxmlformats.org/presentationml/2006/main" showMasterSp="0" showMasterPhAnim="0">
   <p:cSld>
     <p:spTree>
@@ -2434,7 +2324,7 @@
     </p:spTree>
     <p:extLst>
       <p:ext uri="{BB962C8B-B14F-4D97-AF65-F5344CB8AC3E}">
-        <p14:creationId xmlns:p14="http://schemas.microsoft.com/office/powerpoint/2010/main" val="2625501734"/>
+        <p14:creationId xmlns:p14="http://schemas.microsoft.com/office/powerpoint/2010/main" val="1128234873"/>
       </p:ext>
     </p:extLst>
   </p:cSld>
@@ -2445,6 +2335,115 @@
 </file>
 
 <file path=ppt/notesSlides/notesSlide7.xml><?xml version="1.0" encoding="utf-8"?>
+<p:notes xmlns:a="http://schemas.openxmlformats.org/drawingml/2006/main" xmlns:r="http://schemas.openxmlformats.org/officeDocument/2006/relationships" xmlns:p="http://schemas.openxmlformats.org/presentationml/2006/main" showMasterSp="0" showMasterPhAnim="0">
+  <p:cSld>
+    <p:spTree>
+      <p:nvGrpSpPr>
+        <p:cNvPr id="1" name="Shape 84"/>
+        <p:cNvGrpSpPr/>
+        <p:nvPr/>
+      </p:nvGrpSpPr>
+      <p:grpSpPr>
+        <a:xfrm>
+          <a:off x="0" y="0"/>
+          <a:ext cx="0" cy="0"/>
+          <a:chOff x="0" y="0"/>
+          <a:chExt cx="0" cy="0"/>
+        </a:xfrm>
+      </p:grpSpPr>
+      <p:sp>
+        <p:nvSpPr>
+          <p:cNvPr id="85" name="Google Shape;85;g35f391192_029:notes"/>
+          <p:cNvSpPr>
+            <a:spLocks noGrp="1" noRot="1" noChangeAspect="1"/>
+          </p:cNvSpPr>
+          <p:nvPr>
+            <p:ph type="sldImg" idx="2"/>
+          </p:nvPr>
+        </p:nvSpPr>
+        <p:spPr>
+          <a:xfrm>
+            <a:off x="381000" y="685800"/>
+            <a:ext cx="6096000" cy="3429000"/>
+          </a:xfrm>
+          <a:custGeom>
+            <a:avLst/>
+            <a:gdLst/>
+            <a:ahLst/>
+            <a:cxnLst/>
+            <a:rect l="l" t="t" r="r" b="b"/>
+            <a:pathLst>
+              <a:path w="120000" h="120000" extrusionOk="0">
+                <a:moveTo>
+                  <a:pt x="0" y="0"/>
+                </a:moveTo>
+                <a:lnTo>
+                  <a:pt x="120000" y="0"/>
+                </a:lnTo>
+                <a:lnTo>
+                  <a:pt x="120000" y="120000"/>
+                </a:lnTo>
+                <a:lnTo>
+                  <a:pt x="0" y="120000"/>
+                </a:lnTo>
+                <a:close/>
+              </a:path>
+            </a:pathLst>
+          </a:custGeom>
+        </p:spPr>
+      </p:sp>
+      <p:sp>
+        <p:nvSpPr>
+          <p:cNvPr id="86" name="Google Shape;86;g35f391192_029:notes"/>
+          <p:cNvSpPr txBox="1">
+            <a:spLocks noGrp="1"/>
+          </p:cNvSpPr>
+          <p:nvPr>
+            <p:ph type="body" idx="1"/>
+          </p:nvPr>
+        </p:nvSpPr>
+        <p:spPr>
+          <a:xfrm>
+            <a:off x="685800" y="4343400"/>
+            <a:ext cx="5486400" cy="4114800"/>
+          </a:xfrm>
+          <a:prstGeom prst="rect">
+            <a:avLst/>
+          </a:prstGeom>
+        </p:spPr>
+        <p:txBody>
+          <a:bodyPr spcFirstLastPara="1" wrap="square" lIns="91425" tIns="91425" rIns="91425" bIns="91425" anchor="t" anchorCtr="0">
+            <a:noAutofit/>
+          </a:bodyPr>
+          <a:lstStyle/>
+          <a:p>
+            <a:pPr marL="0" lvl="0" indent="0" algn="l" rtl="0">
+              <a:spcBef>
+                <a:spcPts val="0"/>
+              </a:spcBef>
+              <a:spcAft>
+                <a:spcPts val="0"/>
+              </a:spcAft>
+              <a:buNone/>
+            </a:pPr>
+            <a:endParaRPr/>
+          </a:p>
+        </p:txBody>
+      </p:sp>
+    </p:spTree>
+    <p:extLst>
+      <p:ext uri="{BB962C8B-B14F-4D97-AF65-F5344CB8AC3E}">
+        <p14:creationId xmlns:p14="http://schemas.microsoft.com/office/powerpoint/2010/main" val="916292577"/>
+      </p:ext>
+    </p:extLst>
+  </p:cSld>
+  <p:clrMapOvr>
+    <a:masterClrMapping/>
+  </p:clrMapOvr>
+</p:notes>
+</file>
+
+<file path=ppt/notesSlides/notesSlide8.xml><?xml version="1.0" encoding="utf-8"?>
 <p:notes xmlns:a="http://schemas.openxmlformats.org/drawingml/2006/main" xmlns:r="http://schemas.openxmlformats.org/officeDocument/2006/relationships" xmlns:p="http://schemas.openxmlformats.org/presentationml/2006/main" showMasterSp="0" showMasterPhAnim="0">
   <p:cSld>
     <p:spTree>
@@ -2543,116 +2542,7 @@
     </p:spTree>
     <p:extLst>
       <p:ext uri="{BB962C8B-B14F-4D97-AF65-F5344CB8AC3E}">
-        <p14:creationId xmlns:p14="http://schemas.microsoft.com/office/powerpoint/2010/main" val="1128234873"/>
-      </p:ext>
-    </p:extLst>
-  </p:cSld>
-  <p:clrMapOvr>
-    <a:masterClrMapping/>
-  </p:clrMapOvr>
-</p:notes>
-</file>
-
-<file path=ppt/notesSlides/notesSlide8.xml><?xml version="1.0" encoding="utf-8"?>
-<p:notes xmlns:a="http://schemas.openxmlformats.org/drawingml/2006/main" xmlns:r="http://schemas.openxmlformats.org/officeDocument/2006/relationships" xmlns:p="http://schemas.openxmlformats.org/presentationml/2006/main" showMasterSp="0" showMasterPhAnim="0">
-  <p:cSld>
-    <p:spTree>
-      <p:nvGrpSpPr>
-        <p:cNvPr id="1" name="Shape 84"/>
-        <p:cNvGrpSpPr/>
-        <p:nvPr/>
-      </p:nvGrpSpPr>
-      <p:grpSpPr>
-        <a:xfrm>
-          <a:off x="0" y="0"/>
-          <a:ext cx="0" cy="0"/>
-          <a:chOff x="0" y="0"/>
-          <a:chExt cx="0" cy="0"/>
-        </a:xfrm>
-      </p:grpSpPr>
-      <p:sp>
-        <p:nvSpPr>
-          <p:cNvPr id="85" name="Google Shape;85;g35f391192_029:notes"/>
-          <p:cNvSpPr>
-            <a:spLocks noGrp="1" noRot="1" noChangeAspect="1"/>
-          </p:cNvSpPr>
-          <p:nvPr>
-            <p:ph type="sldImg" idx="2"/>
-          </p:nvPr>
-        </p:nvSpPr>
-        <p:spPr>
-          <a:xfrm>
-            <a:off x="381000" y="685800"/>
-            <a:ext cx="6096000" cy="3429000"/>
-          </a:xfrm>
-          <a:custGeom>
-            <a:avLst/>
-            <a:gdLst/>
-            <a:ahLst/>
-            <a:cxnLst/>
-            <a:rect l="l" t="t" r="r" b="b"/>
-            <a:pathLst>
-              <a:path w="120000" h="120000" extrusionOk="0">
-                <a:moveTo>
-                  <a:pt x="0" y="0"/>
-                </a:moveTo>
-                <a:lnTo>
-                  <a:pt x="120000" y="0"/>
-                </a:lnTo>
-                <a:lnTo>
-                  <a:pt x="120000" y="120000"/>
-                </a:lnTo>
-                <a:lnTo>
-                  <a:pt x="0" y="120000"/>
-                </a:lnTo>
-                <a:close/>
-              </a:path>
-            </a:pathLst>
-          </a:custGeom>
-        </p:spPr>
-      </p:sp>
-      <p:sp>
-        <p:nvSpPr>
-          <p:cNvPr id="86" name="Google Shape;86;g35f391192_029:notes"/>
-          <p:cNvSpPr txBox="1">
-            <a:spLocks noGrp="1"/>
-          </p:cNvSpPr>
-          <p:nvPr>
-            <p:ph type="body" idx="1"/>
-          </p:nvPr>
-        </p:nvSpPr>
-        <p:spPr>
-          <a:xfrm>
-            <a:off x="685800" y="4343400"/>
-            <a:ext cx="5486400" cy="4114800"/>
-          </a:xfrm>
-          <a:prstGeom prst="rect">
-            <a:avLst/>
-          </a:prstGeom>
-        </p:spPr>
-        <p:txBody>
-          <a:bodyPr spcFirstLastPara="1" wrap="square" lIns="91425" tIns="91425" rIns="91425" bIns="91425" anchor="t" anchorCtr="0">
-            <a:noAutofit/>
-          </a:bodyPr>
-          <a:lstStyle/>
-          <a:p>
-            <a:pPr marL="0" lvl="0" indent="0" algn="l" rtl="0">
-              <a:spcBef>
-                <a:spcPts val="0"/>
-              </a:spcBef>
-              <a:spcAft>
-                <a:spcPts val="0"/>
-              </a:spcAft>
-              <a:buNone/>
-            </a:pPr>
-            <a:endParaRPr/>
-          </a:p>
-        </p:txBody>
-      </p:sp>
-    </p:spTree>
-    <p:extLst>
-      <p:ext uri="{BB962C8B-B14F-4D97-AF65-F5344CB8AC3E}">
-        <p14:creationId xmlns:p14="http://schemas.microsoft.com/office/powerpoint/2010/main" val="269495728"/>
+        <p14:creationId xmlns:p14="http://schemas.microsoft.com/office/powerpoint/2010/main" val="659276617"/>
       </p:ext>
     </p:extLst>
   </p:cSld>
@@ -2761,7 +2651,7 @@
     </p:spTree>
     <p:extLst>
       <p:ext uri="{BB962C8B-B14F-4D97-AF65-F5344CB8AC3E}">
-        <p14:creationId xmlns:p14="http://schemas.microsoft.com/office/powerpoint/2010/main" val="659276617"/>
+        <p14:creationId xmlns:p14="http://schemas.microsoft.com/office/powerpoint/2010/main" val="1798199086"/>
       </p:ext>
     </p:extLst>
   </p:cSld>
@@ -7200,152 +7090,6 @@
           </p:txBody>
         </p:sp>
       </p:grpSp>
-      <p:grpSp>
-        <p:nvGrpSpPr>
-          <p:cNvPr id="43" name="Google Shape;185;p23">
-            <a:extLst>
-              <a:ext uri="{FF2B5EF4-FFF2-40B4-BE49-F238E27FC236}">
-                <a16:creationId xmlns:a16="http://schemas.microsoft.com/office/drawing/2014/main" id="{26DD7417-DC28-4F68-ACAA-2F64CCEB3322}"/>
-              </a:ext>
-            </a:extLst>
-          </p:cNvPr>
-          <p:cNvGrpSpPr/>
-          <p:nvPr/>
-        </p:nvGrpSpPr>
-        <p:grpSpPr>
-          <a:xfrm>
-            <a:off x="5136182" y="1533827"/>
-            <a:ext cx="1454252" cy="1423800"/>
-            <a:chOff x="3460285" y="1374053"/>
-            <a:chExt cx="1454252" cy="1423800"/>
-          </a:xfrm>
-        </p:grpSpPr>
-        <p:sp>
-          <p:nvSpPr>
-            <p:cNvPr id="44" name="Google Shape;186;p23">
-              <a:extLst>
-                <a:ext uri="{FF2B5EF4-FFF2-40B4-BE49-F238E27FC236}">
-                  <a16:creationId xmlns:a16="http://schemas.microsoft.com/office/drawing/2014/main" id="{92E2CE2C-A9AE-4066-B031-B5CD865DB777}"/>
-                </a:ext>
-              </a:extLst>
-            </p:cNvPr>
-            <p:cNvSpPr/>
-            <p:nvPr/>
-          </p:nvSpPr>
-          <p:spPr>
-            <a:xfrm>
-              <a:off x="3490737" y="1374053"/>
-              <a:ext cx="1423800" cy="1423800"/>
-            </a:xfrm>
-            <a:prstGeom prst="ellipse">
-              <a:avLst/>
-            </a:prstGeom>
-            <a:solidFill>
-              <a:srgbClr val="F1C232"/>
-            </a:solidFill>
-            <a:ln>
-              <a:noFill/>
-            </a:ln>
-            <a:effectLst>
-              <a:outerShdw blurRad="228600" dist="50800" dir="5400000" algn="tl" rotWithShape="0">
-                <a:srgbClr val="000000">
-                  <a:alpha val="54900"/>
-                </a:srgbClr>
-              </a:outerShdw>
-            </a:effectLst>
-          </p:spPr>
-          <p:txBody>
-            <a:bodyPr spcFirstLastPara="1" wrap="square" lIns="91425" tIns="91425" rIns="91425" bIns="91425" anchor="ctr" anchorCtr="0">
-              <a:noAutofit/>
-            </a:bodyPr>
-            <a:lstStyle/>
-            <a:p>
-              <a:pPr marL="0" lvl="0" indent="0" algn="l" rtl="0">
-                <a:spcBef>
-                  <a:spcPts val="0"/>
-                </a:spcBef>
-                <a:spcAft>
-                  <a:spcPts val="0"/>
-                </a:spcAft>
-                <a:buNone/>
-              </a:pPr>
-              <a:endParaRPr sz="900">
-                <a:solidFill>
-                  <a:srgbClr val="00695C"/>
-                </a:solidFill>
-                <a:latin typeface="Raleway Light"/>
-                <a:ea typeface="Raleway Light"/>
-                <a:cs typeface="Raleway Light"/>
-                <a:sym typeface="Raleway Light"/>
-              </a:endParaRPr>
-            </a:p>
-          </p:txBody>
-        </p:sp>
-        <p:sp>
-          <p:nvSpPr>
-            <p:cNvPr id="45" name="Google Shape;187;p23">
-              <a:extLst>
-                <a:ext uri="{FF2B5EF4-FFF2-40B4-BE49-F238E27FC236}">
-                  <a16:creationId xmlns:a16="http://schemas.microsoft.com/office/drawing/2014/main" id="{51036726-B235-4D3F-8B6E-30B2BB5B7B3F}"/>
-                </a:ext>
-              </a:extLst>
-            </p:cNvPr>
-            <p:cNvSpPr txBox="1"/>
-            <p:nvPr/>
-          </p:nvSpPr>
-          <p:spPr>
-            <a:xfrm>
-              <a:off x="3460285" y="1613603"/>
-              <a:ext cx="1454252" cy="944700"/>
-            </a:xfrm>
-            <a:prstGeom prst="rect">
-              <a:avLst/>
-            </a:prstGeom>
-            <a:noFill/>
-            <a:ln>
-              <a:noFill/>
-            </a:ln>
-          </p:spPr>
-          <p:txBody>
-            <a:bodyPr spcFirstLastPara="1" wrap="square" lIns="91425" tIns="91425" rIns="91425" bIns="91425" anchor="ctr" anchorCtr="0">
-              <a:noAutofit/>
-            </a:bodyPr>
-            <a:lstStyle/>
-            <a:p>
-              <a:pPr marL="0" lvl="0" indent="0" algn="ctr" rtl="0">
-                <a:spcBef>
-                  <a:spcPts val="0"/>
-                </a:spcBef>
-                <a:spcAft>
-                  <a:spcPts val="0"/>
-                </a:spcAft>
-                <a:buNone/>
-              </a:pPr>
-              <a:r>
-                <a:rPr lang="es-ES" sz="1600" dirty="0">
-                  <a:solidFill>
-                    <a:srgbClr val="FFFFFF"/>
-                  </a:solidFill>
-                  <a:latin typeface="Raleway Light"/>
-                  <a:ea typeface="Raleway Light"/>
-                  <a:cs typeface="Raleway Light"/>
-                  <a:sym typeface="Raleway Light"/>
-                </a:rPr>
-                <a:t>Reuniones de empresa</a:t>
-              </a:r>
-              <a:endParaRPr sz="1600" dirty="0">
-                <a:solidFill>
-                  <a:srgbClr val="FFFFFF"/>
-                </a:solidFill>
-                <a:latin typeface="Raleway Light"/>
-                <a:ea typeface="Raleway Light"/>
-                <a:cs typeface="Raleway Light"/>
-                <a:sym typeface="Raleway Light"/>
-              </a:endParaRPr>
-            </a:p>
-          </p:txBody>
-        </p:sp>
-      </p:grpSp>
       <p:sp>
         <p:nvSpPr>
           <p:cNvPr id="30" name="Google Shape;69;p13">
@@ -7726,2395 +7470,6 @@
             <a:fld id="{00000000-1234-1234-1234-123412341234}" type="slidenum">
               <a:rPr lang="en"/>
               <a:t>10</a:t>
-            </a:fld>
-            <a:endParaRPr/>
-          </a:p>
-        </p:txBody>
-      </p:sp>
-      <p:sp>
-        <p:nvSpPr>
-          <p:cNvPr id="24" name="Rectángulo 23">
-            <a:extLst>
-              <a:ext uri="{FF2B5EF4-FFF2-40B4-BE49-F238E27FC236}">
-                <a16:creationId xmlns:a16="http://schemas.microsoft.com/office/drawing/2014/main" id="{D0C9F0F4-6EF8-4E4E-A562-DF1734CCA286}"/>
-              </a:ext>
-            </a:extLst>
-          </p:cNvPr>
-          <p:cNvSpPr/>
-          <p:nvPr/>
-        </p:nvSpPr>
-        <p:spPr>
-          <a:xfrm>
-            <a:off x="0" y="988142"/>
-            <a:ext cx="789039" cy="671052"/>
-          </a:xfrm>
-          <a:prstGeom prst="rect">
-            <a:avLst/>
-          </a:prstGeom>
-          <a:solidFill>
-            <a:schemeClr val="bg1"/>
-          </a:solidFill>
-          <a:ln>
-            <a:noFill/>
-          </a:ln>
-        </p:spPr>
-        <p:style>
-          <a:lnRef idx="2">
-            <a:schemeClr val="accent1">
-              <a:shade val="50000"/>
-            </a:schemeClr>
-          </a:lnRef>
-          <a:fillRef idx="1">
-            <a:schemeClr val="accent1"/>
-          </a:fillRef>
-          <a:effectRef idx="0">
-            <a:schemeClr val="accent1"/>
-          </a:effectRef>
-          <a:fontRef idx="minor">
-            <a:schemeClr val="lt1"/>
-          </a:fontRef>
-        </p:style>
-        <p:txBody>
-          <a:bodyPr rtlCol="0" anchor="ctr"/>
-          <a:lstStyle/>
-          <a:p>
-            <a:pPr algn="ctr"/>
-            <a:endParaRPr lang="es-ES"/>
-          </a:p>
-        </p:txBody>
-      </p:sp>
-      <p:pic>
-        <p:nvPicPr>
-          <p:cNvPr id="25" name="Imagen 24">
-            <a:extLst>
-              <a:ext uri="{FF2B5EF4-FFF2-40B4-BE49-F238E27FC236}">
-                <a16:creationId xmlns:a16="http://schemas.microsoft.com/office/drawing/2014/main" id="{92418A32-B329-4C6D-9F00-116E564950FB}"/>
-              </a:ext>
-            </a:extLst>
-          </p:cNvPr>
-          <p:cNvPicPr>
-            <a:picLocks noChangeAspect="1"/>
-          </p:cNvPicPr>
-          <p:nvPr/>
-        </p:nvPicPr>
-        <p:blipFill>
-          <a:blip r:embed="rId3">
-            <a:clrChange>
-              <a:clrFrom>
-                <a:srgbClr val="FFFFFF"/>
-              </a:clrFrom>
-              <a:clrTo>
-                <a:srgbClr val="FFFFFF">
-                  <a:alpha val="0"/>
-                </a:srgbClr>
-              </a:clrTo>
-            </a:clrChange>
-            <a:grayscl/>
-          </a:blip>
-          <a:stretch>
-            <a:fillRect/>
-          </a:stretch>
-        </p:blipFill>
-        <p:spPr>
-          <a:xfrm>
-            <a:off x="146244" y="1028124"/>
-            <a:ext cx="584701" cy="584701"/>
-          </a:xfrm>
-          <a:prstGeom prst="rect">
-            <a:avLst/>
-          </a:prstGeom>
-        </p:spPr>
-      </p:pic>
-      <p:grpSp>
-        <p:nvGrpSpPr>
-          <p:cNvPr id="49" name="Google Shape;191;p23">
-            <a:extLst>
-              <a:ext uri="{FF2B5EF4-FFF2-40B4-BE49-F238E27FC236}">
-                <a16:creationId xmlns:a16="http://schemas.microsoft.com/office/drawing/2014/main" id="{001604D6-3E22-467B-8FA9-40DB3BBB4FD1}"/>
-              </a:ext>
-            </a:extLst>
-          </p:cNvPr>
-          <p:cNvGrpSpPr/>
-          <p:nvPr/>
-        </p:nvGrpSpPr>
-        <p:grpSpPr>
-          <a:xfrm>
-            <a:off x="7287055" y="1350267"/>
-            <a:ext cx="1230488" cy="1230488"/>
-            <a:chOff x="3490737" y="1374053"/>
-            <a:chExt cx="1423800" cy="1423800"/>
-          </a:xfrm>
-        </p:grpSpPr>
-        <p:sp>
-          <p:nvSpPr>
-            <p:cNvPr id="50" name="Google Shape;192;p23">
-              <a:extLst>
-                <a:ext uri="{FF2B5EF4-FFF2-40B4-BE49-F238E27FC236}">
-                  <a16:creationId xmlns:a16="http://schemas.microsoft.com/office/drawing/2014/main" id="{4FF9816E-74E6-4CF6-AF05-F1669128C3C0}"/>
-                </a:ext>
-              </a:extLst>
-            </p:cNvPr>
-            <p:cNvSpPr/>
-            <p:nvPr/>
-          </p:nvSpPr>
-          <p:spPr>
-            <a:xfrm>
-              <a:off x="3490737" y="1374053"/>
-              <a:ext cx="1423800" cy="1423800"/>
-            </a:xfrm>
-            <a:prstGeom prst="ellipse">
-              <a:avLst/>
-            </a:prstGeom>
-            <a:solidFill>
-              <a:srgbClr val="F1C232"/>
-            </a:solidFill>
-            <a:ln>
-              <a:noFill/>
-            </a:ln>
-            <a:effectLst>
-              <a:outerShdw blurRad="228600" dist="50800" dir="5400000" algn="tl" rotWithShape="0">
-                <a:srgbClr val="000000">
-                  <a:alpha val="54900"/>
-                </a:srgbClr>
-              </a:outerShdw>
-            </a:effectLst>
-          </p:spPr>
-          <p:txBody>
-            <a:bodyPr spcFirstLastPara="1" wrap="square" lIns="91425" tIns="91425" rIns="91425" bIns="91425" anchor="ctr" anchorCtr="0">
-              <a:noAutofit/>
-            </a:bodyPr>
-            <a:lstStyle/>
-            <a:p>
-              <a:pPr marL="0" lvl="0" indent="0" algn="l" rtl="0">
-                <a:spcBef>
-                  <a:spcPts val="0"/>
-                </a:spcBef>
-                <a:spcAft>
-                  <a:spcPts val="0"/>
-                </a:spcAft>
-                <a:buNone/>
-              </a:pPr>
-              <a:endParaRPr sz="900">
-                <a:solidFill>
-                  <a:srgbClr val="00695C"/>
-                </a:solidFill>
-                <a:latin typeface="Raleway Light"/>
-                <a:ea typeface="Raleway Light"/>
-                <a:cs typeface="Raleway Light"/>
-                <a:sym typeface="Raleway Light"/>
-              </a:endParaRPr>
-            </a:p>
-          </p:txBody>
-        </p:sp>
-        <p:sp>
-          <p:nvSpPr>
-            <p:cNvPr id="51" name="Google Shape;193;p23">
-              <a:extLst>
-                <a:ext uri="{FF2B5EF4-FFF2-40B4-BE49-F238E27FC236}">
-                  <a16:creationId xmlns:a16="http://schemas.microsoft.com/office/drawing/2014/main" id="{49EBD7E0-9D79-4E38-A8DF-811D6BBCA38D}"/>
-                </a:ext>
-              </a:extLst>
-            </p:cNvPr>
-            <p:cNvSpPr txBox="1"/>
-            <p:nvPr/>
-          </p:nvSpPr>
-          <p:spPr>
-            <a:xfrm>
-              <a:off x="3490737" y="1509682"/>
-              <a:ext cx="1423800" cy="1148542"/>
-            </a:xfrm>
-            <a:prstGeom prst="rect">
-              <a:avLst/>
-            </a:prstGeom>
-            <a:noFill/>
-            <a:ln>
-              <a:noFill/>
-            </a:ln>
-          </p:spPr>
-          <p:txBody>
-            <a:bodyPr spcFirstLastPara="1" wrap="square" lIns="91425" tIns="91425" rIns="91425" bIns="91425" anchor="ctr" anchorCtr="0">
-              <a:noAutofit/>
-            </a:bodyPr>
-            <a:lstStyle/>
-            <a:p>
-              <a:pPr marL="0" lvl="0" indent="0" algn="ctr" rtl="0">
-                <a:spcBef>
-                  <a:spcPts val="0"/>
-                </a:spcBef>
-                <a:spcAft>
-                  <a:spcPts val="0"/>
-                </a:spcAft>
-                <a:buNone/>
-              </a:pPr>
-              <a:r>
-                <a:rPr lang="es-ES" sz="1600" dirty="0">
-                  <a:solidFill>
-                    <a:srgbClr val="FFFFFF"/>
-                  </a:solidFill>
-                  <a:latin typeface="Raleway Light"/>
-                  <a:ea typeface="Raleway Light"/>
-                  <a:cs typeface="Raleway Light"/>
-                  <a:sym typeface="Raleway Light"/>
-                </a:rPr>
-                <a:t>Seminarios</a:t>
-              </a:r>
-              <a:endParaRPr lang="es-ES" sz="1200" dirty="0">
-                <a:solidFill>
-                  <a:srgbClr val="FFFFFF"/>
-                </a:solidFill>
-                <a:latin typeface="Raleway Light"/>
-                <a:ea typeface="Raleway Light"/>
-                <a:cs typeface="Raleway Light"/>
-                <a:sym typeface="Raleway Light"/>
-              </a:endParaRPr>
-            </a:p>
-          </p:txBody>
-        </p:sp>
-      </p:grpSp>
-      <p:sp>
-        <p:nvSpPr>
-          <p:cNvPr id="2" name="Rectángulo: esquinas redondeadas 1">
-            <a:extLst>
-              <a:ext uri="{FF2B5EF4-FFF2-40B4-BE49-F238E27FC236}">
-                <a16:creationId xmlns:a16="http://schemas.microsoft.com/office/drawing/2014/main" id="{113E08A9-61E7-4F44-ACD9-65245D608863}"/>
-              </a:ext>
-            </a:extLst>
-          </p:cNvPr>
-          <p:cNvSpPr/>
-          <p:nvPr/>
-        </p:nvSpPr>
-        <p:spPr>
-          <a:xfrm>
-            <a:off x="4233797" y="478075"/>
-            <a:ext cx="4409162" cy="4112224"/>
-          </a:xfrm>
-          <a:prstGeom prst="roundRect">
-            <a:avLst/>
-          </a:prstGeom>
-          <a:solidFill>
-            <a:srgbClr val="FFFFFF">
-              <a:alpha val="60000"/>
-            </a:srgbClr>
-          </a:solidFill>
-          <a:ln>
-            <a:noFill/>
-          </a:ln>
-        </p:spPr>
-        <p:style>
-          <a:lnRef idx="2">
-            <a:schemeClr val="accent1">
-              <a:shade val="50000"/>
-            </a:schemeClr>
-          </a:lnRef>
-          <a:fillRef idx="1">
-            <a:schemeClr val="accent1"/>
-          </a:fillRef>
-          <a:effectRef idx="0">
-            <a:schemeClr val="accent1"/>
-          </a:effectRef>
-          <a:fontRef idx="minor">
-            <a:schemeClr val="lt1"/>
-          </a:fontRef>
-        </p:style>
-        <p:txBody>
-          <a:bodyPr rtlCol="0" anchor="ctr"/>
-          <a:lstStyle/>
-          <a:p>
-            <a:pPr algn="ctr"/>
-            <a:endParaRPr lang="es-ES"/>
-          </a:p>
-        </p:txBody>
-      </p:sp>
-      <p:sp>
-        <p:nvSpPr>
-          <p:cNvPr id="36" name="Google Shape;69;p13">
-            <a:extLst>
-              <a:ext uri="{FF2B5EF4-FFF2-40B4-BE49-F238E27FC236}">
-                <a16:creationId xmlns:a16="http://schemas.microsoft.com/office/drawing/2014/main" id="{27F36BD1-2D45-4737-822D-8DB043951627}"/>
-              </a:ext>
-            </a:extLst>
-          </p:cNvPr>
-          <p:cNvSpPr txBox="1">
-            <a:spLocks/>
-          </p:cNvSpPr>
-          <p:nvPr/>
-        </p:nvSpPr>
-        <p:spPr>
-          <a:xfrm>
-            <a:off x="973698" y="2534338"/>
-            <a:ext cx="4600537" cy="1422822"/>
-          </a:xfrm>
-          <a:prstGeom prst="rect">
-            <a:avLst/>
-          </a:prstGeom>
-          <a:noFill/>
-          <a:ln>
-            <a:noFill/>
-          </a:ln>
-        </p:spPr>
-        <p:txBody>
-          <a:bodyPr spcFirstLastPara="1" wrap="square" lIns="91425" tIns="91425" rIns="91425" bIns="91425" anchor="t" anchorCtr="0">
-            <a:noAutofit/>
-          </a:bodyPr>
-          <a:lstStyle>
-            <a:defPPr marR="0" lvl="0" algn="l" rtl="0">
-              <a:lnSpc>
-                <a:spcPct val="100000"/>
-              </a:lnSpc>
-              <a:spcBef>
-                <a:spcPts val="0"/>
-              </a:spcBef>
-              <a:spcAft>
-                <a:spcPts val="0"/>
-              </a:spcAft>
-            </a:defPPr>
-            <a:lvl1pPr marL="457200" marR="0" lvl="0" indent="-317500" algn="l" rtl="0">
-              <a:lnSpc>
-                <a:spcPct val="100000"/>
-              </a:lnSpc>
-              <a:spcBef>
-                <a:spcPts val="600"/>
-              </a:spcBef>
-              <a:spcAft>
-                <a:spcPts val="0"/>
-              </a:spcAft>
-              <a:buClr>
-                <a:srgbClr val="FFB600"/>
-              </a:buClr>
-              <a:buSzPts val="1400"/>
-              <a:buFont typeface="Raleway Light"/>
-              <a:buChar char="●"/>
-              <a:defRPr sz="1400" b="0" i="0" u="none" strike="noStrike" cap="none">
-                <a:solidFill>
-                  <a:srgbClr val="666666"/>
-                </a:solidFill>
-                <a:latin typeface="Raleway Light"/>
-                <a:ea typeface="Raleway Light"/>
-                <a:cs typeface="Raleway Light"/>
-                <a:sym typeface="Raleway Light"/>
-              </a:defRPr>
-            </a:lvl1pPr>
-            <a:lvl2pPr marL="914400" marR="0" lvl="1" indent="-317500" algn="l" rtl="0">
-              <a:lnSpc>
-                <a:spcPct val="100000"/>
-              </a:lnSpc>
-              <a:spcBef>
-                <a:spcPts val="0"/>
-              </a:spcBef>
-              <a:spcAft>
-                <a:spcPts val="0"/>
-              </a:spcAft>
-              <a:buClr>
-                <a:srgbClr val="FFB600"/>
-              </a:buClr>
-              <a:buSzPts val="1400"/>
-              <a:buFont typeface="Raleway Light"/>
-              <a:buChar char="○"/>
-              <a:defRPr sz="1400" b="0" i="0" u="none" strike="noStrike" cap="none">
-                <a:solidFill>
-                  <a:srgbClr val="666666"/>
-                </a:solidFill>
-                <a:latin typeface="Raleway Light"/>
-                <a:ea typeface="Raleway Light"/>
-                <a:cs typeface="Raleway Light"/>
-                <a:sym typeface="Raleway Light"/>
-              </a:defRPr>
-            </a:lvl2pPr>
-            <a:lvl3pPr marL="1371600" marR="0" lvl="2" indent="-317500" algn="l" rtl="0">
-              <a:lnSpc>
-                <a:spcPct val="100000"/>
-              </a:lnSpc>
-              <a:spcBef>
-                <a:spcPts val="0"/>
-              </a:spcBef>
-              <a:spcAft>
-                <a:spcPts val="0"/>
-              </a:spcAft>
-              <a:buClr>
-                <a:srgbClr val="FFB600"/>
-              </a:buClr>
-              <a:buSzPts val="1400"/>
-              <a:buFont typeface="Raleway Light"/>
-              <a:buChar char="■"/>
-              <a:defRPr sz="1400" b="0" i="0" u="none" strike="noStrike" cap="none">
-                <a:solidFill>
-                  <a:srgbClr val="666666"/>
-                </a:solidFill>
-                <a:latin typeface="Raleway Light"/>
-                <a:ea typeface="Raleway Light"/>
-                <a:cs typeface="Raleway Light"/>
-                <a:sym typeface="Raleway Light"/>
-              </a:defRPr>
-            </a:lvl3pPr>
-            <a:lvl4pPr marL="1828800" marR="0" lvl="3" indent="-317500" algn="l" rtl="0">
-              <a:lnSpc>
-                <a:spcPct val="100000"/>
-              </a:lnSpc>
-              <a:spcBef>
-                <a:spcPts val="0"/>
-              </a:spcBef>
-              <a:spcAft>
-                <a:spcPts val="0"/>
-              </a:spcAft>
-              <a:buClr>
-                <a:srgbClr val="666666"/>
-              </a:buClr>
-              <a:buSzPts val="1400"/>
-              <a:buFont typeface="Raleway Light"/>
-              <a:buChar char="●"/>
-              <a:defRPr sz="1400" b="0" i="0" u="none" strike="noStrike" cap="none">
-                <a:solidFill>
-                  <a:srgbClr val="666666"/>
-                </a:solidFill>
-                <a:latin typeface="Raleway Light"/>
-                <a:ea typeface="Raleway Light"/>
-                <a:cs typeface="Raleway Light"/>
-                <a:sym typeface="Raleway Light"/>
-              </a:defRPr>
-            </a:lvl4pPr>
-            <a:lvl5pPr marL="2286000" marR="0" lvl="4" indent="-317500" algn="l" rtl="0">
-              <a:lnSpc>
-                <a:spcPct val="100000"/>
-              </a:lnSpc>
-              <a:spcBef>
-                <a:spcPts val="0"/>
-              </a:spcBef>
-              <a:spcAft>
-                <a:spcPts val="0"/>
-              </a:spcAft>
-              <a:buClr>
-                <a:srgbClr val="666666"/>
-              </a:buClr>
-              <a:buSzPts val="1400"/>
-              <a:buFont typeface="Raleway Light"/>
-              <a:buChar char="○"/>
-              <a:defRPr sz="1400" b="0" i="0" u="none" strike="noStrike" cap="none">
-                <a:solidFill>
-                  <a:srgbClr val="666666"/>
-                </a:solidFill>
-                <a:latin typeface="Raleway Light"/>
-                <a:ea typeface="Raleway Light"/>
-                <a:cs typeface="Raleway Light"/>
-                <a:sym typeface="Raleway Light"/>
-              </a:defRPr>
-            </a:lvl5pPr>
-            <a:lvl6pPr marL="2743200" marR="0" lvl="5" indent="-317500" algn="l" rtl="0">
-              <a:lnSpc>
-                <a:spcPct val="100000"/>
-              </a:lnSpc>
-              <a:spcBef>
-                <a:spcPts val="0"/>
-              </a:spcBef>
-              <a:spcAft>
-                <a:spcPts val="0"/>
-              </a:spcAft>
-              <a:buClr>
-                <a:srgbClr val="666666"/>
-              </a:buClr>
-              <a:buSzPts val="1400"/>
-              <a:buFont typeface="Raleway Light"/>
-              <a:buChar char="■"/>
-              <a:defRPr sz="1400" b="0" i="0" u="none" strike="noStrike" cap="none">
-                <a:solidFill>
-                  <a:srgbClr val="666666"/>
-                </a:solidFill>
-                <a:latin typeface="Raleway Light"/>
-                <a:ea typeface="Raleway Light"/>
-                <a:cs typeface="Raleway Light"/>
-                <a:sym typeface="Raleway Light"/>
-              </a:defRPr>
-            </a:lvl6pPr>
-            <a:lvl7pPr marL="3200400" marR="0" lvl="6" indent="-317500" algn="l" rtl="0">
-              <a:lnSpc>
-                <a:spcPct val="100000"/>
-              </a:lnSpc>
-              <a:spcBef>
-                <a:spcPts val="0"/>
-              </a:spcBef>
-              <a:spcAft>
-                <a:spcPts val="0"/>
-              </a:spcAft>
-              <a:buClr>
-                <a:srgbClr val="666666"/>
-              </a:buClr>
-              <a:buSzPts val="1400"/>
-              <a:buFont typeface="Raleway Light"/>
-              <a:buChar char="●"/>
-              <a:defRPr sz="1400" b="0" i="0" u="none" strike="noStrike" cap="none">
-                <a:solidFill>
-                  <a:srgbClr val="666666"/>
-                </a:solidFill>
-                <a:latin typeface="Raleway Light"/>
-                <a:ea typeface="Raleway Light"/>
-                <a:cs typeface="Raleway Light"/>
-                <a:sym typeface="Raleway Light"/>
-              </a:defRPr>
-            </a:lvl7pPr>
-            <a:lvl8pPr marL="3657600" marR="0" lvl="7" indent="-317500" algn="l" rtl="0">
-              <a:lnSpc>
-                <a:spcPct val="100000"/>
-              </a:lnSpc>
-              <a:spcBef>
-                <a:spcPts val="0"/>
-              </a:spcBef>
-              <a:spcAft>
-                <a:spcPts val="0"/>
-              </a:spcAft>
-              <a:buClr>
-                <a:srgbClr val="666666"/>
-              </a:buClr>
-              <a:buSzPts val="1400"/>
-              <a:buFont typeface="Raleway Light"/>
-              <a:buChar char="○"/>
-              <a:defRPr sz="1400" b="0" i="0" u="none" strike="noStrike" cap="none">
-                <a:solidFill>
-                  <a:srgbClr val="666666"/>
-                </a:solidFill>
-                <a:latin typeface="Raleway Light"/>
-                <a:ea typeface="Raleway Light"/>
-                <a:cs typeface="Raleway Light"/>
-                <a:sym typeface="Raleway Light"/>
-              </a:defRPr>
-            </a:lvl8pPr>
-            <a:lvl9pPr marL="4114800" marR="0" lvl="8" indent="-317500" algn="l" rtl="0">
-              <a:lnSpc>
-                <a:spcPct val="100000"/>
-              </a:lnSpc>
-              <a:spcBef>
-                <a:spcPts val="0"/>
-              </a:spcBef>
-              <a:spcAft>
-                <a:spcPts val="0"/>
-              </a:spcAft>
-              <a:buClr>
-                <a:srgbClr val="666666"/>
-              </a:buClr>
-              <a:buSzPts val="1400"/>
-              <a:buFont typeface="Raleway Light"/>
-              <a:buChar char="■"/>
-              <a:defRPr sz="1400" b="0" i="0" u="none" strike="noStrike" cap="none">
-                <a:solidFill>
-                  <a:srgbClr val="666666"/>
-                </a:solidFill>
-                <a:latin typeface="Raleway Light"/>
-                <a:ea typeface="Raleway Light"/>
-                <a:cs typeface="Raleway Light"/>
-                <a:sym typeface="Raleway Light"/>
-              </a:defRPr>
-            </a:lvl9pPr>
-          </a:lstStyle>
-          <a:p>
-            <a:pPr marL="901700" lvl="1" indent="-422275">
-              <a:spcBef>
-                <a:spcPts val="600"/>
-              </a:spcBef>
-              <a:buClr>
-                <a:srgbClr val="FFC000"/>
-              </a:buClr>
-              <a:buSzPct val="155000"/>
-              <a:buFont typeface="+mj-lt"/>
-              <a:buAutoNum type="romanLcPeriod"/>
-              <a:tabLst>
-                <a:tab pos="989013" algn="l"/>
-                <a:tab pos="1077913" algn="l"/>
-              </a:tabLst>
-            </a:pPr>
-            <a:r>
-              <a:rPr lang="es-ES" b="1" dirty="0"/>
-              <a:t>Conocer la empresa y el proyecto</a:t>
-            </a:r>
-          </a:p>
-          <a:p>
-            <a:pPr marL="901700" lvl="1" indent="-422275">
-              <a:spcBef>
-                <a:spcPts val="600"/>
-              </a:spcBef>
-              <a:buClr>
-                <a:srgbClr val="FFC000"/>
-              </a:buClr>
-              <a:buSzPct val="155000"/>
-              <a:buFont typeface="+mj-lt"/>
-              <a:buAutoNum type="romanLcPeriod"/>
-              <a:tabLst>
-                <a:tab pos="989013" algn="l"/>
-                <a:tab pos="1077913" algn="l"/>
-              </a:tabLst>
-            </a:pPr>
-            <a:r>
-              <a:rPr lang="es-ES" b="1" dirty="0"/>
-              <a:t>Desarrollo del guante con sensores FBG</a:t>
-            </a:r>
-          </a:p>
-          <a:p>
-            <a:pPr marL="901700" lvl="1" indent="-422275">
-              <a:spcBef>
-                <a:spcPts val="600"/>
-              </a:spcBef>
-              <a:buClr>
-                <a:srgbClr val="FFC000"/>
-              </a:buClr>
-              <a:buSzPct val="155000"/>
-              <a:buFont typeface="+mj-lt"/>
-              <a:buAutoNum type="romanLcPeriod"/>
-              <a:tabLst>
-                <a:tab pos="989013" algn="l"/>
-                <a:tab pos="1077913" algn="l"/>
-              </a:tabLst>
-            </a:pPr>
-            <a:r>
-              <a:rPr lang="es-ES" b="1" dirty="0"/>
-              <a:t>Advertencia de la inoportunidad de la tecnología empleada</a:t>
-            </a:r>
-          </a:p>
-          <a:p>
-            <a:pPr marL="901700" lvl="1" indent="-422275">
-              <a:spcBef>
-                <a:spcPts val="600"/>
-              </a:spcBef>
-              <a:buClr>
-                <a:srgbClr val="FFC000"/>
-              </a:buClr>
-              <a:buSzPct val="155000"/>
-              <a:buFont typeface="+mj-lt"/>
-              <a:buAutoNum type="romanLcPeriod"/>
-              <a:tabLst>
-                <a:tab pos="989013" algn="l"/>
-                <a:tab pos="1077913" algn="l"/>
-              </a:tabLst>
-            </a:pPr>
-            <a:r>
-              <a:rPr lang="es-ES" b="1" dirty="0"/>
-              <a:t>Reorientación del proyecto </a:t>
-            </a:r>
-          </a:p>
-        </p:txBody>
-      </p:sp>
-      <p:grpSp>
-        <p:nvGrpSpPr>
-          <p:cNvPr id="28" name="Google Shape;182;p23">
-            <a:extLst>
-              <a:ext uri="{FF2B5EF4-FFF2-40B4-BE49-F238E27FC236}">
-                <a16:creationId xmlns:a16="http://schemas.microsoft.com/office/drawing/2014/main" id="{2A91F697-A1FA-4231-92E0-19C0CBF4FE9A}"/>
-              </a:ext>
-            </a:extLst>
-          </p:cNvPr>
-          <p:cNvGrpSpPr/>
-          <p:nvPr/>
-        </p:nvGrpSpPr>
-        <p:grpSpPr>
-          <a:xfrm>
-            <a:off x="6046891" y="1975540"/>
-            <a:ext cx="2440200" cy="2440200"/>
-            <a:chOff x="4447194" y="1815766"/>
-            <a:chExt cx="2440200" cy="2440200"/>
-          </a:xfrm>
-        </p:grpSpPr>
-        <p:sp>
-          <p:nvSpPr>
-            <p:cNvPr id="29" name="Google Shape;183;p23">
-              <a:extLst>
-                <a:ext uri="{FF2B5EF4-FFF2-40B4-BE49-F238E27FC236}">
-                  <a16:creationId xmlns:a16="http://schemas.microsoft.com/office/drawing/2014/main" id="{6A90C8B5-6F91-40A0-83BE-6D73B7C12E70}"/>
-                </a:ext>
-              </a:extLst>
-            </p:cNvPr>
-            <p:cNvSpPr/>
-            <p:nvPr/>
-          </p:nvSpPr>
-          <p:spPr>
-            <a:xfrm>
-              <a:off x="4447194" y="1815766"/>
-              <a:ext cx="2440200" cy="2440200"/>
-            </a:xfrm>
-            <a:prstGeom prst="ellipse">
-              <a:avLst/>
-            </a:prstGeom>
-            <a:solidFill>
-              <a:srgbClr val="FFB600"/>
-            </a:solidFill>
-            <a:ln>
-              <a:noFill/>
-            </a:ln>
-            <a:effectLst>
-              <a:outerShdw blurRad="228600" dist="50800" dir="5400000" algn="tl" rotWithShape="0">
-                <a:srgbClr val="000000">
-                  <a:alpha val="54900"/>
-                </a:srgbClr>
-              </a:outerShdw>
-            </a:effectLst>
-          </p:spPr>
-          <p:txBody>
-            <a:bodyPr spcFirstLastPara="1" wrap="square" lIns="91425" tIns="91425" rIns="91425" bIns="91425" anchor="ctr" anchorCtr="0">
-              <a:noAutofit/>
-            </a:bodyPr>
-            <a:lstStyle/>
-            <a:p>
-              <a:pPr marL="0" lvl="0" indent="0" algn="l" rtl="0">
-                <a:spcBef>
-                  <a:spcPts val="0"/>
-                </a:spcBef>
-                <a:spcAft>
-                  <a:spcPts val="0"/>
-                </a:spcAft>
-                <a:buNone/>
-              </a:pPr>
-              <a:endParaRPr sz="900">
-                <a:solidFill>
-                  <a:srgbClr val="00695C"/>
-                </a:solidFill>
-                <a:latin typeface="Raleway Light"/>
-                <a:ea typeface="Raleway Light"/>
-                <a:cs typeface="Raleway Light"/>
-                <a:sym typeface="Raleway Light"/>
-              </a:endParaRPr>
-            </a:p>
-          </p:txBody>
-        </p:sp>
-        <p:sp>
-          <p:nvSpPr>
-            <p:cNvPr id="31" name="Google Shape;184;p23">
-              <a:extLst>
-                <a:ext uri="{FF2B5EF4-FFF2-40B4-BE49-F238E27FC236}">
-                  <a16:creationId xmlns:a16="http://schemas.microsoft.com/office/drawing/2014/main" id="{1D582AB5-5E39-46F2-B6E1-B6565CE41E86}"/>
-                </a:ext>
-              </a:extLst>
-            </p:cNvPr>
-            <p:cNvSpPr txBox="1"/>
-            <p:nvPr/>
-          </p:nvSpPr>
-          <p:spPr>
-            <a:xfrm>
-              <a:off x="4606589" y="2504275"/>
-              <a:ext cx="2185353" cy="1163400"/>
-            </a:xfrm>
-            <a:prstGeom prst="rect">
-              <a:avLst/>
-            </a:prstGeom>
-            <a:noFill/>
-            <a:ln>
-              <a:noFill/>
-            </a:ln>
-          </p:spPr>
-          <p:txBody>
-            <a:bodyPr spcFirstLastPara="1" wrap="square" lIns="91425" tIns="91425" rIns="91425" bIns="91425" anchor="ctr" anchorCtr="0">
-              <a:noAutofit/>
-            </a:bodyPr>
-            <a:lstStyle/>
-            <a:p>
-              <a:pPr marL="0" lvl="0" indent="0" algn="ctr" rtl="0">
-                <a:spcBef>
-                  <a:spcPts val="0"/>
-                </a:spcBef>
-                <a:spcAft>
-                  <a:spcPts val="0"/>
-                </a:spcAft>
-                <a:buNone/>
-              </a:pPr>
-              <a:r>
-                <a:rPr lang="es-ES" sz="2000" dirty="0">
-                  <a:solidFill>
-                    <a:srgbClr val="FFFFFF"/>
-                  </a:solidFill>
-                  <a:latin typeface="Raleway Light"/>
-                  <a:ea typeface="Raleway Light"/>
-                  <a:cs typeface="Raleway Light"/>
-                  <a:sym typeface="Raleway Light"/>
-                </a:rPr>
-                <a:t>Desarrollo diario del proyecto</a:t>
-              </a:r>
-              <a:endParaRPr sz="2000" dirty="0">
-                <a:solidFill>
-                  <a:srgbClr val="FFFFFF"/>
-                </a:solidFill>
-                <a:latin typeface="Raleway Light"/>
-                <a:ea typeface="Raleway Light"/>
-                <a:cs typeface="Raleway Light"/>
-                <a:sym typeface="Raleway Light"/>
-              </a:endParaRPr>
-            </a:p>
-          </p:txBody>
-        </p:sp>
-      </p:grpSp>
-      <p:grpSp>
-        <p:nvGrpSpPr>
-          <p:cNvPr id="9" name="Google Shape;230;p26">
-            <a:extLst>
-              <a:ext uri="{FF2B5EF4-FFF2-40B4-BE49-F238E27FC236}">
-                <a16:creationId xmlns:a16="http://schemas.microsoft.com/office/drawing/2014/main" id="{5B21FD8B-D05D-4E26-B1F2-3B5829A0AF6C}"/>
-              </a:ext>
-            </a:extLst>
-          </p:cNvPr>
-          <p:cNvGrpSpPr/>
-          <p:nvPr/>
-        </p:nvGrpSpPr>
-        <p:grpSpPr>
-          <a:xfrm>
-            <a:off x="8056529" y="173652"/>
-            <a:ext cx="793438" cy="1034192"/>
-            <a:chOff x="2624850" y="4296000"/>
-            <a:chExt cx="380400" cy="495825"/>
-          </a:xfrm>
-        </p:grpSpPr>
-        <p:sp>
-          <p:nvSpPr>
-            <p:cNvPr id="10" name="Google Shape;231;p26">
-              <a:extLst>
-                <a:ext uri="{FF2B5EF4-FFF2-40B4-BE49-F238E27FC236}">
-                  <a16:creationId xmlns:a16="http://schemas.microsoft.com/office/drawing/2014/main" id="{D1826046-EF54-4EF2-90BA-109FC765AD28}"/>
-                </a:ext>
-              </a:extLst>
-            </p:cNvPr>
-            <p:cNvSpPr/>
-            <p:nvPr/>
-          </p:nvSpPr>
-          <p:spPr>
-            <a:xfrm>
-              <a:off x="2845875" y="4296000"/>
-              <a:ext cx="126425" cy="125800"/>
-            </a:xfrm>
-            <a:custGeom>
-              <a:avLst/>
-              <a:gdLst/>
-              <a:ahLst/>
-              <a:cxnLst/>
-              <a:rect l="l" t="t" r="r" b="b"/>
-              <a:pathLst>
-                <a:path w="5057" h="5032" extrusionOk="0">
-                  <a:moveTo>
-                    <a:pt x="4812" y="1"/>
-                  </a:moveTo>
-                  <a:lnTo>
-                    <a:pt x="4372" y="74"/>
-                  </a:lnTo>
-                  <a:lnTo>
-                    <a:pt x="3762" y="196"/>
-                  </a:lnTo>
-                  <a:lnTo>
-                    <a:pt x="3053" y="392"/>
-                  </a:lnTo>
-                  <a:lnTo>
-                    <a:pt x="2321" y="636"/>
-                  </a:lnTo>
-                  <a:lnTo>
-                    <a:pt x="1612" y="929"/>
-                  </a:lnTo>
-                  <a:lnTo>
-                    <a:pt x="1295" y="1075"/>
-                  </a:lnTo>
-                  <a:lnTo>
-                    <a:pt x="1026" y="1222"/>
-                  </a:lnTo>
-                  <a:lnTo>
-                    <a:pt x="782" y="1368"/>
-                  </a:lnTo>
-                  <a:lnTo>
-                    <a:pt x="611" y="1515"/>
-                  </a:lnTo>
-                  <a:lnTo>
-                    <a:pt x="489" y="1662"/>
-                  </a:lnTo>
-                  <a:lnTo>
-                    <a:pt x="367" y="1808"/>
-                  </a:lnTo>
-                  <a:lnTo>
-                    <a:pt x="269" y="1979"/>
-                  </a:lnTo>
-                  <a:lnTo>
-                    <a:pt x="172" y="2150"/>
-                  </a:lnTo>
-                  <a:lnTo>
-                    <a:pt x="123" y="2321"/>
-                  </a:lnTo>
-                  <a:lnTo>
-                    <a:pt x="74" y="2492"/>
-                  </a:lnTo>
-                  <a:lnTo>
-                    <a:pt x="25" y="2687"/>
-                  </a:lnTo>
-                  <a:lnTo>
-                    <a:pt x="1" y="2858"/>
-                  </a:lnTo>
-                  <a:lnTo>
-                    <a:pt x="1" y="3054"/>
-                  </a:lnTo>
-                  <a:lnTo>
-                    <a:pt x="25" y="3225"/>
-                  </a:lnTo>
-                  <a:lnTo>
-                    <a:pt x="49" y="3420"/>
-                  </a:lnTo>
-                  <a:lnTo>
-                    <a:pt x="98" y="3591"/>
-                  </a:lnTo>
-                  <a:lnTo>
-                    <a:pt x="172" y="3762"/>
-                  </a:lnTo>
-                  <a:lnTo>
-                    <a:pt x="245" y="3933"/>
-                  </a:lnTo>
-                  <a:lnTo>
-                    <a:pt x="342" y="4104"/>
-                  </a:lnTo>
-                  <a:lnTo>
-                    <a:pt x="440" y="4250"/>
-                  </a:lnTo>
-                  <a:lnTo>
-                    <a:pt x="2638" y="2052"/>
-                  </a:lnTo>
-                  <a:lnTo>
-                    <a:pt x="2736" y="2003"/>
-                  </a:lnTo>
-                  <a:lnTo>
-                    <a:pt x="2809" y="1979"/>
-                  </a:lnTo>
-                  <a:lnTo>
-                    <a:pt x="2907" y="2003"/>
-                  </a:lnTo>
-                  <a:lnTo>
-                    <a:pt x="2980" y="2052"/>
-                  </a:lnTo>
-                  <a:lnTo>
-                    <a:pt x="3029" y="2126"/>
-                  </a:lnTo>
-                  <a:lnTo>
-                    <a:pt x="3053" y="2223"/>
-                  </a:lnTo>
-                  <a:lnTo>
-                    <a:pt x="3029" y="2321"/>
-                  </a:lnTo>
-                  <a:lnTo>
-                    <a:pt x="2980" y="2394"/>
-                  </a:lnTo>
-                  <a:lnTo>
-                    <a:pt x="782" y="4592"/>
-                  </a:lnTo>
-                  <a:lnTo>
-                    <a:pt x="953" y="4690"/>
-                  </a:lnTo>
-                  <a:lnTo>
-                    <a:pt x="1100" y="4788"/>
-                  </a:lnTo>
-                  <a:lnTo>
-                    <a:pt x="1271" y="4885"/>
-                  </a:lnTo>
-                  <a:lnTo>
-                    <a:pt x="1466" y="4934"/>
-                  </a:lnTo>
-                  <a:lnTo>
-                    <a:pt x="1637" y="4983"/>
-                  </a:lnTo>
-                  <a:lnTo>
-                    <a:pt x="1808" y="5008"/>
-                  </a:lnTo>
-                  <a:lnTo>
-                    <a:pt x="2003" y="5032"/>
-                  </a:lnTo>
-                  <a:lnTo>
-                    <a:pt x="2174" y="5032"/>
-                  </a:lnTo>
-                  <a:lnTo>
-                    <a:pt x="2370" y="5008"/>
-                  </a:lnTo>
-                  <a:lnTo>
-                    <a:pt x="2541" y="4983"/>
-                  </a:lnTo>
-                  <a:lnTo>
-                    <a:pt x="2712" y="4934"/>
-                  </a:lnTo>
-                  <a:lnTo>
-                    <a:pt x="2907" y="4861"/>
-                  </a:lnTo>
-                  <a:lnTo>
-                    <a:pt x="3053" y="4788"/>
-                  </a:lnTo>
-                  <a:lnTo>
-                    <a:pt x="3224" y="4690"/>
-                  </a:lnTo>
-                  <a:lnTo>
-                    <a:pt x="3371" y="4568"/>
-                  </a:lnTo>
-                  <a:lnTo>
-                    <a:pt x="3517" y="4421"/>
-                  </a:lnTo>
-                  <a:lnTo>
-                    <a:pt x="3664" y="4250"/>
-                  </a:lnTo>
-                  <a:lnTo>
-                    <a:pt x="3835" y="4006"/>
-                  </a:lnTo>
-                  <a:lnTo>
-                    <a:pt x="3981" y="3738"/>
-                  </a:lnTo>
-                  <a:lnTo>
-                    <a:pt x="4128" y="3420"/>
-                  </a:lnTo>
-                  <a:lnTo>
-                    <a:pt x="4397" y="2736"/>
-                  </a:lnTo>
-                  <a:lnTo>
-                    <a:pt x="4641" y="1979"/>
-                  </a:lnTo>
-                  <a:lnTo>
-                    <a:pt x="4836" y="1271"/>
-                  </a:lnTo>
-                  <a:lnTo>
-                    <a:pt x="4983" y="660"/>
-                  </a:lnTo>
-                  <a:lnTo>
-                    <a:pt x="5032" y="221"/>
-                  </a:lnTo>
-                  <a:lnTo>
-                    <a:pt x="5056" y="98"/>
-                  </a:lnTo>
-                  <a:lnTo>
-                    <a:pt x="5032" y="25"/>
-                  </a:lnTo>
-                  <a:lnTo>
-                    <a:pt x="4958" y="1"/>
-                  </a:lnTo>
-                  <a:close/>
-                </a:path>
-              </a:pathLst>
-            </a:custGeom>
-            <a:solidFill>
-              <a:srgbClr val="FFB600"/>
-            </a:solidFill>
-            <a:ln>
-              <a:noFill/>
-            </a:ln>
-          </p:spPr>
-          <p:txBody>
-            <a:bodyPr spcFirstLastPara="1" wrap="square" lIns="91425" tIns="91425" rIns="91425" bIns="91425" anchor="ctr" anchorCtr="0">
-              <a:noAutofit/>
-            </a:bodyPr>
-            <a:lstStyle/>
-            <a:p>
-              <a:pPr marL="0" lvl="0" indent="0" algn="l" rtl="0">
-                <a:spcBef>
-                  <a:spcPts val="0"/>
-                </a:spcBef>
-                <a:spcAft>
-                  <a:spcPts val="0"/>
-                </a:spcAft>
-                <a:buNone/>
-              </a:pPr>
-              <a:endParaRPr/>
-            </a:p>
-          </p:txBody>
-        </p:sp>
-        <p:sp>
-          <p:nvSpPr>
-            <p:cNvPr id="11" name="Google Shape;232;p26">
-              <a:extLst>
-                <a:ext uri="{FF2B5EF4-FFF2-40B4-BE49-F238E27FC236}">
-                  <a16:creationId xmlns:a16="http://schemas.microsoft.com/office/drawing/2014/main" id="{FB8B03AC-05BF-4129-8213-B39815751AC2}"/>
-                </a:ext>
-              </a:extLst>
-            </p:cNvPr>
-            <p:cNvSpPr/>
-            <p:nvPr/>
-          </p:nvSpPr>
-          <p:spPr>
-            <a:xfrm>
-              <a:off x="2635850" y="4316150"/>
-              <a:ext cx="369400" cy="475675"/>
-            </a:xfrm>
-            <a:custGeom>
-              <a:avLst/>
-              <a:gdLst/>
-              <a:ahLst/>
-              <a:cxnLst/>
-              <a:rect l="l" t="t" r="r" b="b"/>
-              <a:pathLst>
-                <a:path w="14776" h="19027" extrusionOk="0">
-                  <a:moveTo>
-                    <a:pt x="7400" y="1"/>
-                  </a:moveTo>
-                  <a:lnTo>
-                    <a:pt x="7254" y="25"/>
-                  </a:lnTo>
-                  <a:lnTo>
-                    <a:pt x="7132" y="50"/>
-                  </a:lnTo>
-                  <a:lnTo>
-                    <a:pt x="7034" y="123"/>
-                  </a:lnTo>
-                  <a:lnTo>
-                    <a:pt x="6936" y="196"/>
-                  </a:lnTo>
-                  <a:lnTo>
-                    <a:pt x="6863" y="294"/>
-                  </a:lnTo>
-                  <a:lnTo>
-                    <a:pt x="6790" y="392"/>
-                  </a:lnTo>
-                  <a:lnTo>
-                    <a:pt x="6765" y="514"/>
-                  </a:lnTo>
-                  <a:lnTo>
-                    <a:pt x="6741" y="636"/>
-                  </a:lnTo>
-                  <a:lnTo>
-                    <a:pt x="6741" y="4226"/>
-                  </a:lnTo>
-                  <a:lnTo>
-                    <a:pt x="6887" y="4592"/>
-                  </a:lnTo>
-                  <a:lnTo>
-                    <a:pt x="7009" y="4959"/>
-                  </a:lnTo>
-                  <a:lnTo>
-                    <a:pt x="7058" y="5325"/>
-                  </a:lnTo>
-                  <a:lnTo>
-                    <a:pt x="7083" y="5716"/>
-                  </a:lnTo>
-                  <a:lnTo>
-                    <a:pt x="7058" y="6107"/>
-                  </a:lnTo>
-                  <a:lnTo>
-                    <a:pt x="7009" y="6473"/>
-                  </a:lnTo>
-                  <a:lnTo>
-                    <a:pt x="6887" y="6864"/>
-                  </a:lnTo>
-                  <a:lnTo>
-                    <a:pt x="6741" y="7230"/>
-                  </a:lnTo>
-                  <a:lnTo>
-                    <a:pt x="6741" y="13629"/>
-                  </a:lnTo>
-                  <a:lnTo>
-                    <a:pt x="6203" y="13678"/>
-                  </a:lnTo>
-                  <a:lnTo>
-                    <a:pt x="5666" y="13775"/>
-                  </a:lnTo>
-                  <a:lnTo>
-                    <a:pt x="5153" y="13897"/>
-                  </a:lnTo>
-                  <a:lnTo>
-                    <a:pt x="4640" y="14044"/>
-                  </a:lnTo>
-                  <a:lnTo>
-                    <a:pt x="4152" y="14239"/>
-                  </a:lnTo>
-                  <a:lnTo>
-                    <a:pt x="3688" y="14459"/>
-                  </a:lnTo>
-                  <a:lnTo>
-                    <a:pt x="3224" y="14703"/>
-                  </a:lnTo>
-                  <a:lnTo>
-                    <a:pt x="2784" y="14972"/>
-                  </a:lnTo>
-                  <a:lnTo>
-                    <a:pt x="2369" y="15265"/>
-                  </a:lnTo>
-                  <a:lnTo>
-                    <a:pt x="1954" y="15583"/>
-                  </a:lnTo>
-                  <a:lnTo>
-                    <a:pt x="1588" y="15925"/>
-                  </a:lnTo>
-                  <a:lnTo>
-                    <a:pt x="1221" y="16291"/>
-                  </a:lnTo>
-                  <a:lnTo>
-                    <a:pt x="879" y="16682"/>
-                  </a:lnTo>
-                  <a:lnTo>
-                    <a:pt x="562" y="17097"/>
-                  </a:lnTo>
-                  <a:lnTo>
-                    <a:pt x="269" y="17512"/>
-                  </a:lnTo>
-                  <a:lnTo>
-                    <a:pt x="0" y="17952"/>
-                  </a:lnTo>
-                  <a:lnTo>
-                    <a:pt x="293" y="18074"/>
-                  </a:lnTo>
-                  <a:lnTo>
-                    <a:pt x="611" y="18196"/>
-                  </a:lnTo>
-                  <a:lnTo>
-                    <a:pt x="1319" y="18391"/>
-                  </a:lnTo>
-                  <a:lnTo>
-                    <a:pt x="2125" y="18587"/>
-                  </a:lnTo>
-                  <a:lnTo>
-                    <a:pt x="3053" y="18733"/>
-                  </a:lnTo>
-                  <a:lnTo>
-                    <a:pt x="4030" y="18855"/>
-                  </a:lnTo>
-                  <a:lnTo>
-                    <a:pt x="5104" y="18953"/>
-                  </a:lnTo>
-                  <a:lnTo>
-                    <a:pt x="6228" y="19002"/>
-                  </a:lnTo>
-                  <a:lnTo>
-                    <a:pt x="7376" y="19026"/>
-                  </a:lnTo>
-                  <a:lnTo>
-                    <a:pt x="8548" y="19002"/>
-                  </a:lnTo>
-                  <a:lnTo>
-                    <a:pt x="9672" y="18953"/>
-                  </a:lnTo>
-                  <a:lnTo>
-                    <a:pt x="10746" y="18855"/>
-                  </a:lnTo>
-                  <a:lnTo>
-                    <a:pt x="11723" y="18733"/>
-                  </a:lnTo>
-                  <a:lnTo>
-                    <a:pt x="12651" y="18587"/>
-                  </a:lnTo>
-                  <a:lnTo>
-                    <a:pt x="13457" y="18391"/>
-                  </a:lnTo>
-                  <a:lnTo>
-                    <a:pt x="14165" y="18196"/>
-                  </a:lnTo>
-                  <a:lnTo>
-                    <a:pt x="14483" y="18074"/>
-                  </a:lnTo>
-                  <a:lnTo>
-                    <a:pt x="14776" y="17952"/>
-                  </a:lnTo>
-                  <a:lnTo>
-                    <a:pt x="14507" y="17512"/>
-                  </a:lnTo>
-                  <a:lnTo>
-                    <a:pt x="14214" y="17097"/>
-                  </a:lnTo>
-                  <a:lnTo>
-                    <a:pt x="13897" y="16682"/>
-                  </a:lnTo>
-                  <a:lnTo>
-                    <a:pt x="13555" y="16291"/>
-                  </a:lnTo>
-                  <a:lnTo>
-                    <a:pt x="13188" y="15925"/>
-                  </a:lnTo>
-                  <a:lnTo>
-                    <a:pt x="12822" y="15583"/>
-                  </a:lnTo>
-                  <a:lnTo>
-                    <a:pt x="12407" y="15265"/>
-                  </a:lnTo>
-                  <a:lnTo>
-                    <a:pt x="11992" y="14972"/>
-                  </a:lnTo>
-                  <a:lnTo>
-                    <a:pt x="11552" y="14703"/>
-                  </a:lnTo>
-                  <a:lnTo>
-                    <a:pt x="11088" y="14459"/>
-                  </a:lnTo>
-                  <a:lnTo>
-                    <a:pt x="10624" y="14239"/>
-                  </a:lnTo>
-                  <a:lnTo>
-                    <a:pt x="10136" y="14044"/>
-                  </a:lnTo>
-                  <a:lnTo>
-                    <a:pt x="9623" y="13897"/>
-                  </a:lnTo>
-                  <a:lnTo>
-                    <a:pt x="9110" y="13775"/>
-                  </a:lnTo>
-                  <a:lnTo>
-                    <a:pt x="8573" y="13678"/>
-                  </a:lnTo>
-                  <a:lnTo>
-                    <a:pt x="8035" y="13629"/>
-                  </a:lnTo>
-                  <a:lnTo>
-                    <a:pt x="8035" y="3347"/>
-                  </a:lnTo>
-                  <a:lnTo>
-                    <a:pt x="7913" y="3054"/>
-                  </a:lnTo>
-                  <a:lnTo>
-                    <a:pt x="7840" y="2761"/>
-                  </a:lnTo>
-                  <a:lnTo>
-                    <a:pt x="7791" y="2467"/>
-                  </a:lnTo>
-                  <a:lnTo>
-                    <a:pt x="7767" y="2174"/>
-                  </a:lnTo>
-                  <a:lnTo>
-                    <a:pt x="7791" y="1857"/>
-                  </a:lnTo>
-                  <a:lnTo>
-                    <a:pt x="7840" y="1564"/>
-                  </a:lnTo>
-                  <a:lnTo>
-                    <a:pt x="7913" y="1271"/>
-                  </a:lnTo>
-                  <a:lnTo>
-                    <a:pt x="8035" y="978"/>
-                  </a:lnTo>
-                  <a:lnTo>
-                    <a:pt x="8035" y="636"/>
-                  </a:lnTo>
-                  <a:lnTo>
-                    <a:pt x="8011" y="514"/>
-                  </a:lnTo>
-                  <a:lnTo>
-                    <a:pt x="7986" y="392"/>
-                  </a:lnTo>
-                  <a:lnTo>
-                    <a:pt x="7913" y="294"/>
-                  </a:lnTo>
-                  <a:lnTo>
-                    <a:pt x="7840" y="196"/>
-                  </a:lnTo>
-                  <a:lnTo>
-                    <a:pt x="7742" y="123"/>
-                  </a:lnTo>
-                  <a:lnTo>
-                    <a:pt x="7644" y="50"/>
-                  </a:lnTo>
-                  <a:lnTo>
-                    <a:pt x="7522" y="25"/>
-                  </a:lnTo>
-                  <a:lnTo>
-                    <a:pt x="7400" y="1"/>
-                  </a:lnTo>
-                  <a:close/>
-                </a:path>
-              </a:pathLst>
-            </a:custGeom>
-            <a:solidFill>
-              <a:srgbClr val="FFB600"/>
-            </a:solidFill>
-            <a:ln>
-              <a:noFill/>
-            </a:ln>
-          </p:spPr>
-          <p:txBody>
-            <a:bodyPr spcFirstLastPara="1" wrap="square" lIns="91425" tIns="91425" rIns="91425" bIns="91425" anchor="ctr" anchorCtr="0">
-              <a:noAutofit/>
-            </a:bodyPr>
-            <a:lstStyle/>
-            <a:p>
-              <a:pPr marL="0" lvl="0" indent="0" algn="l" rtl="0">
-                <a:spcBef>
-                  <a:spcPts val="0"/>
-                </a:spcBef>
-                <a:spcAft>
-                  <a:spcPts val="0"/>
-                </a:spcAft>
-                <a:buNone/>
-              </a:pPr>
-              <a:endParaRPr/>
-            </a:p>
-          </p:txBody>
-        </p:sp>
-        <p:sp>
-          <p:nvSpPr>
-            <p:cNvPr id="12" name="Google Shape;233;p26">
-              <a:extLst>
-                <a:ext uri="{FF2B5EF4-FFF2-40B4-BE49-F238E27FC236}">
-                  <a16:creationId xmlns:a16="http://schemas.microsoft.com/office/drawing/2014/main" id="{7B1E2892-98EA-46E3-A29E-23C00B723BE6}"/>
-                </a:ext>
-              </a:extLst>
-            </p:cNvPr>
-            <p:cNvSpPr/>
-            <p:nvPr/>
-          </p:nvSpPr>
-          <p:spPr>
-            <a:xfrm>
-              <a:off x="2624850" y="4357675"/>
-              <a:ext cx="171600" cy="171600"/>
-            </a:xfrm>
-            <a:custGeom>
-              <a:avLst/>
-              <a:gdLst/>
-              <a:ahLst/>
-              <a:cxnLst/>
-              <a:rect l="l" t="t" r="r" b="b"/>
-              <a:pathLst>
-                <a:path w="6864" h="6864" extrusionOk="0">
-                  <a:moveTo>
-                    <a:pt x="74" y="1"/>
-                  </a:moveTo>
-                  <a:lnTo>
-                    <a:pt x="25" y="25"/>
-                  </a:lnTo>
-                  <a:lnTo>
-                    <a:pt x="0" y="74"/>
-                  </a:lnTo>
-                  <a:lnTo>
-                    <a:pt x="0" y="123"/>
-                  </a:lnTo>
-                  <a:lnTo>
-                    <a:pt x="0" y="318"/>
-                  </a:lnTo>
-                  <a:lnTo>
-                    <a:pt x="25" y="587"/>
-                  </a:lnTo>
-                  <a:lnTo>
-                    <a:pt x="74" y="929"/>
-                  </a:lnTo>
-                  <a:lnTo>
-                    <a:pt x="269" y="1759"/>
-                  </a:lnTo>
-                  <a:lnTo>
-                    <a:pt x="538" y="2736"/>
-                  </a:lnTo>
-                  <a:lnTo>
-                    <a:pt x="880" y="3737"/>
-                  </a:lnTo>
-                  <a:lnTo>
-                    <a:pt x="1051" y="4226"/>
-                  </a:lnTo>
-                  <a:lnTo>
-                    <a:pt x="1246" y="4690"/>
-                  </a:lnTo>
-                  <a:lnTo>
-                    <a:pt x="1441" y="5105"/>
-                  </a:lnTo>
-                  <a:lnTo>
-                    <a:pt x="1661" y="5496"/>
-                  </a:lnTo>
-                  <a:lnTo>
-                    <a:pt x="1857" y="5813"/>
-                  </a:lnTo>
-                  <a:lnTo>
-                    <a:pt x="2076" y="6057"/>
-                  </a:lnTo>
-                  <a:lnTo>
-                    <a:pt x="2272" y="6228"/>
-                  </a:lnTo>
-                  <a:lnTo>
-                    <a:pt x="2492" y="6399"/>
-                  </a:lnTo>
-                  <a:lnTo>
-                    <a:pt x="2711" y="6521"/>
-                  </a:lnTo>
-                  <a:lnTo>
-                    <a:pt x="2956" y="6644"/>
-                  </a:lnTo>
-                  <a:lnTo>
-                    <a:pt x="3200" y="6741"/>
-                  </a:lnTo>
-                  <a:lnTo>
-                    <a:pt x="3444" y="6815"/>
-                  </a:lnTo>
-                  <a:lnTo>
-                    <a:pt x="3688" y="6863"/>
-                  </a:lnTo>
-                  <a:lnTo>
-                    <a:pt x="4201" y="6863"/>
-                  </a:lnTo>
-                  <a:lnTo>
-                    <a:pt x="4445" y="6839"/>
-                  </a:lnTo>
-                  <a:lnTo>
-                    <a:pt x="4690" y="6815"/>
-                  </a:lnTo>
-                  <a:lnTo>
-                    <a:pt x="4958" y="6741"/>
-                  </a:lnTo>
-                  <a:lnTo>
-                    <a:pt x="5178" y="6644"/>
-                  </a:lnTo>
-                  <a:lnTo>
-                    <a:pt x="5422" y="6521"/>
-                  </a:lnTo>
-                  <a:lnTo>
-                    <a:pt x="5642" y="6399"/>
-                  </a:lnTo>
-                  <a:lnTo>
-                    <a:pt x="5862" y="6228"/>
-                  </a:lnTo>
-                  <a:lnTo>
-                    <a:pt x="2198" y="2565"/>
-                  </a:lnTo>
-                  <a:lnTo>
-                    <a:pt x="2150" y="2492"/>
-                  </a:lnTo>
-                  <a:lnTo>
-                    <a:pt x="2125" y="2394"/>
-                  </a:lnTo>
-                  <a:lnTo>
-                    <a:pt x="2150" y="2296"/>
-                  </a:lnTo>
-                  <a:lnTo>
-                    <a:pt x="2198" y="2199"/>
-                  </a:lnTo>
-                  <a:lnTo>
-                    <a:pt x="2296" y="2150"/>
-                  </a:lnTo>
-                  <a:lnTo>
-                    <a:pt x="2394" y="2125"/>
-                  </a:lnTo>
-                  <a:lnTo>
-                    <a:pt x="2492" y="2150"/>
-                  </a:lnTo>
-                  <a:lnTo>
-                    <a:pt x="2565" y="2199"/>
-                  </a:lnTo>
-                  <a:lnTo>
-                    <a:pt x="6228" y="5862"/>
-                  </a:lnTo>
-                  <a:lnTo>
-                    <a:pt x="6375" y="5642"/>
-                  </a:lnTo>
-                  <a:lnTo>
-                    <a:pt x="6521" y="5422"/>
-                  </a:lnTo>
-                  <a:lnTo>
-                    <a:pt x="6643" y="5203"/>
-                  </a:lnTo>
-                  <a:lnTo>
-                    <a:pt x="6741" y="4958"/>
-                  </a:lnTo>
-                  <a:lnTo>
-                    <a:pt x="6814" y="4714"/>
-                  </a:lnTo>
-                  <a:lnTo>
-                    <a:pt x="6839" y="4446"/>
-                  </a:lnTo>
-                  <a:lnTo>
-                    <a:pt x="6863" y="4201"/>
-                  </a:lnTo>
-                  <a:lnTo>
-                    <a:pt x="6863" y="3933"/>
-                  </a:lnTo>
-                  <a:lnTo>
-                    <a:pt x="6839" y="3688"/>
-                  </a:lnTo>
-                  <a:lnTo>
-                    <a:pt x="6814" y="3444"/>
-                  </a:lnTo>
-                  <a:lnTo>
-                    <a:pt x="6741" y="3200"/>
-                  </a:lnTo>
-                  <a:lnTo>
-                    <a:pt x="6643" y="2956"/>
-                  </a:lnTo>
-                  <a:lnTo>
-                    <a:pt x="6521" y="2711"/>
-                  </a:lnTo>
-                  <a:lnTo>
-                    <a:pt x="6399" y="2492"/>
-                  </a:lnTo>
-                  <a:lnTo>
-                    <a:pt x="6228" y="2272"/>
-                  </a:lnTo>
-                  <a:lnTo>
-                    <a:pt x="6057" y="2076"/>
-                  </a:lnTo>
-                  <a:lnTo>
-                    <a:pt x="5813" y="1857"/>
-                  </a:lnTo>
-                  <a:lnTo>
-                    <a:pt x="5496" y="1661"/>
-                  </a:lnTo>
-                  <a:lnTo>
-                    <a:pt x="5105" y="1466"/>
-                  </a:lnTo>
-                  <a:lnTo>
-                    <a:pt x="4690" y="1246"/>
-                  </a:lnTo>
-                  <a:lnTo>
-                    <a:pt x="4226" y="1051"/>
-                  </a:lnTo>
-                  <a:lnTo>
-                    <a:pt x="3737" y="880"/>
-                  </a:lnTo>
-                  <a:lnTo>
-                    <a:pt x="2736" y="538"/>
-                  </a:lnTo>
-                  <a:lnTo>
-                    <a:pt x="1759" y="269"/>
-                  </a:lnTo>
-                  <a:lnTo>
-                    <a:pt x="928" y="74"/>
-                  </a:lnTo>
-                  <a:lnTo>
-                    <a:pt x="587" y="25"/>
-                  </a:lnTo>
-                  <a:lnTo>
-                    <a:pt x="318" y="1"/>
-                  </a:lnTo>
-                  <a:close/>
-                </a:path>
-              </a:pathLst>
-            </a:custGeom>
-            <a:solidFill>
-              <a:srgbClr val="FFB600"/>
-            </a:solidFill>
-            <a:ln>
-              <a:noFill/>
-            </a:ln>
-          </p:spPr>
-          <p:txBody>
-            <a:bodyPr spcFirstLastPara="1" wrap="square" lIns="91425" tIns="91425" rIns="91425" bIns="91425" anchor="ctr" anchorCtr="0">
-              <a:noAutofit/>
-            </a:bodyPr>
-            <a:lstStyle/>
-            <a:p>
-              <a:pPr marL="0" lvl="0" indent="0" algn="l" rtl="0">
-                <a:spcBef>
-                  <a:spcPts val="0"/>
-                </a:spcBef>
-                <a:spcAft>
-                  <a:spcPts val="0"/>
-                </a:spcAft>
-                <a:buNone/>
-              </a:pPr>
-              <a:endParaRPr/>
-            </a:p>
-          </p:txBody>
-        </p:sp>
-      </p:grpSp>
-    </p:spTree>
-    <p:extLst>
-      <p:ext uri="{BB962C8B-B14F-4D97-AF65-F5344CB8AC3E}">
-        <p14:creationId xmlns:p14="http://schemas.microsoft.com/office/powerpoint/2010/main" val="1168613318"/>
-      </p:ext>
-    </p:extLst>
-  </p:cSld>
-  <p:clrMapOvr>
-    <a:masterClrMapping/>
-  </p:clrMapOvr>
-</p:sld>
-</file>
-
-<file path=ppt/slides/slide11.xml><?xml version="1.0" encoding="utf-8"?>
-<p:sld xmlns:a="http://schemas.openxmlformats.org/drawingml/2006/main" xmlns:r="http://schemas.openxmlformats.org/officeDocument/2006/relationships" xmlns:p="http://schemas.openxmlformats.org/presentationml/2006/main">
-  <p:cSld>
-    <p:spTree>
-      <p:nvGrpSpPr>
-        <p:cNvPr id="1" name="Shape 280"/>
-        <p:cNvGrpSpPr/>
-        <p:nvPr/>
-      </p:nvGrpSpPr>
-      <p:grpSpPr>
-        <a:xfrm>
-          <a:off x="0" y="0"/>
-          <a:ext cx="0" cy="0"/>
-          <a:chOff x="0" y="0"/>
-          <a:chExt cx="0" cy="0"/>
-        </a:xfrm>
-      </p:grpSpPr>
-      <p:grpSp>
-        <p:nvGrpSpPr>
-          <p:cNvPr id="32" name="Google Shape;175;p23">
-            <a:extLst>
-              <a:ext uri="{FF2B5EF4-FFF2-40B4-BE49-F238E27FC236}">
-                <a16:creationId xmlns:a16="http://schemas.microsoft.com/office/drawing/2014/main" id="{D75F7668-2E69-4186-B116-58EA50A47F19}"/>
-              </a:ext>
-            </a:extLst>
-          </p:cNvPr>
-          <p:cNvGrpSpPr/>
-          <p:nvPr/>
-        </p:nvGrpSpPr>
-        <p:grpSpPr>
-          <a:xfrm>
-            <a:off x="4355050" y="891775"/>
-            <a:ext cx="4036590" cy="3941676"/>
-            <a:chOff x="2256567" y="677103"/>
-            <a:chExt cx="4036590" cy="3941676"/>
-          </a:xfrm>
-        </p:grpSpPr>
-        <p:sp>
-          <p:nvSpPr>
-            <p:cNvPr id="37" name="Google Shape;176;p23">
-              <a:extLst>
-                <a:ext uri="{FF2B5EF4-FFF2-40B4-BE49-F238E27FC236}">
-                  <a16:creationId xmlns:a16="http://schemas.microsoft.com/office/drawing/2014/main" id="{0AE3288E-F9B5-4EAE-ABF2-5E2D7BFF55BC}"/>
-                </a:ext>
-              </a:extLst>
-            </p:cNvPr>
-            <p:cNvSpPr/>
-            <p:nvPr/>
-          </p:nvSpPr>
-          <p:spPr>
-            <a:xfrm rot="-6597333">
-              <a:off x="4296826" y="3950027"/>
-              <a:ext cx="586303" cy="586303"/>
-            </a:xfrm>
-            <a:prstGeom prst="ellipse">
-              <a:avLst/>
-            </a:prstGeom>
-            <a:solidFill>
-              <a:srgbClr val="FFF2CC"/>
-            </a:solidFill>
-            <a:ln>
-              <a:noFill/>
-            </a:ln>
-          </p:spPr>
-          <p:txBody>
-            <a:bodyPr spcFirstLastPara="1" wrap="square" lIns="91425" tIns="91425" rIns="91425" bIns="91425" anchor="ctr" anchorCtr="0">
-              <a:noAutofit/>
-            </a:bodyPr>
-            <a:lstStyle/>
-            <a:p>
-              <a:pPr marL="0" lvl="0" indent="0" algn="l" rtl="0">
-                <a:spcBef>
-                  <a:spcPts val="0"/>
-                </a:spcBef>
-                <a:spcAft>
-                  <a:spcPts val="0"/>
-                </a:spcAft>
-                <a:buNone/>
-              </a:pPr>
-              <a:endParaRPr>
-                <a:latin typeface="Raleway Light"/>
-                <a:ea typeface="Raleway Light"/>
-                <a:cs typeface="Raleway Light"/>
-                <a:sym typeface="Raleway Light"/>
-              </a:endParaRPr>
-            </a:p>
-          </p:txBody>
-        </p:sp>
-        <p:sp>
-          <p:nvSpPr>
-            <p:cNvPr id="38" name="Google Shape;177;p23">
-              <a:extLst>
-                <a:ext uri="{FF2B5EF4-FFF2-40B4-BE49-F238E27FC236}">
-                  <a16:creationId xmlns:a16="http://schemas.microsoft.com/office/drawing/2014/main" id="{49D50337-BD52-4309-9529-FE07ECB0146C}"/>
-                </a:ext>
-              </a:extLst>
-            </p:cNvPr>
-            <p:cNvSpPr/>
-            <p:nvPr/>
-          </p:nvSpPr>
-          <p:spPr>
-            <a:xfrm rot="-6599386">
-              <a:off x="2318596" y="1407533"/>
-              <a:ext cx="440541" cy="440541"/>
-            </a:xfrm>
-            <a:prstGeom prst="ellipse">
-              <a:avLst/>
-            </a:prstGeom>
-            <a:solidFill>
-              <a:srgbClr val="FFF2CC"/>
-            </a:solidFill>
-            <a:ln>
-              <a:noFill/>
-            </a:ln>
-          </p:spPr>
-          <p:txBody>
-            <a:bodyPr spcFirstLastPara="1" wrap="square" lIns="91425" tIns="91425" rIns="91425" bIns="91425" anchor="ctr" anchorCtr="0">
-              <a:noAutofit/>
-            </a:bodyPr>
-            <a:lstStyle/>
-            <a:p>
-              <a:pPr marL="0" lvl="0" indent="0" algn="l" rtl="0">
-                <a:spcBef>
-                  <a:spcPts val="0"/>
-                </a:spcBef>
-                <a:spcAft>
-                  <a:spcPts val="0"/>
-                </a:spcAft>
-                <a:buNone/>
-              </a:pPr>
-              <a:endParaRPr>
-                <a:latin typeface="Raleway Light"/>
-                <a:ea typeface="Raleway Light"/>
-                <a:cs typeface="Raleway Light"/>
-                <a:sym typeface="Raleway Light"/>
-              </a:endParaRPr>
-            </a:p>
-          </p:txBody>
-        </p:sp>
-        <p:sp>
-          <p:nvSpPr>
-            <p:cNvPr id="39" name="Google Shape;178;p23">
-              <a:extLst>
-                <a:ext uri="{FF2B5EF4-FFF2-40B4-BE49-F238E27FC236}">
-                  <a16:creationId xmlns:a16="http://schemas.microsoft.com/office/drawing/2014/main" id="{ACD7FA19-8085-4C13-B142-AA8888A0F24D}"/>
-                </a:ext>
-              </a:extLst>
-            </p:cNvPr>
-            <p:cNvSpPr/>
-            <p:nvPr/>
-          </p:nvSpPr>
-          <p:spPr>
-            <a:xfrm rot="-6598839">
-              <a:off x="2887641" y="2346984"/>
-              <a:ext cx="1199287" cy="1199287"/>
-            </a:xfrm>
-            <a:prstGeom prst="ellipse">
-              <a:avLst/>
-            </a:prstGeom>
-            <a:solidFill>
-              <a:srgbClr val="FFE599"/>
-            </a:solidFill>
-            <a:ln>
-              <a:noFill/>
-            </a:ln>
-          </p:spPr>
-          <p:txBody>
-            <a:bodyPr spcFirstLastPara="1" wrap="square" lIns="91425" tIns="91425" rIns="91425" bIns="91425" anchor="ctr" anchorCtr="0">
-              <a:noAutofit/>
-            </a:bodyPr>
-            <a:lstStyle/>
-            <a:p>
-              <a:pPr marL="0" lvl="0" indent="0" algn="l" rtl="0">
-                <a:spcBef>
-                  <a:spcPts val="0"/>
-                </a:spcBef>
-                <a:spcAft>
-                  <a:spcPts val="0"/>
-                </a:spcAft>
-                <a:buNone/>
-              </a:pPr>
-              <a:endParaRPr>
-                <a:latin typeface="Raleway Light"/>
-                <a:ea typeface="Raleway Light"/>
-                <a:cs typeface="Raleway Light"/>
-                <a:sym typeface="Raleway Light"/>
-              </a:endParaRPr>
-            </a:p>
-          </p:txBody>
-        </p:sp>
-        <p:sp>
-          <p:nvSpPr>
-            <p:cNvPr id="40" name="Google Shape;179;p23">
-              <a:extLst>
-                <a:ext uri="{FF2B5EF4-FFF2-40B4-BE49-F238E27FC236}">
-                  <a16:creationId xmlns:a16="http://schemas.microsoft.com/office/drawing/2014/main" id="{DDD6CAA9-63F4-4FFC-AAD8-554CCF9F9A14}"/>
-                </a:ext>
-              </a:extLst>
-            </p:cNvPr>
-            <p:cNvSpPr/>
-            <p:nvPr/>
-          </p:nvSpPr>
-          <p:spPr>
-            <a:xfrm rot="-6598620">
-              <a:off x="4374916" y="913763"/>
-              <a:ext cx="1681581" cy="1681581"/>
-            </a:xfrm>
-            <a:prstGeom prst="ellipse">
-              <a:avLst/>
-            </a:prstGeom>
-            <a:solidFill>
-              <a:srgbClr val="FFE599"/>
-            </a:solidFill>
-            <a:ln>
-              <a:noFill/>
-            </a:ln>
-          </p:spPr>
-          <p:txBody>
-            <a:bodyPr spcFirstLastPara="1" wrap="square" lIns="91425" tIns="91425" rIns="91425" bIns="91425" anchor="ctr" anchorCtr="0">
-              <a:noAutofit/>
-            </a:bodyPr>
-            <a:lstStyle/>
-            <a:p>
-              <a:pPr marL="0" lvl="0" indent="0" algn="l" rtl="0">
-                <a:spcBef>
-                  <a:spcPts val="0"/>
-                </a:spcBef>
-                <a:spcAft>
-                  <a:spcPts val="0"/>
-                </a:spcAft>
-                <a:buNone/>
-              </a:pPr>
-              <a:endParaRPr>
-                <a:latin typeface="Raleway Light"/>
-                <a:ea typeface="Raleway Light"/>
-                <a:cs typeface="Raleway Light"/>
-                <a:sym typeface="Raleway Light"/>
-              </a:endParaRPr>
-            </a:p>
-          </p:txBody>
-        </p:sp>
-        <p:sp>
-          <p:nvSpPr>
-            <p:cNvPr id="41" name="Google Shape;180;p23">
-              <a:extLst>
-                <a:ext uri="{FF2B5EF4-FFF2-40B4-BE49-F238E27FC236}">
-                  <a16:creationId xmlns:a16="http://schemas.microsoft.com/office/drawing/2014/main" id="{5A5A87CF-431A-4D09-BCE5-BD1F43B77051}"/>
-                </a:ext>
-              </a:extLst>
-            </p:cNvPr>
-            <p:cNvSpPr/>
-            <p:nvPr/>
-          </p:nvSpPr>
-          <p:spPr>
-            <a:xfrm rot="-6597866">
-              <a:off x="2661829" y="2208216"/>
-              <a:ext cx="629106" cy="629106"/>
-            </a:xfrm>
-            <a:prstGeom prst="ellipse">
-              <a:avLst/>
-            </a:prstGeom>
-            <a:solidFill>
-              <a:srgbClr val="FFB600"/>
-            </a:solidFill>
-            <a:ln>
-              <a:noFill/>
-            </a:ln>
-          </p:spPr>
-          <p:txBody>
-            <a:bodyPr spcFirstLastPara="1" wrap="square" lIns="91425" tIns="91425" rIns="91425" bIns="91425" anchor="ctr" anchorCtr="0">
-              <a:noAutofit/>
-            </a:bodyPr>
-            <a:lstStyle/>
-            <a:p>
-              <a:pPr marL="0" lvl="0" indent="0" algn="l" rtl="0">
-                <a:spcBef>
-                  <a:spcPts val="0"/>
-                </a:spcBef>
-                <a:spcAft>
-                  <a:spcPts val="0"/>
-                </a:spcAft>
-                <a:buNone/>
-              </a:pPr>
-              <a:endParaRPr>
-                <a:latin typeface="Raleway Light"/>
-                <a:ea typeface="Raleway Light"/>
-                <a:cs typeface="Raleway Light"/>
-                <a:sym typeface="Raleway Light"/>
-              </a:endParaRPr>
-            </a:p>
-          </p:txBody>
-        </p:sp>
-        <p:sp>
-          <p:nvSpPr>
-            <p:cNvPr id="42" name="Google Shape;181;p23">
-              <a:extLst>
-                <a:ext uri="{FF2B5EF4-FFF2-40B4-BE49-F238E27FC236}">
-                  <a16:creationId xmlns:a16="http://schemas.microsoft.com/office/drawing/2014/main" id="{BE8F5DB1-5F77-4F90-86AD-F67773C37F29}"/>
-                </a:ext>
-              </a:extLst>
-            </p:cNvPr>
-            <p:cNvSpPr/>
-            <p:nvPr/>
-          </p:nvSpPr>
-          <p:spPr>
-            <a:xfrm rot="-6597701">
-              <a:off x="3267625" y="1113818"/>
-              <a:ext cx="274172" cy="274172"/>
-            </a:xfrm>
-            <a:prstGeom prst="ellipse">
-              <a:avLst/>
-            </a:prstGeom>
-            <a:solidFill>
-              <a:srgbClr val="FFE599"/>
-            </a:solidFill>
-            <a:ln>
-              <a:noFill/>
-            </a:ln>
-          </p:spPr>
-          <p:txBody>
-            <a:bodyPr spcFirstLastPara="1" wrap="square" lIns="91425" tIns="91425" rIns="91425" bIns="91425" anchor="ctr" anchorCtr="0">
-              <a:noAutofit/>
-            </a:bodyPr>
-            <a:lstStyle/>
-            <a:p>
-              <a:pPr marL="0" lvl="0" indent="0" algn="l" rtl="0">
-                <a:spcBef>
-                  <a:spcPts val="0"/>
-                </a:spcBef>
-                <a:spcAft>
-                  <a:spcPts val="0"/>
-                </a:spcAft>
-                <a:buNone/>
-              </a:pPr>
-              <a:endParaRPr>
-                <a:latin typeface="Raleway Light"/>
-                <a:ea typeface="Raleway Light"/>
-                <a:cs typeface="Raleway Light"/>
-                <a:sym typeface="Raleway Light"/>
-              </a:endParaRPr>
-            </a:p>
-          </p:txBody>
-        </p:sp>
-      </p:grpSp>
-      <p:sp>
-        <p:nvSpPr>
-          <p:cNvPr id="30" name="Google Shape;69;p13">
-            <a:extLst>
-              <a:ext uri="{FF2B5EF4-FFF2-40B4-BE49-F238E27FC236}">
-                <a16:creationId xmlns:a16="http://schemas.microsoft.com/office/drawing/2014/main" id="{AFC2D465-732A-4807-8FEB-5ADE31B65676}"/>
-              </a:ext>
-            </a:extLst>
-          </p:cNvPr>
-          <p:cNvSpPr txBox="1">
-            <a:spLocks/>
-          </p:cNvSpPr>
-          <p:nvPr/>
-        </p:nvSpPr>
-        <p:spPr>
-          <a:xfrm>
-            <a:off x="501041" y="1533828"/>
-            <a:ext cx="7586047" cy="870904"/>
-          </a:xfrm>
-          <a:prstGeom prst="rect">
-            <a:avLst/>
-          </a:prstGeom>
-          <a:noFill/>
-          <a:ln>
-            <a:noFill/>
-          </a:ln>
-        </p:spPr>
-        <p:txBody>
-          <a:bodyPr spcFirstLastPara="1" wrap="square" lIns="91425" tIns="91425" rIns="91425" bIns="91425" anchor="t" anchorCtr="0">
-            <a:noAutofit/>
-          </a:bodyPr>
-          <a:lstStyle>
-            <a:defPPr marR="0" lvl="0" algn="l" rtl="0">
-              <a:lnSpc>
-                <a:spcPct val="100000"/>
-              </a:lnSpc>
-              <a:spcBef>
-                <a:spcPts val="0"/>
-              </a:spcBef>
-              <a:spcAft>
-                <a:spcPts val="0"/>
-              </a:spcAft>
-            </a:defPPr>
-            <a:lvl1pPr marL="457200" marR="0" lvl="0" indent="-317500" algn="l" rtl="0">
-              <a:lnSpc>
-                <a:spcPct val="100000"/>
-              </a:lnSpc>
-              <a:spcBef>
-                <a:spcPts val="600"/>
-              </a:spcBef>
-              <a:spcAft>
-                <a:spcPts val="0"/>
-              </a:spcAft>
-              <a:buClr>
-                <a:srgbClr val="FFB600"/>
-              </a:buClr>
-              <a:buSzPts val="1400"/>
-              <a:buFont typeface="Raleway Light"/>
-              <a:buChar char="●"/>
-              <a:defRPr sz="1400" b="0" i="0" u="none" strike="noStrike" cap="none">
-                <a:solidFill>
-                  <a:srgbClr val="666666"/>
-                </a:solidFill>
-                <a:latin typeface="Raleway Light"/>
-                <a:ea typeface="Raleway Light"/>
-                <a:cs typeface="Raleway Light"/>
-                <a:sym typeface="Raleway Light"/>
-              </a:defRPr>
-            </a:lvl1pPr>
-            <a:lvl2pPr marL="914400" marR="0" lvl="1" indent="-317500" algn="l" rtl="0">
-              <a:lnSpc>
-                <a:spcPct val="100000"/>
-              </a:lnSpc>
-              <a:spcBef>
-                <a:spcPts val="0"/>
-              </a:spcBef>
-              <a:spcAft>
-                <a:spcPts val="0"/>
-              </a:spcAft>
-              <a:buClr>
-                <a:srgbClr val="FFB600"/>
-              </a:buClr>
-              <a:buSzPts val="1400"/>
-              <a:buFont typeface="Raleway Light"/>
-              <a:buChar char="○"/>
-              <a:defRPr sz="1400" b="0" i="0" u="none" strike="noStrike" cap="none">
-                <a:solidFill>
-                  <a:srgbClr val="666666"/>
-                </a:solidFill>
-                <a:latin typeface="Raleway Light"/>
-                <a:ea typeface="Raleway Light"/>
-                <a:cs typeface="Raleway Light"/>
-                <a:sym typeface="Raleway Light"/>
-              </a:defRPr>
-            </a:lvl2pPr>
-            <a:lvl3pPr marL="1371600" marR="0" lvl="2" indent="-317500" algn="l" rtl="0">
-              <a:lnSpc>
-                <a:spcPct val="100000"/>
-              </a:lnSpc>
-              <a:spcBef>
-                <a:spcPts val="0"/>
-              </a:spcBef>
-              <a:spcAft>
-                <a:spcPts val="0"/>
-              </a:spcAft>
-              <a:buClr>
-                <a:srgbClr val="FFB600"/>
-              </a:buClr>
-              <a:buSzPts val="1400"/>
-              <a:buFont typeface="Raleway Light"/>
-              <a:buChar char="■"/>
-              <a:defRPr sz="1400" b="0" i="0" u="none" strike="noStrike" cap="none">
-                <a:solidFill>
-                  <a:srgbClr val="666666"/>
-                </a:solidFill>
-                <a:latin typeface="Raleway Light"/>
-                <a:ea typeface="Raleway Light"/>
-                <a:cs typeface="Raleway Light"/>
-                <a:sym typeface="Raleway Light"/>
-              </a:defRPr>
-            </a:lvl3pPr>
-            <a:lvl4pPr marL="1828800" marR="0" lvl="3" indent="-317500" algn="l" rtl="0">
-              <a:lnSpc>
-                <a:spcPct val="100000"/>
-              </a:lnSpc>
-              <a:spcBef>
-                <a:spcPts val="0"/>
-              </a:spcBef>
-              <a:spcAft>
-                <a:spcPts val="0"/>
-              </a:spcAft>
-              <a:buClr>
-                <a:srgbClr val="666666"/>
-              </a:buClr>
-              <a:buSzPts val="1400"/>
-              <a:buFont typeface="Raleway Light"/>
-              <a:buChar char="●"/>
-              <a:defRPr sz="1400" b="0" i="0" u="none" strike="noStrike" cap="none">
-                <a:solidFill>
-                  <a:srgbClr val="666666"/>
-                </a:solidFill>
-                <a:latin typeface="Raleway Light"/>
-                <a:ea typeface="Raleway Light"/>
-                <a:cs typeface="Raleway Light"/>
-                <a:sym typeface="Raleway Light"/>
-              </a:defRPr>
-            </a:lvl4pPr>
-            <a:lvl5pPr marL="2286000" marR="0" lvl="4" indent="-317500" algn="l" rtl="0">
-              <a:lnSpc>
-                <a:spcPct val="100000"/>
-              </a:lnSpc>
-              <a:spcBef>
-                <a:spcPts val="0"/>
-              </a:spcBef>
-              <a:spcAft>
-                <a:spcPts val="0"/>
-              </a:spcAft>
-              <a:buClr>
-                <a:srgbClr val="666666"/>
-              </a:buClr>
-              <a:buSzPts val="1400"/>
-              <a:buFont typeface="Raleway Light"/>
-              <a:buChar char="○"/>
-              <a:defRPr sz="1400" b="0" i="0" u="none" strike="noStrike" cap="none">
-                <a:solidFill>
-                  <a:srgbClr val="666666"/>
-                </a:solidFill>
-                <a:latin typeface="Raleway Light"/>
-                <a:ea typeface="Raleway Light"/>
-                <a:cs typeface="Raleway Light"/>
-                <a:sym typeface="Raleway Light"/>
-              </a:defRPr>
-            </a:lvl5pPr>
-            <a:lvl6pPr marL="2743200" marR="0" lvl="5" indent="-317500" algn="l" rtl="0">
-              <a:lnSpc>
-                <a:spcPct val="100000"/>
-              </a:lnSpc>
-              <a:spcBef>
-                <a:spcPts val="0"/>
-              </a:spcBef>
-              <a:spcAft>
-                <a:spcPts val="0"/>
-              </a:spcAft>
-              <a:buClr>
-                <a:srgbClr val="666666"/>
-              </a:buClr>
-              <a:buSzPts val="1400"/>
-              <a:buFont typeface="Raleway Light"/>
-              <a:buChar char="■"/>
-              <a:defRPr sz="1400" b="0" i="0" u="none" strike="noStrike" cap="none">
-                <a:solidFill>
-                  <a:srgbClr val="666666"/>
-                </a:solidFill>
-                <a:latin typeface="Raleway Light"/>
-                <a:ea typeface="Raleway Light"/>
-                <a:cs typeface="Raleway Light"/>
-                <a:sym typeface="Raleway Light"/>
-              </a:defRPr>
-            </a:lvl6pPr>
-            <a:lvl7pPr marL="3200400" marR="0" lvl="6" indent="-317500" algn="l" rtl="0">
-              <a:lnSpc>
-                <a:spcPct val="100000"/>
-              </a:lnSpc>
-              <a:spcBef>
-                <a:spcPts val="0"/>
-              </a:spcBef>
-              <a:spcAft>
-                <a:spcPts val="0"/>
-              </a:spcAft>
-              <a:buClr>
-                <a:srgbClr val="666666"/>
-              </a:buClr>
-              <a:buSzPts val="1400"/>
-              <a:buFont typeface="Raleway Light"/>
-              <a:buChar char="●"/>
-              <a:defRPr sz="1400" b="0" i="0" u="none" strike="noStrike" cap="none">
-                <a:solidFill>
-                  <a:srgbClr val="666666"/>
-                </a:solidFill>
-                <a:latin typeface="Raleway Light"/>
-                <a:ea typeface="Raleway Light"/>
-                <a:cs typeface="Raleway Light"/>
-                <a:sym typeface="Raleway Light"/>
-              </a:defRPr>
-            </a:lvl7pPr>
-            <a:lvl8pPr marL="3657600" marR="0" lvl="7" indent="-317500" algn="l" rtl="0">
-              <a:lnSpc>
-                <a:spcPct val="100000"/>
-              </a:lnSpc>
-              <a:spcBef>
-                <a:spcPts val="0"/>
-              </a:spcBef>
-              <a:spcAft>
-                <a:spcPts val="0"/>
-              </a:spcAft>
-              <a:buClr>
-                <a:srgbClr val="666666"/>
-              </a:buClr>
-              <a:buSzPts val="1400"/>
-              <a:buFont typeface="Raleway Light"/>
-              <a:buChar char="○"/>
-              <a:defRPr sz="1400" b="0" i="0" u="none" strike="noStrike" cap="none">
-                <a:solidFill>
-                  <a:srgbClr val="666666"/>
-                </a:solidFill>
-                <a:latin typeface="Raleway Light"/>
-                <a:ea typeface="Raleway Light"/>
-                <a:cs typeface="Raleway Light"/>
-                <a:sym typeface="Raleway Light"/>
-              </a:defRPr>
-            </a:lvl8pPr>
-            <a:lvl9pPr marL="4114800" marR="0" lvl="8" indent="-317500" algn="l" rtl="0">
-              <a:lnSpc>
-                <a:spcPct val="100000"/>
-              </a:lnSpc>
-              <a:spcBef>
-                <a:spcPts val="0"/>
-              </a:spcBef>
-              <a:spcAft>
-                <a:spcPts val="0"/>
-              </a:spcAft>
-              <a:buClr>
-                <a:srgbClr val="666666"/>
-              </a:buClr>
-              <a:buSzPts val="1400"/>
-              <a:buFont typeface="Raleway Light"/>
-              <a:buChar char="■"/>
-              <a:defRPr sz="1400" b="0" i="0" u="none" strike="noStrike" cap="none">
-                <a:solidFill>
-                  <a:srgbClr val="666666"/>
-                </a:solidFill>
-                <a:latin typeface="Raleway Light"/>
-                <a:ea typeface="Raleway Light"/>
-                <a:cs typeface="Raleway Light"/>
-                <a:sym typeface="Raleway Light"/>
-              </a:defRPr>
-            </a:lvl9pPr>
-          </a:lstStyle>
-          <a:p>
-            <a:pPr marL="901700" lvl="1" indent="-422275">
-              <a:spcBef>
-                <a:spcPts val="600"/>
-              </a:spcBef>
-              <a:buClr>
-                <a:srgbClr val="FFC000"/>
-              </a:buClr>
-              <a:buSzPct val="155000"/>
-              <a:buFont typeface="Wingdings" panose="05000000000000000000" pitchFamily="2" charset="2"/>
-              <a:buChar char="§"/>
-              <a:tabLst>
-                <a:tab pos="989013" algn="l"/>
-                <a:tab pos="1077913" algn="l"/>
-              </a:tabLst>
-            </a:pPr>
-            <a:r>
-              <a:rPr lang="es-ES" sz="1800" b="1" dirty="0"/>
-              <a:t>Actividades constantes</a:t>
-            </a:r>
-          </a:p>
-        </p:txBody>
-      </p:sp>
-      <p:sp>
-        <p:nvSpPr>
-          <p:cNvPr id="281" name="Google Shape;281;p29"/>
-          <p:cNvSpPr txBox="1">
-            <a:spLocks noGrp="1"/>
-          </p:cNvSpPr>
-          <p:nvPr>
-            <p:ph type="title"/>
-          </p:nvPr>
-        </p:nvSpPr>
-        <p:spPr>
-          <a:xfrm>
-            <a:off x="922000" y="891775"/>
-            <a:ext cx="6866100" cy="857400"/>
-          </a:xfrm>
-          <a:prstGeom prst="rect">
-            <a:avLst/>
-          </a:prstGeom>
-        </p:spPr>
-        <p:txBody>
-          <a:bodyPr spcFirstLastPara="1" wrap="square" lIns="91425" tIns="91425" rIns="91425" bIns="91425" anchor="t" anchorCtr="0">
-            <a:noAutofit/>
-          </a:bodyPr>
-          <a:lstStyle/>
-          <a:p>
-            <a:pPr marL="0" lvl="0" indent="0" algn="l" rtl="0">
-              <a:spcBef>
-                <a:spcPts val="0"/>
-              </a:spcBef>
-              <a:spcAft>
-                <a:spcPts val="0"/>
-              </a:spcAft>
-              <a:buNone/>
-            </a:pPr>
-            <a:r>
-              <a:rPr lang="es-ES" sz="3600" dirty="0"/>
-              <a:t>Mi experiencia</a:t>
-            </a:r>
-            <a:endParaRPr sz="3600" dirty="0"/>
-          </a:p>
-        </p:txBody>
-      </p:sp>
-      <p:sp>
-        <p:nvSpPr>
-          <p:cNvPr id="285" name="Google Shape;285;p29"/>
-          <p:cNvSpPr txBox="1">
-            <a:spLocks noGrp="1"/>
-          </p:cNvSpPr>
-          <p:nvPr>
-            <p:ph type="sldNum" idx="12"/>
-          </p:nvPr>
-        </p:nvSpPr>
-        <p:spPr>
-          <a:xfrm>
-            <a:off x="8604400" y="4590300"/>
-            <a:ext cx="539700" cy="553200"/>
-          </a:xfrm>
-          <a:prstGeom prst="rect">
-            <a:avLst/>
-          </a:prstGeom>
-        </p:spPr>
-        <p:txBody>
-          <a:bodyPr spcFirstLastPara="1" wrap="square" lIns="91425" tIns="91425" rIns="91425" bIns="91425" anchor="ctr" anchorCtr="0">
-            <a:noAutofit/>
-          </a:bodyPr>
-          <a:lstStyle/>
-          <a:p>
-            <a:pPr marL="0" lvl="0" indent="0" algn="ctr" rtl="0">
-              <a:spcBef>
-                <a:spcPts val="0"/>
-              </a:spcBef>
-              <a:spcAft>
-                <a:spcPts val="0"/>
-              </a:spcAft>
-              <a:buNone/>
-            </a:pPr>
-            <a:fld id="{00000000-1234-1234-1234-123412341234}" type="slidenum">
-              <a:rPr lang="en"/>
-              <a:t>11</a:t>
             </a:fld>
             <a:endParaRPr/>
           </a:p>
@@ -11890,7 +9245,7 @@
 </p:sld>
 </file>
 
-<file path=ppt/slides/slide12.xml><?xml version="1.0" encoding="utf-8"?>
+<file path=ppt/slides/slide11.xml><?xml version="1.0" encoding="utf-8"?>
 <p:sld xmlns:a="http://schemas.openxmlformats.org/drawingml/2006/main" xmlns:r="http://schemas.openxmlformats.org/officeDocument/2006/relationships" xmlns:p="http://schemas.openxmlformats.org/presentationml/2006/main">
   <p:cSld>
     <p:spTree>
@@ -12613,7 +9968,7 @@
             </a:pPr>
             <a:fld id="{00000000-1234-1234-1234-123412341234}" type="slidenum">
               <a:rPr lang="en"/>
-              <a:t>12</a:t>
+              <a:t>11</a:t>
             </a:fld>
             <a:endParaRPr/>
           </a:p>
@@ -14481,7 +11836,7 @@
 </p:sld>
 </file>
 
-<file path=ppt/slides/slide13.xml><?xml version="1.0" encoding="utf-8"?>
+<file path=ppt/slides/slide12.xml><?xml version="1.0" encoding="utf-8"?>
 <p:sld xmlns:a="http://schemas.openxmlformats.org/drawingml/2006/main" xmlns:r="http://schemas.openxmlformats.org/officeDocument/2006/relationships" xmlns:p="http://schemas.openxmlformats.org/presentationml/2006/main">
   <p:cSld>
     <p:spTree>
@@ -14877,7 +12232,7 @@
             </a:pPr>
             <a:fld id="{00000000-1234-1234-1234-123412341234}" type="slidenum">
               <a:rPr lang="en"/>
-              <a:t>13</a:t>
+              <a:t>12</a:t>
             </a:fld>
             <a:endParaRPr/>
           </a:p>
@@ -16589,7 +13944,7 @@
 </p:sld>
 </file>
 
-<file path=ppt/slides/slide14.xml><?xml version="1.0" encoding="utf-8"?>
+<file path=ppt/slides/slide13.xml><?xml version="1.0" encoding="utf-8"?>
 <p:sld xmlns:a="http://schemas.openxmlformats.org/drawingml/2006/main" xmlns:r="http://schemas.openxmlformats.org/officeDocument/2006/relationships" xmlns:p="http://schemas.openxmlformats.org/presentationml/2006/main">
   <p:cSld>
     <p:spTree>
@@ -16684,7 +14039,7 @@
             </a:pPr>
             <a:fld id="{00000000-1234-1234-1234-123412341234}" type="slidenum">
               <a:rPr lang="en"/>
-              <a:t>14</a:t>
+              <a:t>13</a:t>
             </a:fld>
             <a:endParaRPr/>
           </a:p>
@@ -19179,7 +16534,7 @@
 </p:sld>
 </file>
 
-<file path=ppt/slides/slide15.xml><?xml version="1.0" encoding="utf-8"?>
+<file path=ppt/slides/slide14.xml><?xml version="1.0" encoding="utf-8"?>
 <p:sld xmlns:a="http://schemas.openxmlformats.org/drawingml/2006/main" xmlns:r="http://schemas.openxmlformats.org/officeDocument/2006/relationships" xmlns:p="http://schemas.openxmlformats.org/presentationml/2006/main">
   <p:cSld>
     <p:spTree>
@@ -19274,7 +16629,7 @@
             </a:pPr>
             <a:fld id="{00000000-1234-1234-1234-123412341234}" type="slidenum">
               <a:rPr lang="en"/>
-              <a:t>15</a:t>
+              <a:t>14</a:t>
             </a:fld>
             <a:endParaRPr/>
           </a:p>
@@ -21669,7 +19024,7 @@
 </p:sld>
 </file>
 
-<file path=ppt/slides/slide16.xml><?xml version="1.0" encoding="utf-8"?>
+<file path=ppt/slides/slide15.xml><?xml version="1.0" encoding="utf-8"?>
 <p:sld xmlns:a="http://schemas.openxmlformats.org/drawingml/2006/main" xmlns:r="http://schemas.openxmlformats.org/officeDocument/2006/relationships" xmlns:p="http://schemas.openxmlformats.org/presentationml/2006/main">
   <p:cSld>
     <p:spTree>
@@ -22092,7 +19447,7 @@
             </a:pPr>
             <a:fld id="{00000000-1234-1234-1234-123412341234}" type="slidenum">
               <a:rPr lang="en"/>
-              <a:t>16</a:t>
+              <a:t>15</a:t>
             </a:fld>
             <a:endParaRPr/>
           </a:p>
@@ -23375,7 +20730,7 @@
 </p:sld>
 </file>
 
-<file path=ppt/slides/slide17.xml><?xml version="1.0" encoding="utf-8"?>
+<file path=ppt/slides/slide16.xml><?xml version="1.0" encoding="utf-8"?>
 <p:sld xmlns:a="http://schemas.openxmlformats.org/drawingml/2006/main" xmlns:r="http://schemas.openxmlformats.org/officeDocument/2006/relationships" xmlns:p="http://schemas.openxmlformats.org/presentationml/2006/main">
   <p:cSld>
     <p:spTree>
@@ -23417,7 +20772,7 @@
           </a:bodyPr>
           <a:lstStyle/>
           <a:p>
-            <a:pPr marL="0" lvl="0" indent="0" rtl="0">
+            <a:pPr marL="0" lvl="0" indent="0" algn="ctr" rtl="0">
               <a:spcBef>
                 <a:spcPts val="0"/>
               </a:spcBef>
@@ -25195,6 +22550,100 @@
           </p:txBody>
         </p:sp>
       </p:grpSp>
+      <p:sp>
+        <p:nvSpPr>
+          <p:cNvPr id="10" name="Rectángulo 9">
+            <a:extLst>
+              <a:ext uri="{FF2B5EF4-FFF2-40B4-BE49-F238E27FC236}">
+                <a16:creationId xmlns:a16="http://schemas.microsoft.com/office/drawing/2014/main" id="{FE26032C-2372-4D62-8A47-70711931AD40}"/>
+              </a:ext>
+            </a:extLst>
+          </p:cNvPr>
+          <p:cNvSpPr/>
+          <p:nvPr/>
+        </p:nvSpPr>
+        <p:spPr>
+          <a:xfrm>
+            <a:off x="0" y="988142"/>
+            <a:ext cx="789039" cy="671052"/>
+          </a:xfrm>
+          <a:prstGeom prst="rect">
+            <a:avLst/>
+          </a:prstGeom>
+          <a:solidFill>
+            <a:srgbClr val="FFB600"/>
+          </a:solidFill>
+          <a:ln>
+            <a:noFill/>
+          </a:ln>
+        </p:spPr>
+        <p:style>
+          <a:lnRef idx="2">
+            <a:schemeClr val="accent1">
+              <a:shade val="50000"/>
+            </a:schemeClr>
+          </a:lnRef>
+          <a:fillRef idx="1">
+            <a:schemeClr val="accent1"/>
+          </a:fillRef>
+          <a:effectRef idx="0">
+            <a:schemeClr val="accent1"/>
+          </a:effectRef>
+          <a:fontRef idx="minor">
+            <a:schemeClr val="lt1"/>
+          </a:fontRef>
+        </p:style>
+        <p:txBody>
+          <a:bodyPr rtlCol="0" anchor="ctr"/>
+          <a:lstStyle/>
+          <a:p>
+            <a:pPr algn="ctr"/>
+            <a:endParaRPr lang="es-ES"/>
+          </a:p>
+        </p:txBody>
+      </p:sp>
+      <p:pic>
+        <p:nvPicPr>
+          <p:cNvPr id="11" name="Imagen 10">
+            <a:extLst>
+              <a:ext uri="{FF2B5EF4-FFF2-40B4-BE49-F238E27FC236}">
+                <a16:creationId xmlns:a16="http://schemas.microsoft.com/office/drawing/2014/main" id="{18B3CF48-D45D-431D-9C62-589089DF90DF}"/>
+              </a:ext>
+            </a:extLst>
+          </p:cNvPr>
+          <p:cNvPicPr>
+            <a:picLocks noChangeAspect="1"/>
+          </p:cNvPicPr>
+          <p:nvPr/>
+        </p:nvPicPr>
+        <p:blipFill>
+          <a:blip r:embed="rId3">
+            <a:clrChange>
+              <a:clrFrom>
+                <a:srgbClr val="FFFFFF"/>
+              </a:clrFrom>
+              <a:clrTo>
+                <a:srgbClr val="FFFFFF">
+                  <a:alpha val="0"/>
+                </a:srgbClr>
+              </a:clrTo>
+            </a:clrChange>
+            <a:grayscl/>
+          </a:blip>
+          <a:stretch>
+            <a:fillRect/>
+          </a:stretch>
+        </p:blipFill>
+        <p:spPr>
+          <a:xfrm>
+            <a:off x="146244" y="1028124"/>
+            <a:ext cx="584701" cy="584701"/>
+          </a:xfrm>
+          <a:prstGeom prst="rect">
+            <a:avLst/>
+          </a:prstGeom>
+        </p:spPr>
+      </p:pic>
     </p:spTree>
     <p:extLst>
       <p:ext uri="{BB962C8B-B14F-4D97-AF65-F5344CB8AC3E}">
@@ -25208,7 +22657,7 @@
 </p:sld>
 </file>
 
-<file path=ppt/slides/slide18.xml><?xml version="1.0" encoding="utf-8"?>
+<file path=ppt/slides/slide17.xml><?xml version="1.0" encoding="utf-8"?>
 <p:sld xmlns:a="http://schemas.openxmlformats.org/drawingml/2006/main" xmlns:r="http://schemas.openxmlformats.org/officeDocument/2006/relationships" xmlns:p="http://schemas.openxmlformats.org/presentationml/2006/main">
   <p:cSld>
     <p:spTree>
@@ -25728,7 +23177,7 @@
             </a:pPr>
             <a:fld id="{00000000-1234-1234-1234-123412341234}" type="slidenum">
               <a:rPr lang="en"/>
-              <a:t>18</a:t>
+              <a:t>17</a:t>
             </a:fld>
             <a:endParaRPr/>
           </a:p>
@@ -27547,7 +24996,7 @@
 </p:sld>
 </file>
 
-<file path=ppt/slides/slide19.xml><?xml version="1.0" encoding="utf-8"?>
+<file path=ppt/slides/slide18.xml><?xml version="1.0" encoding="utf-8"?>
 <p:sld xmlns:a="http://schemas.openxmlformats.org/drawingml/2006/main" xmlns:r="http://schemas.openxmlformats.org/officeDocument/2006/relationships" xmlns:p="http://schemas.openxmlformats.org/presentationml/2006/main">
   <p:cSld>
     <p:spTree>
@@ -27581,7 +25030,7 @@
         <p:spPr>
           <a:xfrm>
             <a:off x="685800" y="3244644"/>
-            <a:ext cx="6593700" cy="1545855"/>
+            <a:ext cx="7765026" cy="1545855"/>
           </a:xfrm>
           <a:prstGeom prst="rect">
             <a:avLst/>
@@ -28626,6 +26075,100 @@
           </a:p>
         </p:txBody>
       </p:sp>
+      <p:sp>
+        <p:nvSpPr>
+          <p:cNvPr id="5" name="Rectángulo 4">
+            <a:extLst>
+              <a:ext uri="{FF2B5EF4-FFF2-40B4-BE49-F238E27FC236}">
+                <a16:creationId xmlns:a16="http://schemas.microsoft.com/office/drawing/2014/main" id="{7A68C69C-8FC3-4774-8A28-50AADDAD57DC}"/>
+              </a:ext>
+            </a:extLst>
+          </p:cNvPr>
+          <p:cNvSpPr/>
+          <p:nvPr/>
+        </p:nvSpPr>
+        <p:spPr>
+          <a:xfrm>
+            <a:off x="0" y="988142"/>
+            <a:ext cx="789039" cy="671052"/>
+          </a:xfrm>
+          <a:prstGeom prst="rect">
+            <a:avLst/>
+          </a:prstGeom>
+          <a:solidFill>
+            <a:srgbClr val="FFB600"/>
+          </a:solidFill>
+          <a:ln>
+            <a:noFill/>
+          </a:ln>
+        </p:spPr>
+        <p:style>
+          <a:lnRef idx="2">
+            <a:schemeClr val="accent1">
+              <a:shade val="50000"/>
+            </a:schemeClr>
+          </a:lnRef>
+          <a:fillRef idx="1">
+            <a:schemeClr val="accent1"/>
+          </a:fillRef>
+          <a:effectRef idx="0">
+            <a:schemeClr val="accent1"/>
+          </a:effectRef>
+          <a:fontRef idx="minor">
+            <a:schemeClr val="lt1"/>
+          </a:fontRef>
+        </p:style>
+        <p:txBody>
+          <a:bodyPr rtlCol="0" anchor="ctr"/>
+          <a:lstStyle/>
+          <a:p>
+            <a:pPr algn="ctr"/>
+            <a:endParaRPr lang="es-ES"/>
+          </a:p>
+        </p:txBody>
+      </p:sp>
+      <p:pic>
+        <p:nvPicPr>
+          <p:cNvPr id="6" name="Imagen 5">
+            <a:extLst>
+              <a:ext uri="{FF2B5EF4-FFF2-40B4-BE49-F238E27FC236}">
+                <a16:creationId xmlns:a16="http://schemas.microsoft.com/office/drawing/2014/main" id="{18AB9FCE-7D2E-410D-A4D1-5BB4C3303475}"/>
+              </a:ext>
+            </a:extLst>
+          </p:cNvPr>
+          <p:cNvPicPr>
+            <a:picLocks noChangeAspect="1"/>
+          </p:cNvPicPr>
+          <p:nvPr/>
+        </p:nvPicPr>
+        <p:blipFill>
+          <a:blip r:embed="rId3">
+            <a:clrChange>
+              <a:clrFrom>
+                <a:srgbClr val="FFFFFF"/>
+              </a:clrFrom>
+              <a:clrTo>
+                <a:srgbClr val="FFFFFF">
+                  <a:alpha val="0"/>
+                </a:srgbClr>
+              </a:clrTo>
+            </a:clrChange>
+            <a:grayscl/>
+          </a:blip>
+          <a:stretch>
+            <a:fillRect/>
+          </a:stretch>
+        </p:blipFill>
+        <p:spPr>
+          <a:xfrm>
+            <a:off x="146244" y="1028124"/>
+            <a:ext cx="584701" cy="584701"/>
+          </a:xfrm>
+          <a:prstGeom prst="rect">
+            <a:avLst/>
+          </a:prstGeom>
+        </p:spPr>
+      </p:pic>
     </p:spTree>
   </p:cSld>
   <p:clrMapOvr>
@@ -29672,7 +27215,7 @@
           </a:bodyPr>
           <a:lstStyle/>
           <a:p>
-            <a:pPr marL="0" lvl="0" indent="0" rtl="0">
+            <a:pPr marL="0" lvl="0" indent="0" algn="ctr" rtl="0">
               <a:spcBef>
                 <a:spcPts val="0"/>
               </a:spcBef>
@@ -29792,6 +27335,100 @@
           </a:p>
         </p:txBody>
       </p:sp>
+      <p:sp>
+        <p:nvSpPr>
+          <p:cNvPr id="6" name="Rectángulo 5">
+            <a:extLst>
+              <a:ext uri="{FF2B5EF4-FFF2-40B4-BE49-F238E27FC236}">
+                <a16:creationId xmlns:a16="http://schemas.microsoft.com/office/drawing/2014/main" id="{87296883-D7F4-47B7-A3CE-92CE5A255F68}"/>
+              </a:ext>
+            </a:extLst>
+          </p:cNvPr>
+          <p:cNvSpPr/>
+          <p:nvPr/>
+        </p:nvSpPr>
+        <p:spPr>
+          <a:xfrm>
+            <a:off x="0" y="988142"/>
+            <a:ext cx="789039" cy="671052"/>
+          </a:xfrm>
+          <a:prstGeom prst="rect">
+            <a:avLst/>
+          </a:prstGeom>
+          <a:solidFill>
+            <a:srgbClr val="FFB600"/>
+          </a:solidFill>
+          <a:ln>
+            <a:noFill/>
+          </a:ln>
+        </p:spPr>
+        <p:style>
+          <a:lnRef idx="2">
+            <a:schemeClr val="accent1">
+              <a:shade val="50000"/>
+            </a:schemeClr>
+          </a:lnRef>
+          <a:fillRef idx="1">
+            <a:schemeClr val="accent1"/>
+          </a:fillRef>
+          <a:effectRef idx="0">
+            <a:schemeClr val="accent1"/>
+          </a:effectRef>
+          <a:fontRef idx="minor">
+            <a:schemeClr val="lt1"/>
+          </a:fontRef>
+        </p:style>
+        <p:txBody>
+          <a:bodyPr rtlCol="0" anchor="ctr"/>
+          <a:lstStyle/>
+          <a:p>
+            <a:pPr algn="ctr"/>
+            <a:endParaRPr lang="es-ES"/>
+          </a:p>
+        </p:txBody>
+      </p:sp>
+      <p:pic>
+        <p:nvPicPr>
+          <p:cNvPr id="7" name="Imagen 6">
+            <a:extLst>
+              <a:ext uri="{FF2B5EF4-FFF2-40B4-BE49-F238E27FC236}">
+                <a16:creationId xmlns:a16="http://schemas.microsoft.com/office/drawing/2014/main" id="{D1E34685-05B9-486E-ABE7-5CEAB7507931}"/>
+              </a:ext>
+            </a:extLst>
+          </p:cNvPr>
+          <p:cNvPicPr>
+            <a:picLocks noChangeAspect="1"/>
+          </p:cNvPicPr>
+          <p:nvPr/>
+        </p:nvPicPr>
+        <p:blipFill>
+          <a:blip r:embed="rId3">
+            <a:clrChange>
+              <a:clrFrom>
+                <a:srgbClr val="FFFFFF"/>
+              </a:clrFrom>
+              <a:clrTo>
+                <a:srgbClr val="FFFFFF">
+                  <a:alpha val="0"/>
+                </a:srgbClr>
+              </a:clrTo>
+            </a:clrChange>
+            <a:grayscl/>
+          </a:blip>
+          <a:stretch>
+            <a:fillRect/>
+          </a:stretch>
+        </p:blipFill>
+        <p:spPr>
+          <a:xfrm>
+            <a:off x="146244" y="1028124"/>
+            <a:ext cx="584701" cy="584701"/>
+          </a:xfrm>
+          <a:prstGeom prst="rect">
+            <a:avLst/>
+          </a:prstGeom>
+        </p:spPr>
+      </p:pic>
     </p:spTree>
   </p:cSld>
   <p:clrMapOvr>
@@ -31996,7 +29633,7 @@
           </a:bodyPr>
           <a:lstStyle/>
           <a:p>
-            <a:pPr marL="0" lvl="0" indent="0" rtl="0">
+            <a:pPr marL="0" lvl="0" indent="0" algn="ctr" rtl="0">
               <a:spcBef>
                 <a:spcPts val="0"/>
               </a:spcBef>
@@ -32071,2020 +29708,12 @@
           </a:p>
         </p:txBody>
       </p:sp>
-    </p:spTree>
-    <p:extLst>
-      <p:ext uri="{BB962C8B-B14F-4D97-AF65-F5344CB8AC3E}">
-        <p14:creationId xmlns:p14="http://schemas.microsoft.com/office/powerpoint/2010/main" val="584866347"/>
-      </p:ext>
-    </p:extLst>
-  </p:cSld>
-  <p:clrMapOvr>
-    <a:masterClrMapping/>
-  </p:clrMapOvr>
-</p:sld>
-</file>
-
-<file path=ppt/slides/slide6.xml><?xml version="1.0" encoding="utf-8"?>
-<p:sld xmlns:a="http://schemas.openxmlformats.org/drawingml/2006/main" xmlns:r="http://schemas.openxmlformats.org/officeDocument/2006/relationships" xmlns:p="http://schemas.openxmlformats.org/presentationml/2006/main" show="0">
-  <p:cSld>
-    <p:spTree>
-      <p:nvGrpSpPr>
-        <p:cNvPr id="1" name="Shape 280"/>
-        <p:cNvGrpSpPr/>
-        <p:nvPr/>
-      </p:nvGrpSpPr>
-      <p:grpSpPr>
-        <a:xfrm>
-          <a:off x="0" y="0"/>
-          <a:ext cx="0" cy="0"/>
-          <a:chOff x="0" y="0"/>
-          <a:chExt cx="0" cy="0"/>
-        </a:xfrm>
-      </p:grpSpPr>
       <p:sp>
         <p:nvSpPr>
-          <p:cNvPr id="281" name="Google Shape;281;p29"/>
-          <p:cNvSpPr txBox="1">
-            <a:spLocks noGrp="1"/>
-          </p:cNvSpPr>
-          <p:nvPr>
-            <p:ph type="title"/>
-          </p:nvPr>
-        </p:nvSpPr>
-        <p:spPr>
-          <a:xfrm>
-            <a:off x="922000" y="891775"/>
-            <a:ext cx="6866100" cy="857400"/>
-          </a:xfrm>
-          <a:prstGeom prst="rect">
-            <a:avLst/>
-          </a:prstGeom>
-        </p:spPr>
-        <p:txBody>
-          <a:bodyPr spcFirstLastPara="1" wrap="square" lIns="91425" tIns="91425" rIns="91425" bIns="91425" anchor="t" anchorCtr="0">
-            <a:noAutofit/>
-          </a:bodyPr>
-          <a:lstStyle/>
-          <a:p>
-            <a:pPr marL="0" lvl="0" indent="0" algn="l" rtl="0">
-              <a:spcBef>
-                <a:spcPts val="0"/>
-              </a:spcBef>
-              <a:spcAft>
-                <a:spcPts val="0"/>
-              </a:spcAft>
-              <a:buNone/>
-            </a:pPr>
-            <a:r>
-              <a:rPr lang="es-ES" sz="3600" dirty="0"/>
-              <a:t>Equipo</a:t>
-            </a:r>
-            <a:endParaRPr sz="3600" dirty="0"/>
-          </a:p>
-        </p:txBody>
-      </p:sp>
-      <p:sp>
-        <p:nvSpPr>
-          <p:cNvPr id="285" name="Google Shape;285;p29"/>
-          <p:cNvSpPr txBox="1">
-            <a:spLocks noGrp="1"/>
-          </p:cNvSpPr>
-          <p:nvPr>
-            <p:ph type="sldNum" idx="12"/>
-          </p:nvPr>
-        </p:nvSpPr>
-        <p:spPr>
-          <a:xfrm>
-            <a:off x="8604400" y="4590300"/>
-            <a:ext cx="539700" cy="553200"/>
-          </a:xfrm>
-          <a:prstGeom prst="rect">
-            <a:avLst/>
-          </a:prstGeom>
-        </p:spPr>
-        <p:txBody>
-          <a:bodyPr spcFirstLastPara="1" wrap="square" lIns="91425" tIns="91425" rIns="91425" bIns="91425" anchor="ctr" anchorCtr="0">
-            <a:noAutofit/>
-          </a:bodyPr>
-          <a:lstStyle/>
-          <a:p>
-            <a:pPr marL="0" lvl="0" indent="0" algn="ctr" rtl="0">
-              <a:spcBef>
-                <a:spcPts val="0"/>
-              </a:spcBef>
-              <a:spcAft>
-                <a:spcPts val="0"/>
-              </a:spcAft>
-              <a:buNone/>
-            </a:pPr>
-            <a:fld id="{00000000-1234-1234-1234-123412341234}" type="slidenum">
-              <a:rPr lang="en"/>
-              <a:t>6</a:t>
-            </a:fld>
-            <a:endParaRPr/>
-          </a:p>
-        </p:txBody>
-      </p:sp>
-      <p:sp>
-        <p:nvSpPr>
-          <p:cNvPr id="286" name="Google Shape;286;p29"/>
-          <p:cNvSpPr txBox="1">
-            <a:spLocks noGrp="1"/>
-          </p:cNvSpPr>
-          <p:nvPr>
-            <p:ph type="body" idx="1"/>
-          </p:nvPr>
-        </p:nvSpPr>
-        <p:spPr>
-          <a:xfrm>
-            <a:off x="922000" y="1696065"/>
-            <a:ext cx="2332200" cy="2860935"/>
-          </a:xfrm>
-          <a:prstGeom prst="rect">
-            <a:avLst/>
-          </a:prstGeom>
-        </p:spPr>
-        <p:txBody>
-          <a:bodyPr spcFirstLastPara="1" wrap="square" lIns="91425" tIns="91425" rIns="91425" bIns="91425" anchor="t" anchorCtr="0">
-            <a:noAutofit/>
-          </a:bodyPr>
-          <a:lstStyle/>
-          <a:p>
-            <a:pPr marL="0" lvl="0" indent="0" algn="l" rtl="0">
-              <a:spcBef>
-                <a:spcPts val="600"/>
-              </a:spcBef>
-              <a:spcAft>
-                <a:spcPts val="0"/>
-              </a:spcAft>
-              <a:buNone/>
-            </a:pPr>
-            <a:r>
-              <a:rPr lang="en" b="1" dirty="0"/>
-              <a:t>Yellow</a:t>
-            </a:r>
-            <a:endParaRPr b="1" dirty="0"/>
-          </a:p>
-          <a:p>
-            <a:pPr marL="0" lvl="0" indent="0" algn="l" rtl="0">
-              <a:spcBef>
-                <a:spcPts val="600"/>
-              </a:spcBef>
-              <a:spcAft>
-                <a:spcPts val="0"/>
-              </a:spcAft>
-              <a:buNone/>
-            </a:pPr>
-            <a:r>
-              <a:rPr lang="en" sz="1200" dirty="0"/>
-              <a:t>Is the color of gold, butter and ripe lemons. In the spectrum of visible light, yellow is found between green and orange.</a:t>
-            </a:r>
-            <a:endParaRPr sz="1200" dirty="0"/>
-          </a:p>
-        </p:txBody>
-      </p:sp>
-      <p:grpSp>
-        <p:nvGrpSpPr>
-          <p:cNvPr id="289" name="Google Shape;289;p29"/>
-          <p:cNvGrpSpPr/>
-          <p:nvPr/>
-        </p:nvGrpSpPr>
-        <p:grpSpPr>
-          <a:xfrm>
-            <a:off x="8054838" y="308799"/>
-            <a:ext cx="796168" cy="763718"/>
-            <a:chOff x="5241175" y="4959100"/>
-            <a:chExt cx="539775" cy="517775"/>
-          </a:xfrm>
-        </p:grpSpPr>
-        <p:sp>
-          <p:nvSpPr>
-            <p:cNvPr id="290" name="Google Shape;290;p29"/>
-            <p:cNvSpPr/>
-            <p:nvPr/>
-          </p:nvSpPr>
-          <p:spPr>
-            <a:xfrm>
-              <a:off x="5575150" y="4959100"/>
-              <a:ext cx="161225" cy="178300"/>
-            </a:xfrm>
-            <a:custGeom>
-              <a:avLst/>
-              <a:gdLst/>
-              <a:ahLst/>
-              <a:cxnLst/>
-              <a:rect l="l" t="t" r="r" b="b"/>
-              <a:pathLst>
-                <a:path w="6449" h="7132" extrusionOk="0">
-                  <a:moveTo>
-                    <a:pt x="4641" y="0"/>
-                  </a:moveTo>
-                  <a:lnTo>
-                    <a:pt x="4470" y="25"/>
-                  </a:lnTo>
-                  <a:lnTo>
-                    <a:pt x="4299" y="49"/>
-                  </a:lnTo>
-                  <a:lnTo>
-                    <a:pt x="4128" y="98"/>
-                  </a:lnTo>
-                  <a:lnTo>
-                    <a:pt x="3957" y="147"/>
-                  </a:lnTo>
-                  <a:lnTo>
-                    <a:pt x="3786" y="220"/>
-                  </a:lnTo>
-                  <a:lnTo>
-                    <a:pt x="3640" y="318"/>
-                  </a:lnTo>
-                  <a:lnTo>
-                    <a:pt x="3517" y="415"/>
-                  </a:lnTo>
-                  <a:lnTo>
-                    <a:pt x="3395" y="538"/>
-                  </a:lnTo>
-                  <a:lnTo>
-                    <a:pt x="3273" y="660"/>
-                  </a:lnTo>
-                  <a:lnTo>
-                    <a:pt x="3175" y="806"/>
-                  </a:lnTo>
-                  <a:lnTo>
-                    <a:pt x="3078" y="953"/>
-                  </a:lnTo>
-                  <a:lnTo>
-                    <a:pt x="3005" y="1099"/>
-                  </a:lnTo>
-                  <a:lnTo>
-                    <a:pt x="2931" y="1270"/>
-                  </a:lnTo>
-                  <a:lnTo>
-                    <a:pt x="2907" y="1441"/>
-                  </a:lnTo>
-                  <a:lnTo>
-                    <a:pt x="2882" y="1612"/>
-                  </a:lnTo>
-                  <a:lnTo>
-                    <a:pt x="2858" y="1808"/>
-                  </a:lnTo>
-                  <a:lnTo>
-                    <a:pt x="2882" y="2076"/>
-                  </a:lnTo>
-                  <a:lnTo>
-                    <a:pt x="2956" y="2345"/>
-                  </a:lnTo>
-                  <a:lnTo>
-                    <a:pt x="3053" y="2589"/>
-                  </a:lnTo>
-                  <a:lnTo>
-                    <a:pt x="3175" y="2809"/>
-                  </a:lnTo>
-                  <a:lnTo>
-                    <a:pt x="0" y="6546"/>
-                  </a:lnTo>
-                  <a:lnTo>
-                    <a:pt x="367" y="6814"/>
-                  </a:lnTo>
-                  <a:lnTo>
-                    <a:pt x="709" y="7132"/>
-                  </a:lnTo>
-                  <a:lnTo>
-                    <a:pt x="3884" y="3419"/>
-                  </a:lnTo>
-                  <a:lnTo>
-                    <a:pt x="4055" y="3493"/>
-                  </a:lnTo>
-                  <a:lnTo>
-                    <a:pt x="4250" y="3542"/>
-                  </a:lnTo>
-                  <a:lnTo>
-                    <a:pt x="4445" y="3566"/>
-                  </a:lnTo>
-                  <a:lnTo>
-                    <a:pt x="4641" y="3590"/>
-                  </a:lnTo>
-                  <a:lnTo>
-                    <a:pt x="4836" y="3566"/>
-                  </a:lnTo>
-                  <a:lnTo>
-                    <a:pt x="5007" y="3542"/>
-                  </a:lnTo>
-                  <a:lnTo>
-                    <a:pt x="5178" y="3517"/>
-                  </a:lnTo>
-                  <a:lnTo>
-                    <a:pt x="5349" y="3444"/>
-                  </a:lnTo>
-                  <a:lnTo>
-                    <a:pt x="5496" y="3371"/>
-                  </a:lnTo>
-                  <a:lnTo>
-                    <a:pt x="5642" y="3273"/>
-                  </a:lnTo>
-                  <a:lnTo>
-                    <a:pt x="5789" y="3175"/>
-                  </a:lnTo>
-                  <a:lnTo>
-                    <a:pt x="5911" y="3053"/>
-                  </a:lnTo>
-                  <a:lnTo>
-                    <a:pt x="6033" y="2931"/>
-                  </a:lnTo>
-                  <a:lnTo>
-                    <a:pt x="6131" y="2809"/>
-                  </a:lnTo>
-                  <a:lnTo>
-                    <a:pt x="6228" y="2638"/>
-                  </a:lnTo>
-                  <a:lnTo>
-                    <a:pt x="6302" y="2491"/>
-                  </a:lnTo>
-                  <a:lnTo>
-                    <a:pt x="6350" y="2320"/>
-                  </a:lnTo>
-                  <a:lnTo>
-                    <a:pt x="6399" y="2149"/>
-                  </a:lnTo>
-                  <a:lnTo>
-                    <a:pt x="6424" y="1979"/>
-                  </a:lnTo>
-                  <a:lnTo>
-                    <a:pt x="6448" y="1808"/>
-                  </a:lnTo>
-                  <a:lnTo>
-                    <a:pt x="6424" y="1612"/>
-                  </a:lnTo>
-                  <a:lnTo>
-                    <a:pt x="6399" y="1441"/>
-                  </a:lnTo>
-                  <a:lnTo>
-                    <a:pt x="6350" y="1270"/>
-                  </a:lnTo>
-                  <a:lnTo>
-                    <a:pt x="6302" y="1099"/>
-                  </a:lnTo>
-                  <a:lnTo>
-                    <a:pt x="6228" y="953"/>
-                  </a:lnTo>
-                  <a:lnTo>
-                    <a:pt x="6131" y="806"/>
-                  </a:lnTo>
-                  <a:lnTo>
-                    <a:pt x="6033" y="660"/>
-                  </a:lnTo>
-                  <a:lnTo>
-                    <a:pt x="5911" y="538"/>
-                  </a:lnTo>
-                  <a:lnTo>
-                    <a:pt x="5789" y="415"/>
-                  </a:lnTo>
-                  <a:lnTo>
-                    <a:pt x="5642" y="318"/>
-                  </a:lnTo>
-                  <a:lnTo>
-                    <a:pt x="5496" y="220"/>
-                  </a:lnTo>
-                  <a:lnTo>
-                    <a:pt x="5349" y="147"/>
-                  </a:lnTo>
-                  <a:lnTo>
-                    <a:pt x="5178" y="98"/>
-                  </a:lnTo>
-                  <a:lnTo>
-                    <a:pt x="5007" y="49"/>
-                  </a:lnTo>
-                  <a:lnTo>
-                    <a:pt x="4836" y="25"/>
-                  </a:lnTo>
-                  <a:lnTo>
-                    <a:pt x="4641" y="0"/>
-                  </a:lnTo>
-                  <a:close/>
-                </a:path>
-              </a:pathLst>
-            </a:custGeom>
-            <a:solidFill>
-              <a:srgbClr val="FFB600"/>
-            </a:solidFill>
-            <a:ln>
-              <a:noFill/>
-            </a:ln>
-          </p:spPr>
-          <p:txBody>
-            <a:bodyPr spcFirstLastPara="1" wrap="square" lIns="91425" tIns="91425" rIns="91425" bIns="91425" anchor="ctr" anchorCtr="0">
-              <a:noAutofit/>
-            </a:bodyPr>
-            <a:lstStyle/>
-            <a:p>
-              <a:pPr marL="0" lvl="0" indent="0" algn="l" rtl="0">
-                <a:spcBef>
-                  <a:spcPts val="0"/>
-                </a:spcBef>
-                <a:spcAft>
-                  <a:spcPts val="0"/>
-                </a:spcAft>
-                <a:buNone/>
-              </a:pPr>
-              <a:endParaRPr/>
-            </a:p>
-          </p:txBody>
-        </p:sp>
-        <p:sp>
-          <p:nvSpPr>
-            <p:cNvPr id="291" name="Google Shape;291;p29"/>
-            <p:cNvSpPr/>
-            <p:nvPr/>
-          </p:nvSpPr>
-          <p:spPr>
-            <a:xfrm>
-              <a:off x="5330925" y="4985350"/>
-              <a:ext cx="128250" cy="148400"/>
-            </a:xfrm>
-            <a:custGeom>
-              <a:avLst/>
-              <a:gdLst/>
-              <a:ahLst/>
-              <a:cxnLst/>
-              <a:rect l="l" t="t" r="r" b="b"/>
-              <a:pathLst>
-                <a:path w="5130" h="5936" extrusionOk="0">
-                  <a:moveTo>
-                    <a:pt x="1563" y="0"/>
-                  </a:moveTo>
-                  <a:lnTo>
-                    <a:pt x="1392" y="25"/>
-                  </a:lnTo>
-                  <a:lnTo>
-                    <a:pt x="1221" y="74"/>
-                  </a:lnTo>
-                  <a:lnTo>
-                    <a:pt x="1075" y="147"/>
-                  </a:lnTo>
-                  <a:lnTo>
-                    <a:pt x="904" y="220"/>
-                  </a:lnTo>
-                  <a:lnTo>
-                    <a:pt x="757" y="318"/>
-                  </a:lnTo>
-                  <a:lnTo>
-                    <a:pt x="635" y="416"/>
-                  </a:lnTo>
-                  <a:lnTo>
-                    <a:pt x="513" y="538"/>
-                  </a:lnTo>
-                  <a:lnTo>
-                    <a:pt x="391" y="660"/>
-                  </a:lnTo>
-                  <a:lnTo>
-                    <a:pt x="293" y="806"/>
-                  </a:lnTo>
-                  <a:lnTo>
-                    <a:pt x="196" y="953"/>
-                  </a:lnTo>
-                  <a:lnTo>
-                    <a:pt x="122" y="1099"/>
-                  </a:lnTo>
-                  <a:lnTo>
-                    <a:pt x="74" y="1270"/>
-                  </a:lnTo>
-                  <a:lnTo>
-                    <a:pt x="25" y="1466"/>
-                  </a:lnTo>
-                  <a:lnTo>
-                    <a:pt x="0" y="1637"/>
-                  </a:lnTo>
-                  <a:lnTo>
-                    <a:pt x="0" y="1808"/>
-                  </a:lnTo>
-                  <a:lnTo>
-                    <a:pt x="0" y="2003"/>
-                  </a:lnTo>
-                  <a:lnTo>
-                    <a:pt x="25" y="2174"/>
-                  </a:lnTo>
-                  <a:lnTo>
-                    <a:pt x="74" y="2345"/>
-                  </a:lnTo>
-                  <a:lnTo>
-                    <a:pt x="147" y="2492"/>
-                  </a:lnTo>
-                  <a:lnTo>
-                    <a:pt x="220" y="2663"/>
-                  </a:lnTo>
-                  <a:lnTo>
-                    <a:pt x="318" y="2785"/>
-                  </a:lnTo>
-                  <a:lnTo>
-                    <a:pt x="415" y="2931"/>
-                  </a:lnTo>
-                  <a:lnTo>
-                    <a:pt x="538" y="3053"/>
-                  </a:lnTo>
-                  <a:lnTo>
-                    <a:pt x="660" y="3175"/>
-                  </a:lnTo>
-                  <a:lnTo>
-                    <a:pt x="806" y="3273"/>
-                  </a:lnTo>
-                  <a:lnTo>
-                    <a:pt x="953" y="3371"/>
-                  </a:lnTo>
-                  <a:lnTo>
-                    <a:pt x="1099" y="3444"/>
-                  </a:lnTo>
-                  <a:lnTo>
-                    <a:pt x="1270" y="3493"/>
-                  </a:lnTo>
-                  <a:lnTo>
-                    <a:pt x="1466" y="3542"/>
-                  </a:lnTo>
-                  <a:lnTo>
-                    <a:pt x="1710" y="3566"/>
-                  </a:lnTo>
-                  <a:lnTo>
-                    <a:pt x="1979" y="3566"/>
-                  </a:lnTo>
-                  <a:lnTo>
-                    <a:pt x="2223" y="3517"/>
-                  </a:lnTo>
-                  <a:lnTo>
-                    <a:pt x="2467" y="3444"/>
-                  </a:lnTo>
-                  <a:lnTo>
-                    <a:pt x="4396" y="5935"/>
-                  </a:lnTo>
-                  <a:lnTo>
-                    <a:pt x="4738" y="5642"/>
-                  </a:lnTo>
-                  <a:lnTo>
-                    <a:pt x="5129" y="5374"/>
-                  </a:lnTo>
-                  <a:lnTo>
-                    <a:pt x="3200" y="2858"/>
-                  </a:lnTo>
-                  <a:lnTo>
-                    <a:pt x="3322" y="2687"/>
-                  </a:lnTo>
-                  <a:lnTo>
-                    <a:pt x="3419" y="2516"/>
-                  </a:lnTo>
-                  <a:lnTo>
-                    <a:pt x="3493" y="2321"/>
-                  </a:lnTo>
-                  <a:lnTo>
-                    <a:pt x="3542" y="2101"/>
-                  </a:lnTo>
-                  <a:lnTo>
-                    <a:pt x="3566" y="1930"/>
-                  </a:lnTo>
-                  <a:lnTo>
-                    <a:pt x="3566" y="1734"/>
-                  </a:lnTo>
-                  <a:lnTo>
-                    <a:pt x="3566" y="1564"/>
-                  </a:lnTo>
-                  <a:lnTo>
-                    <a:pt x="3517" y="1393"/>
-                  </a:lnTo>
-                  <a:lnTo>
-                    <a:pt x="3468" y="1222"/>
-                  </a:lnTo>
-                  <a:lnTo>
-                    <a:pt x="3419" y="1075"/>
-                  </a:lnTo>
-                  <a:lnTo>
-                    <a:pt x="3346" y="904"/>
-                  </a:lnTo>
-                  <a:lnTo>
-                    <a:pt x="3249" y="758"/>
-                  </a:lnTo>
-                  <a:lnTo>
-                    <a:pt x="3151" y="635"/>
-                  </a:lnTo>
-                  <a:lnTo>
-                    <a:pt x="3029" y="513"/>
-                  </a:lnTo>
-                  <a:lnTo>
-                    <a:pt x="2907" y="391"/>
-                  </a:lnTo>
-                  <a:lnTo>
-                    <a:pt x="2760" y="294"/>
-                  </a:lnTo>
-                  <a:lnTo>
-                    <a:pt x="2614" y="196"/>
-                  </a:lnTo>
-                  <a:lnTo>
-                    <a:pt x="2443" y="123"/>
-                  </a:lnTo>
-                  <a:lnTo>
-                    <a:pt x="2272" y="74"/>
-                  </a:lnTo>
-                  <a:lnTo>
-                    <a:pt x="2101" y="25"/>
-                  </a:lnTo>
-                  <a:lnTo>
-                    <a:pt x="1930" y="0"/>
-                  </a:lnTo>
-                  <a:close/>
-                </a:path>
-              </a:pathLst>
-            </a:custGeom>
-            <a:solidFill>
-              <a:srgbClr val="FFB600"/>
-            </a:solidFill>
-            <a:ln>
-              <a:noFill/>
-            </a:ln>
-          </p:spPr>
-          <p:txBody>
-            <a:bodyPr spcFirstLastPara="1" wrap="square" lIns="91425" tIns="91425" rIns="91425" bIns="91425" anchor="ctr" anchorCtr="0">
-              <a:noAutofit/>
-            </a:bodyPr>
-            <a:lstStyle/>
-            <a:p>
-              <a:pPr marL="0" lvl="0" indent="0" algn="l" rtl="0">
-                <a:spcBef>
-                  <a:spcPts val="0"/>
-                </a:spcBef>
-                <a:spcAft>
-                  <a:spcPts val="0"/>
-                </a:spcAft>
-                <a:buNone/>
-              </a:pPr>
-              <a:endParaRPr/>
-            </a:p>
-          </p:txBody>
-        </p:sp>
-        <p:sp>
-          <p:nvSpPr>
-            <p:cNvPr id="292" name="Google Shape;292;p29"/>
-            <p:cNvSpPr/>
-            <p:nvPr/>
-          </p:nvSpPr>
-          <p:spPr>
-            <a:xfrm>
-              <a:off x="5241175" y="5241175"/>
-              <a:ext cx="180125" cy="109325"/>
-            </a:xfrm>
-            <a:custGeom>
-              <a:avLst/>
-              <a:gdLst/>
-              <a:ahLst/>
-              <a:cxnLst/>
-              <a:rect l="l" t="t" r="r" b="b"/>
-              <a:pathLst>
-                <a:path w="7205" h="4373" extrusionOk="0">
-                  <a:moveTo>
-                    <a:pt x="6839" y="1"/>
-                  </a:moveTo>
-                  <a:lnTo>
-                    <a:pt x="3224" y="1491"/>
-                  </a:lnTo>
-                  <a:lnTo>
-                    <a:pt x="3102" y="1368"/>
-                  </a:lnTo>
-                  <a:lnTo>
-                    <a:pt x="2980" y="1246"/>
-                  </a:lnTo>
-                  <a:lnTo>
-                    <a:pt x="2858" y="1124"/>
-                  </a:lnTo>
-                  <a:lnTo>
-                    <a:pt x="2687" y="1026"/>
-                  </a:lnTo>
-                  <a:lnTo>
-                    <a:pt x="2540" y="953"/>
-                  </a:lnTo>
-                  <a:lnTo>
-                    <a:pt x="2369" y="880"/>
-                  </a:lnTo>
-                  <a:lnTo>
-                    <a:pt x="2198" y="831"/>
-                  </a:lnTo>
-                  <a:lnTo>
-                    <a:pt x="2027" y="807"/>
-                  </a:lnTo>
-                  <a:lnTo>
-                    <a:pt x="1856" y="782"/>
-                  </a:lnTo>
-                  <a:lnTo>
-                    <a:pt x="1685" y="807"/>
-                  </a:lnTo>
-                  <a:lnTo>
-                    <a:pt x="1514" y="807"/>
-                  </a:lnTo>
-                  <a:lnTo>
-                    <a:pt x="1343" y="856"/>
-                  </a:lnTo>
-                  <a:lnTo>
-                    <a:pt x="1172" y="904"/>
-                  </a:lnTo>
-                  <a:lnTo>
-                    <a:pt x="1026" y="978"/>
-                  </a:lnTo>
-                  <a:lnTo>
-                    <a:pt x="879" y="1051"/>
-                  </a:lnTo>
-                  <a:lnTo>
-                    <a:pt x="733" y="1149"/>
-                  </a:lnTo>
-                  <a:lnTo>
-                    <a:pt x="586" y="1271"/>
-                  </a:lnTo>
-                  <a:lnTo>
-                    <a:pt x="464" y="1393"/>
-                  </a:lnTo>
-                  <a:lnTo>
-                    <a:pt x="342" y="1515"/>
-                  </a:lnTo>
-                  <a:lnTo>
-                    <a:pt x="244" y="1686"/>
-                  </a:lnTo>
-                  <a:lnTo>
-                    <a:pt x="171" y="1832"/>
-                  </a:lnTo>
-                  <a:lnTo>
-                    <a:pt x="98" y="2003"/>
-                  </a:lnTo>
-                  <a:lnTo>
-                    <a:pt x="49" y="2174"/>
-                  </a:lnTo>
-                  <a:lnTo>
-                    <a:pt x="25" y="2345"/>
-                  </a:lnTo>
-                  <a:lnTo>
-                    <a:pt x="0" y="2516"/>
-                  </a:lnTo>
-                  <a:lnTo>
-                    <a:pt x="0" y="2687"/>
-                  </a:lnTo>
-                  <a:lnTo>
-                    <a:pt x="25" y="2858"/>
-                  </a:lnTo>
-                  <a:lnTo>
-                    <a:pt x="73" y="3029"/>
-                  </a:lnTo>
-                  <a:lnTo>
-                    <a:pt x="122" y="3200"/>
-                  </a:lnTo>
-                  <a:lnTo>
-                    <a:pt x="195" y="3347"/>
-                  </a:lnTo>
-                  <a:lnTo>
-                    <a:pt x="269" y="3518"/>
-                  </a:lnTo>
-                  <a:lnTo>
-                    <a:pt x="366" y="3640"/>
-                  </a:lnTo>
-                  <a:lnTo>
-                    <a:pt x="464" y="3786"/>
-                  </a:lnTo>
-                  <a:lnTo>
-                    <a:pt x="611" y="3908"/>
-                  </a:lnTo>
-                  <a:lnTo>
-                    <a:pt x="733" y="4031"/>
-                  </a:lnTo>
-                  <a:lnTo>
-                    <a:pt x="904" y="4128"/>
-                  </a:lnTo>
-                  <a:lnTo>
-                    <a:pt x="1050" y="4201"/>
-                  </a:lnTo>
-                  <a:lnTo>
-                    <a:pt x="1221" y="4275"/>
-                  </a:lnTo>
-                  <a:lnTo>
-                    <a:pt x="1392" y="4324"/>
-                  </a:lnTo>
-                  <a:lnTo>
-                    <a:pt x="1563" y="4348"/>
-                  </a:lnTo>
-                  <a:lnTo>
-                    <a:pt x="1734" y="4372"/>
-                  </a:lnTo>
-                  <a:lnTo>
-                    <a:pt x="1905" y="4372"/>
-                  </a:lnTo>
-                  <a:lnTo>
-                    <a:pt x="2076" y="4348"/>
-                  </a:lnTo>
-                  <a:lnTo>
-                    <a:pt x="2247" y="4299"/>
-                  </a:lnTo>
-                  <a:lnTo>
-                    <a:pt x="2418" y="4250"/>
-                  </a:lnTo>
-                  <a:lnTo>
-                    <a:pt x="2565" y="4201"/>
-                  </a:lnTo>
-                  <a:lnTo>
-                    <a:pt x="2711" y="4104"/>
-                  </a:lnTo>
-                  <a:lnTo>
-                    <a:pt x="2858" y="4006"/>
-                  </a:lnTo>
-                  <a:lnTo>
-                    <a:pt x="3004" y="3908"/>
-                  </a:lnTo>
-                  <a:lnTo>
-                    <a:pt x="3126" y="3786"/>
-                  </a:lnTo>
-                  <a:lnTo>
-                    <a:pt x="3248" y="3640"/>
-                  </a:lnTo>
-                  <a:lnTo>
-                    <a:pt x="3346" y="3493"/>
-                  </a:lnTo>
-                  <a:lnTo>
-                    <a:pt x="3468" y="3200"/>
-                  </a:lnTo>
-                  <a:lnTo>
-                    <a:pt x="3541" y="2931"/>
-                  </a:lnTo>
-                  <a:lnTo>
-                    <a:pt x="3590" y="2638"/>
-                  </a:lnTo>
-                  <a:lnTo>
-                    <a:pt x="3566" y="2345"/>
-                  </a:lnTo>
-                  <a:lnTo>
-                    <a:pt x="7205" y="856"/>
-                  </a:lnTo>
-                  <a:lnTo>
-                    <a:pt x="6985" y="440"/>
-                  </a:lnTo>
-                  <a:lnTo>
-                    <a:pt x="6839" y="1"/>
-                  </a:lnTo>
-                  <a:close/>
-                </a:path>
-              </a:pathLst>
-            </a:custGeom>
-            <a:solidFill>
-              <a:srgbClr val="FFB600"/>
-            </a:solidFill>
-            <a:ln>
-              <a:noFill/>
-            </a:ln>
-          </p:spPr>
-          <p:txBody>
-            <a:bodyPr spcFirstLastPara="1" wrap="square" lIns="91425" tIns="91425" rIns="91425" bIns="91425" anchor="ctr" anchorCtr="0">
-              <a:noAutofit/>
-            </a:bodyPr>
-            <a:lstStyle/>
-            <a:p>
-              <a:pPr marL="0" lvl="0" indent="0" algn="l" rtl="0">
-                <a:spcBef>
-                  <a:spcPts val="0"/>
-                </a:spcBef>
-                <a:spcAft>
-                  <a:spcPts val="0"/>
-                </a:spcAft>
-                <a:buNone/>
-              </a:pPr>
-              <a:endParaRPr/>
-            </a:p>
-          </p:txBody>
-        </p:sp>
-        <p:sp>
-          <p:nvSpPr>
-            <p:cNvPr id="293" name="Google Shape;293;p29"/>
-            <p:cNvSpPr/>
-            <p:nvPr/>
-          </p:nvSpPr>
-          <p:spPr>
-            <a:xfrm>
-              <a:off x="5461575" y="5316900"/>
-              <a:ext cx="89175" cy="159975"/>
-            </a:xfrm>
-            <a:custGeom>
-              <a:avLst/>
-              <a:gdLst/>
-              <a:ahLst/>
-              <a:cxnLst/>
-              <a:rect l="l" t="t" r="r" b="b"/>
-              <a:pathLst>
-                <a:path w="3567" h="6399" extrusionOk="0">
-                  <a:moveTo>
-                    <a:pt x="1491" y="0"/>
-                  </a:moveTo>
-                  <a:lnTo>
-                    <a:pt x="1393" y="2858"/>
-                  </a:lnTo>
-                  <a:lnTo>
-                    <a:pt x="1198" y="2907"/>
-                  </a:lnTo>
-                  <a:lnTo>
-                    <a:pt x="1002" y="3004"/>
-                  </a:lnTo>
-                  <a:lnTo>
-                    <a:pt x="807" y="3102"/>
-                  </a:lnTo>
-                  <a:lnTo>
-                    <a:pt x="636" y="3224"/>
-                  </a:lnTo>
-                  <a:lnTo>
-                    <a:pt x="489" y="3346"/>
-                  </a:lnTo>
-                  <a:lnTo>
-                    <a:pt x="392" y="3493"/>
-                  </a:lnTo>
-                  <a:lnTo>
-                    <a:pt x="269" y="3639"/>
-                  </a:lnTo>
-                  <a:lnTo>
-                    <a:pt x="196" y="3786"/>
-                  </a:lnTo>
-                  <a:lnTo>
-                    <a:pt x="123" y="3932"/>
-                  </a:lnTo>
-                  <a:lnTo>
-                    <a:pt x="74" y="4103"/>
-                  </a:lnTo>
-                  <a:lnTo>
-                    <a:pt x="25" y="4274"/>
-                  </a:lnTo>
-                  <a:lnTo>
-                    <a:pt x="1" y="4445"/>
-                  </a:lnTo>
-                  <a:lnTo>
-                    <a:pt x="1" y="4616"/>
-                  </a:lnTo>
-                  <a:lnTo>
-                    <a:pt x="1" y="4787"/>
-                  </a:lnTo>
-                  <a:lnTo>
-                    <a:pt x="25" y="4958"/>
-                  </a:lnTo>
-                  <a:lnTo>
-                    <a:pt x="74" y="5129"/>
-                  </a:lnTo>
-                  <a:lnTo>
-                    <a:pt x="123" y="5276"/>
-                  </a:lnTo>
-                  <a:lnTo>
-                    <a:pt x="196" y="5447"/>
-                  </a:lnTo>
-                  <a:lnTo>
-                    <a:pt x="294" y="5593"/>
-                  </a:lnTo>
-                  <a:lnTo>
-                    <a:pt x="416" y="5740"/>
-                  </a:lnTo>
-                  <a:lnTo>
-                    <a:pt x="538" y="5886"/>
-                  </a:lnTo>
-                  <a:lnTo>
-                    <a:pt x="660" y="6008"/>
-                  </a:lnTo>
-                  <a:lnTo>
-                    <a:pt x="807" y="6106"/>
-                  </a:lnTo>
-                  <a:lnTo>
-                    <a:pt x="953" y="6179"/>
-                  </a:lnTo>
-                  <a:lnTo>
-                    <a:pt x="1124" y="6252"/>
-                  </a:lnTo>
-                  <a:lnTo>
-                    <a:pt x="1271" y="6326"/>
-                  </a:lnTo>
-                  <a:lnTo>
-                    <a:pt x="1442" y="6350"/>
-                  </a:lnTo>
-                  <a:lnTo>
-                    <a:pt x="1613" y="6375"/>
-                  </a:lnTo>
-                  <a:lnTo>
-                    <a:pt x="1784" y="6399"/>
-                  </a:lnTo>
-                  <a:lnTo>
-                    <a:pt x="1955" y="6375"/>
-                  </a:lnTo>
-                  <a:lnTo>
-                    <a:pt x="2126" y="6350"/>
-                  </a:lnTo>
-                  <a:lnTo>
-                    <a:pt x="2297" y="6301"/>
-                  </a:lnTo>
-                  <a:lnTo>
-                    <a:pt x="2468" y="6252"/>
-                  </a:lnTo>
-                  <a:lnTo>
-                    <a:pt x="2614" y="6179"/>
-                  </a:lnTo>
-                  <a:lnTo>
-                    <a:pt x="2785" y="6082"/>
-                  </a:lnTo>
-                  <a:lnTo>
-                    <a:pt x="2932" y="5984"/>
-                  </a:lnTo>
-                  <a:lnTo>
-                    <a:pt x="3054" y="5862"/>
-                  </a:lnTo>
-                  <a:lnTo>
-                    <a:pt x="3176" y="5715"/>
-                  </a:lnTo>
-                  <a:lnTo>
-                    <a:pt x="3273" y="5569"/>
-                  </a:lnTo>
-                  <a:lnTo>
-                    <a:pt x="3371" y="5422"/>
-                  </a:lnTo>
-                  <a:lnTo>
-                    <a:pt x="3444" y="5276"/>
-                  </a:lnTo>
-                  <a:lnTo>
-                    <a:pt x="3493" y="5105"/>
-                  </a:lnTo>
-                  <a:lnTo>
-                    <a:pt x="3542" y="4934"/>
-                  </a:lnTo>
-                  <a:lnTo>
-                    <a:pt x="3567" y="4763"/>
-                  </a:lnTo>
-                  <a:lnTo>
-                    <a:pt x="3567" y="4592"/>
-                  </a:lnTo>
-                  <a:lnTo>
-                    <a:pt x="3567" y="4421"/>
-                  </a:lnTo>
-                  <a:lnTo>
-                    <a:pt x="3542" y="4250"/>
-                  </a:lnTo>
-                  <a:lnTo>
-                    <a:pt x="3493" y="4079"/>
-                  </a:lnTo>
-                  <a:lnTo>
-                    <a:pt x="3420" y="3908"/>
-                  </a:lnTo>
-                  <a:lnTo>
-                    <a:pt x="3347" y="3761"/>
-                  </a:lnTo>
-                  <a:lnTo>
-                    <a:pt x="3273" y="3615"/>
-                  </a:lnTo>
-                  <a:lnTo>
-                    <a:pt x="3151" y="3468"/>
-                  </a:lnTo>
-                  <a:lnTo>
-                    <a:pt x="2980" y="3273"/>
-                  </a:lnTo>
-                  <a:lnTo>
-                    <a:pt x="2761" y="3102"/>
-                  </a:lnTo>
-                  <a:lnTo>
-                    <a:pt x="2541" y="2980"/>
-                  </a:lnTo>
-                  <a:lnTo>
-                    <a:pt x="2321" y="2907"/>
-                  </a:lnTo>
-                  <a:lnTo>
-                    <a:pt x="2419" y="25"/>
-                  </a:lnTo>
-                  <a:lnTo>
-                    <a:pt x="2419" y="25"/>
-                  </a:lnTo>
-                  <a:lnTo>
-                    <a:pt x="2126" y="49"/>
-                  </a:lnTo>
-                  <a:lnTo>
-                    <a:pt x="1808" y="25"/>
-                  </a:lnTo>
-                  <a:lnTo>
-                    <a:pt x="1491" y="0"/>
-                  </a:lnTo>
-                  <a:close/>
-                </a:path>
-              </a:pathLst>
-            </a:custGeom>
-            <a:solidFill>
-              <a:srgbClr val="FFB600"/>
-            </a:solidFill>
-            <a:ln>
-              <a:noFill/>
-            </a:ln>
-          </p:spPr>
-          <p:txBody>
-            <a:bodyPr spcFirstLastPara="1" wrap="square" lIns="91425" tIns="91425" rIns="91425" bIns="91425" anchor="ctr" anchorCtr="0">
-              <a:noAutofit/>
-            </a:bodyPr>
-            <a:lstStyle/>
-            <a:p>
-              <a:pPr marL="0" lvl="0" indent="0" algn="l" rtl="0">
-                <a:spcBef>
-                  <a:spcPts val="0"/>
-                </a:spcBef>
-                <a:spcAft>
-                  <a:spcPts val="0"/>
-                </a:spcAft>
-                <a:buNone/>
-              </a:pPr>
-              <a:endParaRPr/>
-            </a:p>
-          </p:txBody>
-        </p:sp>
-        <p:sp>
-          <p:nvSpPr>
-            <p:cNvPr id="294" name="Google Shape;294;p29"/>
-            <p:cNvSpPr/>
-            <p:nvPr/>
-          </p:nvSpPr>
-          <p:spPr>
-            <a:xfrm>
-              <a:off x="5619100" y="5194175"/>
-              <a:ext cx="161850" cy="89775"/>
-            </a:xfrm>
-            <a:custGeom>
-              <a:avLst/>
-              <a:gdLst/>
-              <a:ahLst/>
-              <a:cxnLst/>
-              <a:rect l="l" t="t" r="r" b="b"/>
-              <a:pathLst>
-                <a:path w="6474" h="3591" extrusionOk="0">
-                  <a:moveTo>
-                    <a:pt x="4592" y="0"/>
-                  </a:moveTo>
-                  <a:lnTo>
-                    <a:pt x="4422" y="25"/>
-                  </a:lnTo>
-                  <a:lnTo>
-                    <a:pt x="4251" y="73"/>
-                  </a:lnTo>
-                  <a:lnTo>
-                    <a:pt x="4080" y="122"/>
-                  </a:lnTo>
-                  <a:lnTo>
-                    <a:pt x="3884" y="196"/>
-                  </a:lnTo>
-                  <a:lnTo>
-                    <a:pt x="3713" y="293"/>
-                  </a:lnTo>
-                  <a:lnTo>
-                    <a:pt x="3567" y="391"/>
-                  </a:lnTo>
-                  <a:lnTo>
-                    <a:pt x="3420" y="513"/>
-                  </a:lnTo>
-                  <a:lnTo>
-                    <a:pt x="3298" y="660"/>
-                  </a:lnTo>
-                  <a:lnTo>
-                    <a:pt x="3200" y="806"/>
-                  </a:lnTo>
-                  <a:lnTo>
-                    <a:pt x="3103" y="953"/>
-                  </a:lnTo>
-                  <a:lnTo>
-                    <a:pt x="3029" y="1124"/>
-                  </a:lnTo>
-                  <a:lnTo>
-                    <a:pt x="99" y="757"/>
-                  </a:lnTo>
-                  <a:lnTo>
-                    <a:pt x="74" y="1221"/>
-                  </a:lnTo>
-                  <a:lnTo>
-                    <a:pt x="1" y="1661"/>
-                  </a:lnTo>
-                  <a:lnTo>
-                    <a:pt x="2907" y="2027"/>
-                  </a:lnTo>
-                  <a:lnTo>
-                    <a:pt x="2932" y="2223"/>
-                  </a:lnTo>
-                  <a:lnTo>
-                    <a:pt x="3005" y="2418"/>
-                  </a:lnTo>
-                  <a:lnTo>
-                    <a:pt x="3078" y="2565"/>
-                  </a:lnTo>
-                  <a:lnTo>
-                    <a:pt x="3152" y="2736"/>
-                  </a:lnTo>
-                  <a:lnTo>
-                    <a:pt x="3249" y="2882"/>
-                  </a:lnTo>
-                  <a:lnTo>
-                    <a:pt x="3371" y="3004"/>
-                  </a:lnTo>
-                  <a:lnTo>
-                    <a:pt x="3493" y="3126"/>
-                  </a:lnTo>
-                  <a:lnTo>
-                    <a:pt x="3616" y="3248"/>
-                  </a:lnTo>
-                  <a:lnTo>
-                    <a:pt x="3762" y="3346"/>
-                  </a:lnTo>
-                  <a:lnTo>
-                    <a:pt x="3909" y="3419"/>
-                  </a:lnTo>
-                  <a:lnTo>
-                    <a:pt x="4080" y="3493"/>
-                  </a:lnTo>
-                  <a:lnTo>
-                    <a:pt x="4251" y="3541"/>
-                  </a:lnTo>
-                  <a:lnTo>
-                    <a:pt x="4422" y="3566"/>
-                  </a:lnTo>
-                  <a:lnTo>
-                    <a:pt x="4592" y="3590"/>
-                  </a:lnTo>
-                  <a:lnTo>
-                    <a:pt x="4763" y="3590"/>
-                  </a:lnTo>
-                  <a:lnTo>
-                    <a:pt x="4934" y="3566"/>
-                  </a:lnTo>
-                  <a:lnTo>
-                    <a:pt x="5105" y="3541"/>
-                  </a:lnTo>
-                  <a:lnTo>
-                    <a:pt x="5276" y="3468"/>
-                  </a:lnTo>
-                  <a:lnTo>
-                    <a:pt x="5447" y="3419"/>
-                  </a:lnTo>
-                  <a:lnTo>
-                    <a:pt x="5618" y="3322"/>
-                  </a:lnTo>
-                  <a:lnTo>
-                    <a:pt x="5765" y="3224"/>
-                  </a:lnTo>
-                  <a:lnTo>
-                    <a:pt x="5887" y="3102"/>
-                  </a:lnTo>
-                  <a:lnTo>
-                    <a:pt x="6009" y="2980"/>
-                  </a:lnTo>
-                  <a:lnTo>
-                    <a:pt x="6131" y="2858"/>
-                  </a:lnTo>
-                  <a:lnTo>
-                    <a:pt x="6204" y="2711"/>
-                  </a:lnTo>
-                  <a:lnTo>
-                    <a:pt x="6302" y="2565"/>
-                  </a:lnTo>
-                  <a:lnTo>
-                    <a:pt x="6351" y="2394"/>
-                  </a:lnTo>
-                  <a:lnTo>
-                    <a:pt x="6400" y="2223"/>
-                  </a:lnTo>
-                  <a:lnTo>
-                    <a:pt x="6449" y="2076"/>
-                  </a:lnTo>
-                  <a:lnTo>
-                    <a:pt x="6473" y="1881"/>
-                  </a:lnTo>
-                  <a:lnTo>
-                    <a:pt x="6473" y="1710"/>
-                  </a:lnTo>
-                  <a:lnTo>
-                    <a:pt x="6449" y="1539"/>
-                  </a:lnTo>
-                  <a:lnTo>
-                    <a:pt x="6424" y="1368"/>
-                  </a:lnTo>
-                  <a:lnTo>
-                    <a:pt x="6351" y="1197"/>
-                  </a:lnTo>
-                  <a:lnTo>
-                    <a:pt x="6278" y="1026"/>
-                  </a:lnTo>
-                  <a:lnTo>
-                    <a:pt x="6204" y="855"/>
-                  </a:lnTo>
-                  <a:lnTo>
-                    <a:pt x="6107" y="708"/>
-                  </a:lnTo>
-                  <a:lnTo>
-                    <a:pt x="5985" y="586"/>
-                  </a:lnTo>
-                  <a:lnTo>
-                    <a:pt x="5862" y="464"/>
-                  </a:lnTo>
-                  <a:lnTo>
-                    <a:pt x="5740" y="342"/>
-                  </a:lnTo>
-                  <a:lnTo>
-                    <a:pt x="5594" y="269"/>
-                  </a:lnTo>
-                  <a:lnTo>
-                    <a:pt x="5447" y="171"/>
-                  </a:lnTo>
-                  <a:lnTo>
-                    <a:pt x="5276" y="122"/>
-                  </a:lnTo>
-                  <a:lnTo>
-                    <a:pt x="5105" y="73"/>
-                  </a:lnTo>
-                  <a:lnTo>
-                    <a:pt x="4934" y="25"/>
-                  </a:lnTo>
-                  <a:lnTo>
-                    <a:pt x="4763" y="25"/>
-                  </a:lnTo>
-                  <a:lnTo>
-                    <a:pt x="4592" y="0"/>
-                  </a:lnTo>
-                  <a:close/>
-                </a:path>
-              </a:pathLst>
-            </a:custGeom>
-            <a:solidFill>
-              <a:srgbClr val="FFB600"/>
-            </a:solidFill>
-            <a:ln>
-              <a:noFill/>
-            </a:ln>
-          </p:spPr>
-          <p:txBody>
-            <a:bodyPr spcFirstLastPara="1" wrap="square" lIns="91425" tIns="91425" rIns="91425" bIns="91425" anchor="ctr" anchorCtr="0">
-              <a:noAutofit/>
-            </a:bodyPr>
-            <a:lstStyle/>
-            <a:p>
-              <a:pPr marL="0" lvl="0" indent="0" algn="l" rtl="0">
-                <a:spcBef>
-                  <a:spcPts val="0"/>
-                </a:spcBef>
-                <a:spcAft>
-                  <a:spcPts val="0"/>
-                </a:spcAft>
-                <a:buNone/>
-              </a:pPr>
-              <a:endParaRPr/>
-            </a:p>
-          </p:txBody>
-        </p:sp>
-        <p:sp>
-          <p:nvSpPr>
-            <p:cNvPr id="295" name="Google Shape;295;p29"/>
-            <p:cNvSpPr/>
-            <p:nvPr/>
-          </p:nvSpPr>
-          <p:spPr>
-            <a:xfrm>
-              <a:off x="5420075" y="5116000"/>
-              <a:ext cx="189300" cy="189925"/>
-            </a:xfrm>
-            <a:custGeom>
-              <a:avLst/>
-              <a:gdLst/>
-              <a:ahLst/>
-              <a:cxnLst/>
-              <a:rect l="l" t="t" r="r" b="b"/>
-              <a:pathLst>
-                <a:path w="7572" h="7597" extrusionOk="0">
-                  <a:moveTo>
-                    <a:pt x="3786" y="1"/>
-                  </a:moveTo>
-                  <a:lnTo>
-                    <a:pt x="3395" y="25"/>
-                  </a:lnTo>
-                  <a:lnTo>
-                    <a:pt x="3028" y="74"/>
-                  </a:lnTo>
-                  <a:lnTo>
-                    <a:pt x="2662" y="172"/>
-                  </a:lnTo>
-                  <a:lnTo>
-                    <a:pt x="2320" y="294"/>
-                  </a:lnTo>
-                  <a:lnTo>
-                    <a:pt x="1978" y="465"/>
-                  </a:lnTo>
-                  <a:lnTo>
-                    <a:pt x="1661" y="660"/>
-                  </a:lnTo>
-                  <a:lnTo>
-                    <a:pt x="1392" y="880"/>
-                  </a:lnTo>
-                  <a:lnTo>
-                    <a:pt x="1123" y="1124"/>
-                  </a:lnTo>
-                  <a:lnTo>
-                    <a:pt x="879" y="1393"/>
-                  </a:lnTo>
-                  <a:lnTo>
-                    <a:pt x="659" y="1686"/>
-                  </a:lnTo>
-                  <a:lnTo>
-                    <a:pt x="464" y="1979"/>
-                  </a:lnTo>
-                  <a:lnTo>
-                    <a:pt x="293" y="2321"/>
-                  </a:lnTo>
-                  <a:lnTo>
-                    <a:pt x="171" y="2663"/>
-                  </a:lnTo>
-                  <a:lnTo>
-                    <a:pt x="73" y="3029"/>
-                  </a:lnTo>
-                  <a:lnTo>
-                    <a:pt x="24" y="3420"/>
-                  </a:lnTo>
-                  <a:lnTo>
-                    <a:pt x="0" y="3787"/>
-                  </a:lnTo>
-                  <a:lnTo>
-                    <a:pt x="24" y="4177"/>
-                  </a:lnTo>
-                  <a:lnTo>
-                    <a:pt x="73" y="4568"/>
-                  </a:lnTo>
-                  <a:lnTo>
-                    <a:pt x="171" y="4934"/>
-                  </a:lnTo>
-                  <a:lnTo>
-                    <a:pt x="293" y="5276"/>
-                  </a:lnTo>
-                  <a:lnTo>
-                    <a:pt x="464" y="5594"/>
-                  </a:lnTo>
-                  <a:lnTo>
-                    <a:pt x="659" y="5911"/>
-                  </a:lnTo>
-                  <a:lnTo>
-                    <a:pt x="879" y="6204"/>
-                  </a:lnTo>
-                  <a:lnTo>
-                    <a:pt x="1123" y="6473"/>
-                  </a:lnTo>
-                  <a:lnTo>
-                    <a:pt x="1392" y="6717"/>
-                  </a:lnTo>
-                  <a:lnTo>
-                    <a:pt x="1661" y="6937"/>
-                  </a:lnTo>
-                  <a:lnTo>
-                    <a:pt x="1978" y="7133"/>
-                  </a:lnTo>
-                  <a:lnTo>
-                    <a:pt x="2320" y="7279"/>
-                  </a:lnTo>
-                  <a:lnTo>
-                    <a:pt x="2662" y="7426"/>
-                  </a:lnTo>
-                  <a:lnTo>
-                    <a:pt x="3028" y="7499"/>
-                  </a:lnTo>
-                  <a:lnTo>
-                    <a:pt x="3395" y="7572"/>
-                  </a:lnTo>
-                  <a:lnTo>
-                    <a:pt x="3786" y="7597"/>
-                  </a:lnTo>
-                  <a:lnTo>
-                    <a:pt x="4176" y="7572"/>
-                  </a:lnTo>
-                  <a:lnTo>
-                    <a:pt x="4567" y="7499"/>
-                  </a:lnTo>
-                  <a:lnTo>
-                    <a:pt x="4909" y="7426"/>
-                  </a:lnTo>
-                  <a:lnTo>
-                    <a:pt x="5275" y="7279"/>
-                  </a:lnTo>
-                  <a:lnTo>
-                    <a:pt x="5593" y="7133"/>
-                  </a:lnTo>
-                  <a:lnTo>
-                    <a:pt x="5910" y="6937"/>
-                  </a:lnTo>
-                  <a:lnTo>
-                    <a:pt x="6203" y="6717"/>
-                  </a:lnTo>
-                  <a:lnTo>
-                    <a:pt x="6472" y="6473"/>
-                  </a:lnTo>
-                  <a:lnTo>
-                    <a:pt x="6716" y="6204"/>
-                  </a:lnTo>
-                  <a:lnTo>
-                    <a:pt x="6936" y="5911"/>
-                  </a:lnTo>
-                  <a:lnTo>
-                    <a:pt x="7132" y="5594"/>
-                  </a:lnTo>
-                  <a:lnTo>
-                    <a:pt x="7278" y="5276"/>
-                  </a:lnTo>
-                  <a:lnTo>
-                    <a:pt x="7425" y="4934"/>
-                  </a:lnTo>
-                  <a:lnTo>
-                    <a:pt x="7498" y="4568"/>
-                  </a:lnTo>
-                  <a:lnTo>
-                    <a:pt x="7571" y="4177"/>
-                  </a:lnTo>
-                  <a:lnTo>
-                    <a:pt x="7571" y="3787"/>
-                  </a:lnTo>
-                  <a:lnTo>
-                    <a:pt x="7571" y="3420"/>
-                  </a:lnTo>
-                  <a:lnTo>
-                    <a:pt x="7498" y="3029"/>
-                  </a:lnTo>
-                  <a:lnTo>
-                    <a:pt x="7425" y="2663"/>
-                  </a:lnTo>
-                  <a:lnTo>
-                    <a:pt x="7278" y="2321"/>
-                  </a:lnTo>
-                  <a:lnTo>
-                    <a:pt x="7132" y="1979"/>
-                  </a:lnTo>
-                  <a:lnTo>
-                    <a:pt x="6936" y="1686"/>
-                  </a:lnTo>
-                  <a:lnTo>
-                    <a:pt x="6716" y="1393"/>
-                  </a:lnTo>
-                  <a:lnTo>
-                    <a:pt x="6472" y="1124"/>
-                  </a:lnTo>
-                  <a:lnTo>
-                    <a:pt x="6203" y="880"/>
-                  </a:lnTo>
-                  <a:lnTo>
-                    <a:pt x="5910" y="660"/>
-                  </a:lnTo>
-                  <a:lnTo>
-                    <a:pt x="5593" y="465"/>
-                  </a:lnTo>
-                  <a:lnTo>
-                    <a:pt x="5275" y="294"/>
-                  </a:lnTo>
-                  <a:lnTo>
-                    <a:pt x="4909" y="172"/>
-                  </a:lnTo>
-                  <a:lnTo>
-                    <a:pt x="4567" y="74"/>
-                  </a:lnTo>
-                  <a:lnTo>
-                    <a:pt x="4176" y="25"/>
-                  </a:lnTo>
-                  <a:lnTo>
-                    <a:pt x="3786" y="1"/>
-                  </a:lnTo>
-                  <a:close/>
-                </a:path>
-              </a:pathLst>
-            </a:custGeom>
-            <a:solidFill>
-              <a:srgbClr val="FFB600"/>
-            </a:solidFill>
-            <a:ln>
-              <a:noFill/>
-            </a:ln>
-          </p:spPr>
-          <p:txBody>
-            <a:bodyPr spcFirstLastPara="1" wrap="square" lIns="91425" tIns="91425" rIns="91425" bIns="91425" anchor="ctr" anchorCtr="0">
-              <a:noAutofit/>
-            </a:bodyPr>
-            <a:lstStyle/>
-            <a:p>
-              <a:pPr marL="0" lvl="0" indent="0" algn="l" rtl="0">
-                <a:spcBef>
-                  <a:spcPts val="0"/>
-                </a:spcBef>
-                <a:spcAft>
-                  <a:spcPts val="0"/>
-                </a:spcAft>
-                <a:buNone/>
-              </a:pPr>
-              <a:endParaRPr/>
-            </a:p>
-          </p:txBody>
-        </p:sp>
-      </p:grpSp>
-      <p:pic>
-        <p:nvPicPr>
-          <p:cNvPr id="31" name="Imagen 30">
+          <p:cNvPr id="13" name="Rectángulo 12">
             <a:extLst>
               <a:ext uri="{FF2B5EF4-FFF2-40B4-BE49-F238E27FC236}">
-                <a16:creationId xmlns:a16="http://schemas.microsoft.com/office/drawing/2014/main" id="{090FF5B8-3192-4C37-BA26-12883891D259}"/>
-              </a:ext>
-            </a:extLst>
-          </p:cNvPr>
-          <p:cNvPicPr>
-            <a:picLocks noChangeAspect="1"/>
-          </p:cNvPicPr>
-          <p:nvPr/>
-        </p:nvPicPr>
-        <p:blipFill>
-          <a:blip r:embed="rId3"/>
-          <a:stretch>
-            <a:fillRect/>
-          </a:stretch>
-        </p:blipFill>
-        <p:spPr>
-          <a:xfrm>
-            <a:off x="3434354" y="1978154"/>
-            <a:ext cx="900000" cy="894156"/>
-          </a:xfrm>
-          <a:prstGeom prst="hexagon">
-            <a:avLst/>
-          </a:prstGeom>
-          <a:ln w="3175">
-            <a:noFill/>
-          </a:ln>
-          <a:effectLst>
-            <a:glow rad="101600">
-              <a:schemeClr val="accent2">
-                <a:satMod val="175000"/>
-                <a:alpha val="40000"/>
-              </a:schemeClr>
-            </a:glow>
-          </a:effectLst>
-        </p:spPr>
-      </p:pic>
-      <p:pic>
-        <p:nvPicPr>
-          <p:cNvPr id="257" name="Imagen 256">
-            <a:extLst>
-              <a:ext uri="{FF2B5EF4-FFF2-40B4-BE49-F238E27FC236}">
-                <a16:creationId xmlns:a16="http://schemas.microsoft.com/office/drawing/2014/main" id="{D97CEEF6-E4A6-4A15-BA30-42B47E1DE8C3}"/>
-              </a:ext>
-            </a:extLst>
-          </p:cNvPr>
-          <p:cNvPicPr>
-            <a:picLocks noChangeAspect="1"/>
-          </p:cNvPicPr>
-          <p:nvPr/>
-        </p:nvPicPr>
-        <p:blipFill>
-          <a:blip r:embed="rId4"/>
-          <a:stretch>
-            <a:fillRect/>
-          </a:stretch>
-        </p:blipFill>
-        <p:spPr>
-          <a:xfrm>
-            <a:off x="5584694" y="3405157"/>
-            <a:ext cx="900000" cy="899549"/>
-          </a:xfrm>
-          <a:prstGeom prst="hexagon">
-            <a:avLst/>
-          </a:prstGeom>
-          <a:ln w="3175">
-            <a:noFill/>
-          </a:ln>
-          <a:effectLst>
-            <a:glow rad="101600">
-              <a:schemeClr val="accent2">
-                <a:satMod val="175000"/>
-                <a:alpha val="40000"/>
-              </a:schemeClr>
-            </a:glow>
-          </a:effectLst>
-        </p:spPr>
-      </p:pic>
-      <p:pic>
-        <p:nvPicPr>
-          <p:cNvPr id="259" name="Imagen 258">
-            <a:extLst>
-              <a:ext uri="{FF2B5EF4-FFF2-40B4-BE49-F238E27FC236}">
-                <a16:creationId xmlns:a16="http://schemas.microsoft.com/office/drawing/2014/main" id="{EE70ECB0-F66A-41A0-BC50-9A0B60970F88}"/>
-              </a:ext>
-            </a:extLst>
-          </p:cNvPr>
-          <p:cNvPicPr>
-            <a:picLocks noChangeAspect="1"/>
-          </p:cNvPicPr>
-          <p:nvPr/>
-        </p:nvPicPr>
-        <p:blipFill>
-          <a:blip r:embed="rId5"/>
-          <a:stretch>
-            <a:fillRect/>
-          </a:stretch>
-        </p:blipFill>
-        <p:spPr>
-          <a:xfrm>
-            <a:off x="4146450" y="2448651"/>
-            <a:ext cx="900000" cy="900000"/>
-          </a:xfrm>
-          <a:prstGeom prst="hexagon">
-            <a:avLst/>
-          </a:prstGeom>
-          <a:ln w="3175">
-            <a:noFill/>
-          </a:ln>
-          <a:effectLst>
-            <a:glow rad="101600">
-              <a:schemeClr val="accent2">
-                <a:satMod val="175000"/>
-                <a:alpha val="40000"/>
-              </a:schemeClr>
-            </a:glow>
-          </a:effectLst>
-        </p:spPr>
-      </p:pic>
-      <p:pic>
-        <p:nvPicPr>
-          <p:cNvPr id="261" name="Imagen 260">
-            <a:extLst>
-              <a:ext uri="{FF2B5EF4-FFF2-40B4-BE49-F238E27FC236}">
-                <a16:creationId xmlns:a16="http://schemas.microsoft.com/office/drawing/2014/main" id="{E0D8A6DA-9EBA-49D5-8F40-B1E736BC66FC}"/>
-              </a:ext>
-            </a:extLst>
-          </p:cNvPr>
-          <p:cNvPicPr>
-            <a:picLocks noChangeAspect="1"/>
-          </p:cNvPicPr>
-          <p:nvPr/>
-        </p:nvPicPr>
-        <p:blipFill>
-          <a:blip r:embed="rId6"/>
-          <a:stretch>
-            <a:fillRect/>
-          </a:stretch>
-        </p:blipFill>
-        <p:spPr>
-          <a:xfrm>
-            <a:off x="6301474" y="2936662"/>
-            <a:ext cx="900000" cy="898448"/>
-          </a:xfrm>
-          <a:prstGeom prst="hexagon">
-            <a:avLst/>
-          </a:prstGeom>
-          <a:ln w="3175">
-            <a:noFill/>
-          </a:ln>
-          <a:effectLst>
-            <a:glow rad="101600">
-              <a:schemeClr val="accent2">
-                <a:satMod val="175000"/>
-                <a:alpha val="40000"/>
-              </a:schemeClr>
-            </a:glow>
-          </a:effectLst>
-        </p:spPr>
-      </p:pic>
-      <p:pic>
-        <p:nvPicPr>
-          <p:cNvPr id="263" name="Imagen 262">
-            <a:extLst>
-              <a:ext uri="{FF2B5EF4-FFF2-40B4-BE49-F238E27FC236}">
-                <a16:creationId xmlns:a16="http://schemas.microsoft.com/office/drawing/2014/main" id="{537A8358-95B4-42FD-8571-E997E076FF26}"/>
-              </a:ext>
-            </a:extLst>
-          </p:cNvPr>
-          <p:cNvPicPr>
-            <a:picLocks noChangeAspect="1"/>
-          </p:cNvPicPr>
-          <p:nvPr/>
-        </p:nvPicPr>
-        <p:blipFill>
-          <a:blip r:embed="rId7"/>
-          <a:stretch>
-            <a:fillRect/>
-          </a:stretch>
-        </p:blipFill>
-        <p:spPr>
-          <a:xfrm>
-            <a:off x="4865572" y="2938670"/>
-            <a:ext cx="900000" cy="900000"/>
-          </a:xfrm>
-          <a:prstGeom prst="hexagon">
-            <a:avLst/>
-          </a:prstGeom>
-          <a:ln w="3175">
-            <a:noFill/>
-          </a:ln>
-          <a:effectLst>
-            <a:glow rad="101600">
-              <a:schemeClr val="accent2">
-                <a:satMod val="175000"/>
-                <a:alpha val="40000"/>
-              </a:schemeClr>
-            </a:glow>
-          </a:effectLst>
-        </p:spPr>
-      </p:pic>
-      <p:pic>
-        <p:nvPicPr>
-          <p:cNvPr id="265" name="Imagen 264">
-            <a:extLst>
-              <a:ext uri="{FF2B5EF4-FFF2-40B4-BE49-F238E27FC236}">
-                <a16:creationId xmlns:a16="http://schemas.microsoft.com/office/drawing/2014/main" id="{CAEE174B-3840-4F09-815F-6051D40EA768}"/>
-              </a:ext>
-            </a:extLst>
-          </p:cNvPr>
-          <p:cNvPicPr>
-            <a:picLocks noChangeAspect="1"/>
-          </p:cNvPicPr>
-          <p:nvPr/>
-        </p:nvPicPr>
-        <p:blipFill>
-          <a:blip r:embed="rId8"/>
-          <a:stretch>
-            <a:fillRect/>
-          </a:stretch>
-        </p:blipFill>
-        <p:spPr>
-          <a:xfrm>
-            <a:off x="4865572" y="1991831"/>
-            <a:ext cx="900000" cy="900000"/>
-          </a:xfrm>
-          <a:prstGeom prst="hexagon">
-            <a:avLst/>
-          </a:prstGeom>
-          <a:ln w="3175">
-            <a:noFill/>
-          </a:ln>
-          <a:effectLst>
-            <a:glow rad="101600">
-              <a:schemeClr val="accent2">
-                <a:satMod val="175000"/>
-                <a:alpha val="40000"/>
-              </a:schemeClr>
-            </a:glow>
-          </a:effectLst>
-        </p:spPr>
-      </p:pic>
-      <p:pic>
-        <p:nvPicPr>
-          <p:cNvPr id="267" name="Imagen 266">
-            <a:extLst>
-              <a:ext uri="{FF2B5EF4-FFF2-40B4-BE49-F238E27FC236}">
-                <a16:creationId xmlns:a16="http://schemas.microsoft.com/office/drawing/2014/main" id="{4E2153DA-0D87-42C3-A526-1043B7C7449E}"/>
-              </a:ext>
-            </a:extLst>
-          </p:cNvPr>
-          <p:cNvPicPr>
-            <a:picLocks noChangeAspect="1"/>
-          </p:cNvPicPr>
-          <p:nvPr/>
-        </p:nvPicPr>
-        <p:blipFill>
-          <a:blip r:embed="rId9"/>
-          <a:stretch>
-            <a:fillRect/>
-          </a:stretch>
-        </p:blipFill>
-        <p:spPr>
-          <a:xfrm>
-            <a:off x="5584694" y="2465138"/>
-            <a:ext cx="900000" cy="900000"/>
-          </a:xfrm>
-          <a:prstGeom prst="hexagon">
-            <a:avLst/>
-          </a:prstGeom>
-          <a:ln w="3175">
-            <a:noFill/>
-          </a:ln>
-          <a:effectLst>
-            <a:glow rad="101600">
-              <a:schemeClr val="accent2">
-                <a:satMod val="175000"/>
-                <a:alpha val="40000"/>
-              </a:schemeClr>
-            </a:glow>
-          </a:effectLst>
-        </p:spPr>
-      </p:pic>
-      <p:pic>
-        <p:nvPicPr>
-          <p:cNvPr id="269" name="Imagen 268">
-            <a:extLst>
-              <a:ext uri="{FF2B5EF4-FFF2-40B4-BE49-F238E27FC236}">
-                <a16:creationId xmlns:a16="http://schemas.microsoft.com/office/drawing/2014/main" id="{02F9B92A-1587-4B60-8746-C7926E91C043}"/>
-              </a:ext>
-            </a:extLst>
-          </p:cNvPr>
-          <p:cNvPicPr>
-            <a:picLocks noChangeAspect="1"/>
-          </p:cNvPicPr>
-          <p:nvPr/>
-        </p:nvPicPr>
-        <p:blipFill>
-          <a:blip r:embed="rId10"/>
-          <a:stretch>
-            <a:fillRect/>
-          </a:stretch>
-        </p:blipFill>
-        <p:spPr>
-          <a:xfrm>
-            <a:off x="4865572" y="1044320"/>
-            <a:ext cx="900000" cy="900000"/>
-          </a:xfrm>
-          <a:prstGeom prst="hexagon">
-            <a:avLst/>
-          </a:prstGeom>
-          <a:ln w="3175">
-            <a:noFill/>
-          </a:ln>
-          <a:effectLst>
-            <a:glow rad="101600">
-              <a:schemeClr val="accent2">
-                <a:satMod val="175000"/>
-                <a:alpha val="40000"/>
-              </a:schemeClr>
-            </a:glow>
-          </a:effectLst>
-        </p:spPr>
-      </p:pic>
-      <p:pic>
-        <p:nvPicPr>
-          <p:cNvPr id="271" name="Imagen 270">
-            <a:extLst>
-              <a:ext uri="{FF2B5EF4-FFF2-40B4-BE49-F238E27FC236}">
-                <a16:creationId xmlns:a16="http://schemas.microsoft.com/office/drawing/2014/main" id="{71677385-D109-4F65-A06B-2FCB83E63C47}"/>
-              </a:ext>
-            </a:extLst>
-          </p:cNvPr>
-          <p:cNvPicPr>
-            <a:picLocks noChangeAspect="1"/>
-          </p:cNvPicPr>
-          <p:nvPr/>
-        </p:nvPicPr>
-        <p:blipFill>
-          <a:blip r:embed="rId11"/>
-          <a:stretch>
-            <a:fillRect/>
-          </a:stretch>
-        </p:blipFill>
-        <p:spPr>
-          <a:xfrm>
-            <a:off x="4151134" y="1501812"/>
-            <a:ext cx="900000" cy="900000"/>
-          </a:xfrm>
-          <a:prstGeom prst="hexagon">
-            <a:avLst/>
-          </a:prstGeom>
-          <a:ln w="3175">
-            <a:noFill/>
-          </a:ln>
-          <a:effectLst>
-            <a:glow rad="101600">
-              <a:schemeClr val="accent2">
-                <a:satMod val="175000"/>
-                <a:alpha val="40000"/>
-              </a:schemeClr>
-            </a:glow>
-          </a:effectLst>
-        </p:spPr>
-      </p:pic>
-      <p:pic>
-        <p:nvPicPr>
-          <p:cNvPr id="63" name="Imagen 62">
-            <a:extLst>
-              <a:ext uri="{FF2B5EF4-FFF2-40B4-BE49-F238E27FC236}">
-                <a16:creationId xmlns:a16="http://schemas.microsoft.com/office/drawing/2014/main" id="{F85CAF82-E187-4DCB-917F-464CC210B7B8}"/>
-              </a:ext>
-            </a:extLst>
-          </p:cNvPr>
-          <p:cNvPicPr>
-            <a:picLocks noChangeAspect="1"/>
-          </p:cNvPicPr>
-          <p:nvPr/>
-        </p:nvPicPr>
-        <p:blipFill>
-          <a:blip r:embed="rId12">
-            <a:clrChange>
-              <a:clrFrom>
-                <a:srgbClr val="FFFFFF"/>
-              </a:clrFrom>
-              <a:clrTo>
-                <a:srgbClr val="FFFFFF">
-                  <a:alpha val="0"/>
-                </a:srgbClr>
-              </a:clrTo>
-            </a:clrChange>
-            <a:grayscl/>
-          </a:blip>
-          <a:stretch>
-            <a:fillRect/>
-          </a:stretch>
-        </p:blipFill>
-        <p:spPr>
-          <a:xfrm>
-            <a:off x="6211565" y="886114"/>
-            <a:ext cx="1666612" cy="1666612"/>
-          </a:xfrm>
-          <a:prstGeom prst="rect">
-            <a:avLst/>
-          </a:prstGeom>
-        </p:spPr>
-      </p:pic>
-      <p:sp>
-        <p:nvSpPr>
-          <p:cNvPr id="65" name="Rectángulo 64">
-            <a:extLst>
-              <a:ext uri="{FF2B5EF4-FFF2-40B4-BE49-F238E27FC236}">
-                <a16:creationId xmlns:a16="http://schemas.microsoft.com/office/drawing/2014/main" id="{9E7D88A5-92A9-4853-9726-A193BD459D92}"/>
+                <a16:creationId xmlns:a16="http://schemas.microsoft.com/office/drawing/2014/main" id="{C124BFA1-44CF-489A-877D-AF9E30DBE814}"/>
               </a:ext>
             </a:extLst>
           </p:cNvPr>
@@ -34100,7 +29729,7 @@
             <a:avLst/>
           </a:prstGeom>
           <a:solidFill>
-            <a:schemeClr val="bg1"/>
+            <a:srgbClr val="FFB600"/>
           </a:solidFill>
           <a:ln>
             <a:noFill/>
@@ -34133,10 +29762,10 @@
       </p:sp>
       <p:pic>
         <p:nvPicPr>
-          <p:cNvPr id="66" name="Imagen 65">
+          <p:cNvPr id="14" name="Imagen 13">
             <a:extLst>
               <a:ext uri="{FF2B5EF4-FFF2-40B4-BE49-F238E27FC236}">
-                <a16:creationId xmlns:a16="http://schemas.microsoft.com/office/drawing/2014/main" id="{D1E63A43-775E-401F-8F2F-F24FACA561DD}"/>
+                <a16:creationId xmlns:a16="http://schemas.microsoft.com/office/drawing/2014/main" id="{AABCF401-A186-4C0C-A22F-E48A7BCF1E77}"/>
               </a:ext>
             </a:extLst>
           </p:cNvPr>
@@ -34146,7 +29775,7 @@
           <p:nvPr/>
         </p:nvPicPr>
         <p:blipFill>
-          <a:blip r:embed="rId12">
+          <a:blip r:embed="rId3">
             <a:clrChange>
               <a:clrFrom>
                 <a:srgbClr val="FFFFFF"/>
@@ -34176,7 +29805,7 @@
     </p:spTree>
     <p:extLst>
       <p:ext uri="{BB962C8B-B14F-4D97-AF65-F5344CB8AC3E}">
-        <p14:creationId xmlns:p14="http://schemas.microsoft.com/office/powerpoint/2010/main" val="2696234256"/>
+        <p14:creationId xmlns:p14="http://schemas.microsoft.com/office/powerpoint/2010/main" val="584866347"/>
       </p:ext>
     </p:extLst>
   </p:cSld>
@@ -34186,7 +29815,7 @@
 </p:sld>
 </file>
 
-<file path=ppt/slides/slide7.xml><?xml version="1.0" encoding="utf-8"?>
+<file path=ppt/slides/slide6.xml><?xml version="1.0" encoding="utf-8"?>
 <p:sld xmlns:a="http://schemas.openxmlformats.org/drawingml/2006/main" xmlns:r="http://schemas.openxmlformats.org/officeDocument/2006/relationships" xmlns:p="http://schemas.openxmlformats.org/presentationml/2006/main">
   <p:cSld>
     <p:spTree>
@@ -34281,7 +29910,7 @@
             </a:pPr>
             <a:fld id="{00000000-1234-1234-1234-123412341234}" type="slidenum">
               <a:rPr lang="en"/>
-              <a:t>7</a:t>
+              <a:t>6</a:t>
             </a:fld>
             <a:endParaRPr/>
           </a:p>
@@ -37014,7 +32643,7 @@
 </p:sld>
 </file>
 
-<file path=ppt/slides/slide8.xml><?xml version="1.0" encoding="utf-8"?>
+<file path=ppt/slides/slide7.xml><?xml version="1.0" encoding="utf-8"?>
 <p:sld xmlns:a="http://schemas.openxmlformats.org/drawingml/2006/main" xmlns:r="http://schemas.openxmlformats.org/officeDocument/2006/relationships" xmlns:p="http://schemas.openxmlformats.org/presentationml/2006/main">
   <p:cSld>
     <p:spTree>
@@ -37896,7 +33525,7 @@
           </a:bodyPr>
           <a:lstStyle/>
           <a:p>
-            <a:pPr marL="0" lvl="0" indent="0" rtl="0">
+            <a:pPr marL="0" lvl="0" indent="0" algn="ctr" rtl="0">
               <a:spcBef>
                 <a:spcPts val="0"/>
               </a:spcBef>
@@ -37971,10 +33600,104 @@
           </a:p>
         </p:txBody>
       </p:sp>
+      <p:sp>
+        <p:nvSpPr>
+          <p:cNvPr id="10" name="Rectángulo 9">
+            <a:extLst>
+              <a:ext uri="{FF2B5EF4-FFF2-40B4-BE49-F238E27FC236}">
+                <a16:creationId xmlns:a16="http://schemas.microsoft.com/office/drawing/2014/main" id="{B12AEDDE-168B-4F3B-B9F7-DD4B2F4632DE}"/>
+              </a:ext>
+            </a:extLst>
+          </p:cNvPr>
+          <p:cNvSpPr/>
+          <p:nvPr/>
+        </p:nvSpPr>
+        <p:spPr>
+          <a:xfrm>
+            <a:off x="0" y="988142"/>
+            <a:ext cx="789039" cy="671052"/>
+          </a:xfrm>
+          <a:prstGeom prst="rect">
+            <a:avLst/>
+          </a:prstGeom>
+          <a:solidFill>
+            <a:srgbClr val="FFB600"/>
+          </a:solidFill>
+          <a:ln>
+            <a:noFill/>
+          </a:ln>
+        </p:spPr>
+        <p:style>
+          <a:lnRef idx="2">
+            <a:schemeClr val="accent1">
+              <a:shade val="50000"/>
+            </a:schemeClr>
+          </a:lnRef>
+          <a:fillRef idx="1">
+            <a:schemeClr val="accent1"/>
+          </a:fillRef>
+          <a:effectRef idx="0">
+            <a:schemeClr val="accent1"/>
+          </a:effectRef>
+          <a:fontRef idx="minor">
+            <a:schemeClr val="lt1"/>
+          </a:fontRef>
+        </p:style>
+        <p:txBody>
+          <a:bodyPr rtlCol="0" anchor="ctr"/>
+          <a:lstStyle/>
+          <a:p>
+            <a:pPr algn="ctr"/>
+            <a:endParaRPr lang="es-ES"/>
+          </a:p>
+        </p:txBody>
+      </p:sp>
+      <p:pic>
+        <p:nvPicPr>
+          <p:cNvPr id="11" name="Imagen 10">
+            <a:extLst>
+              <a:ext uri="{FF2B5EF4-FFF2-40B4-BE49-F238E27FC236}">
+                <a16:creationId xmlns:a16="http://schemas.microsoft.com/office/drawing/2014/main" id="{E91BF9E7-308A-465C-B95A-F4C8CF0413A6}"/>
+              </a:ext>
+            </a:extLst>
+          </p:cNvPr>
+          <p:cNvPicPr>
+            <a:picLocks noChangeAspect="1"/>
+          </p:cNvPicPr>
+          <p:nvPr/>
+        </p:nvPicPr>
+        <p:blipFill>
+          <a:blip r:embed="rId3">
+            <a:clrChange>
+              <a:clrFrom>
+                <a:srgbClr val="FFFFFF"/>
+              </a:clrFrom>
+              <a:clrTo>
+                <a:srgbClr val="FFFFFF">
+                  <a:alpha val="0"/>
+                </a:srgbClr>
+              </a:clrTo>
+            </a:clrChange>
+            <a:grayscl/>
+          </a:blip>
+          <a:stretch>
+            <a:fillRect/>
+          </a:stretch>
+        </p:blipFill>
+        <p:spPr>
+          <a:xfrm>
+            <a:off x="146244" y="1028124"/>
+            <a:ext cx="584701" cy="584701"/>
+          </a:xfrm>
+          <a:prstGeom prst="rect">
+            <a:avLst/>
+          </a:prstGeom>
+        </p:spPr>
+      </p:pic>
     </p:spTree>
     <p:extLst>
       <p:ext uri="{BB962C8B-B14F-4D97-AF65-F5344CB8AC3E}">
-        <p14:creationId xmlns:p14="http://schemas.microsoft.com/office/powerpoint/2010/main" val="2218023270"/>
+        <p14:creationId xmlns:p14="http://schemas.microsoft.com/office/powerpoint/2010/main" val="1541759458"/>
       </p:ext>
     </p:extLst>
   </p:cSld>
@@ -37984,7 +33707,7 @@
 </p:sld>
 </file>
 
-<file path=ppt/slides/slide9.xml><?xml version="1.0" encoding="utf-8"?>
+<file path=ppt/slides/slide8.xml><?xml version="1.0" encoding="utf-8"?>
 <p:sld xmlns:a="http://schemas.openxmlformats.org/drawingml/2006/main" xmlns:r="http://schemas.openxmlformats.org/officeDocument/2006/relationships" xmlns:p="http://schemas.openxmlformats.org/presentationml/2006/main">
   <p:cSld>
     <p:spTree>
@@ -38380,7 +34103,7 @@
             </a:pPr>
             <a:fld id="{00000000-1234-1234-1234-123412341234}" type="slidenum">
               <a:rPr lang="en"/>
-              <a:t>9</a:t>
+              <a:t>8</a:t>
             </a:fld>
             <a:endParaRPr/>
           </a:p>
@@ -40092,6 +35815,2541 @@
 </p:sld>
 </file>
 
+<file path=ppt/slides/slide9.xml><?xml version="1.0" encoding="utf-8"?>
+<p:sld xmlns:a="http://schemas.openxmlformats.org/drawingml/2006/main" xmlns:r="http://schemas.openxmlformats.org/officeDocument/2006/relationships" xmlns:p="http://schemas.openxmlformats.org/presentationml/2006/main">
+  <p:cSld>
+    <p:spTree>
+      <p:nvGrpSpPr>
+        <p:cNvPr id="1" name="Shape 280"/>
+        <p:cNvGrpSpPr/>
+        <p:nvPr/>
+      </p:nvGrpSpPr>
+      <p:grpSpPr>
+        <a:xfrm>
+          <a:off x="0" y="0"/>
+          <a:ext cx="0" cy="0"/>
+          <a:chOff x="0" y="0"/>
+          <a:chExt cx="0" cy="0"/>
+        </a:xfrm>
+      </p:grpSpPr>
+      <p:grpSp>
+        <p:nvGrpSpPr>
+          <p:cNvPr id="32" name="Google Shape;175;p23">
+            <a:extLst>
+              <a:ext uri="{FF2B5EF4-FFF2-40B4-BE49-F238E27FC236}">
+                <a16:creationId xmlns:a16="http://schemas.microsoft.com/office/drawing/2014/main" id="{D75F7668-2E69-4186-B116-58EA50A47F19}"/>
+              </a:ext>
+            </a:extLst>
+          </p:cNvPr>
+          <p:cNvGrpSpPr/>
+          <p:nvPr/>
+        </p:nvGrpSpPr>
+        <p:grpSpPr>
+          <a:xfrm>
+            <a:off x="4355050" y="891775"/>
+            <a:ext cx="4036590" cy="3941676"/>
+            <a:chOff x="2256567" y="677103"/>
+            <a:chExt cx="4036590" cy="3941676"/>
+          </a:xfrm>
+        </p:grpSpPr>
+        <p:sp>
+          <p:nvSpPr>
+            <p:cNvPr id="37" name="Google Shape;176;p23">
+              <a:extLst>
+                <a:ext uri="{FF2B5EF4-FFF2-40B4-BE49-F238E27FC236}">
+                  <a16:creationId xmlns:a16="http://schemas.microsoft.com/office/drawing/2014/main" id="{0AE3288E-F9B5-4EAE-ABF2-5E2D7BFF55BC}"/>
+                </a:ext>
+              </a:extLst>
+            </p:cNvPr>
+            <p:cNvSpPr/>
+            <p:nvPr/>
+          </p:nvSpPr>
+          <p:spPr>
+            <a:xfrm rot="-6597333">
+              <a:off x="4296826" y="3950027"/>
+              <a:ext cx="586303" cy="586303"/>
+            </a:xfrm>
+            <a:prstGeom prst="ellipse">
+              <a:avLst/>
+            </a:prstGeom>
+            <a:solidFill>
+              <a:srgbClr val="FFF2CC"/>
+            </a:solidFill>
+            <a:ln>
+              <a:noFill/>
+            </a:ln>
+          </p:spPr>
+          <p:txBody>
+            <a:bodyPr spcFirstLastPara="1" wrap="square" lIns="91425" tIns="91425" rIns="91425" bIns="91425" anchor="ctr" anchorCtr="0">
+              <a:noAutofit/>
+            </a:bodyPr>
+            <a:lstStyle/>
+            <a:p>
+              <a:pPr marL="0" lvl="0" indent="0" algn="l" rtl="0">
+                <a:spcBef>
+                  <a:spcPts val="0"/>
+                </a:spcBef>
+                <a:spcAft>
+                  <a:spcPts val="0"/>
+                </a:spcAft>
+                <a:buNone/>
+              </a:pPr>
+              <a:endParaRPr>
+                <a:latin typeface="Raleway Light"/>
+                <a:ea typeface="Raleway Light"/>
+                <a:cs typeface="Raleway Light"/>
+                <a:sym typeface="Raleway Light"/>
+              </a:endParaRPr>
+            </a:p>
+          </p:txBody>
+        </p:sp>
+        <p:sp>
+          <p:nvSpPr>
+            <p:cNvPr id="38" name="Google Shape;177;p23">
+              <a:extLst>
+                <a:ext uri="{FF2B5EF4-FFF2-40B4-BE49-F238E27FC236}">
+                  <a16:creationId xmlns:a16="http://schemas.microsoft.com/office/drawing/2014/main" id="{49D50337-BD52-4309-9529-FE07ECB0146C}"/>
+                </a:ext>
+              </a:extLst>
+            </p:cNvPr>
+            <p:cNvSpPr/>
+            <p:nvPr/>
+          </p:nvSpPr>
+          <p:spPr>
+            <a:xfrm rot="-6599386">
+              <a:off x="2318596" y="1407533"/>
+              <a:ext cx="440541" cy="440541"/>
+            </a:xfrm>
+            <a:prstGeom prst="ellipse">
+              <a:avLst/>
+            </a:prstGeom>
+            <a:solidFill>
+              <a:srgbClr val="FFF2CC"/>
+            </a:solidFill>
+            <a:ln>
+              <a:noFill/>
+            </a:ln>
+          </p:spPr>
+          <p:txBody>
+            <a:bodyPr spcFirstLastPara="1" wrap="square" lIns="91425" tIns="91425" rIns="91425" bIns="91425" anchor="ctr" anchorCtr="0">
+              <a:noAutofit/>
+            </a:bodyPr>
+            <a:lstStyle/>
+            <a:p>
+              <a:pPr marL="0" lvl="0" indent="0" algn="l" rtl="0">
+                <a:spcBef>
+                  <a:spcPts val="0"/>
+                </a:spcBef>
+                <a:spcAft>
+                  <a:spcPts val="0"/>
+                </a:spcAft>
+                <a:buNone/>
+              </a:pPr>
+              <a:endParaRPr>
+                <a:latin typeface="Raleway Light"/>
+                <a:ea typeface="Raleway Light"/>
+                <a:cs typeface="Raleway Light"/>
+                <a:sym typeface="Raleway Light"/>
+              </a:endParaRPr>
+            </a:p>
+          </p:txBody>
+        </p:sp>
+        <p:sp>
+          <p:nvSpPr>
+            <p:cNvPr id="39" name="Google Shape;178;p23">
+              <a:extLst>
+                <a:ext uri="{FF2B5EF4-FFF2-40B4-BE49-F238E27FC236}">
+                  <a16:creationId xmlns:a16="http://schemas.microsoft.com/office/drawing/2014/main" id="{ACD7FA19-8085-4C13-B142-AA8888A0F24D}"/>
+                </a:ext>
+              </a:extLst>
+            </p:cNvPr>
+            <p:cNvSpPr/>
+            <p:nvPr/>
+          </p:nvSpPr>
+          <p:spPr>
+            <a:xfrm rot="-6598839">
+              <a:off x="2887641" y="2346984"/>
+              <a:ext cx="1199287" cy="1199287"/>
+            </a:xfrm>
+            <a:prstGeom prst="ellipse">
+              <a:avLst/>
+            </a:prstGeom>
+            <a:solidFill>
+              <a:srgbClr val="FFE599"/>
+            </a:solidFill>
+            <a:ln>
+              <a:noFill/>
+            </a:ln>
+          </p:spPr>
+          <p:txBody>
+            <a:bodyPr spcFirstLastPara="1" wrap="square" lIns="91425" tIns="91425" rIns="91425" bIns="91425" anchor="ctr" anchorCtr="0">
+              <a:noAutofit/>
+            </a:bodyPr>
+            <a:lstStyle/>
+            <a:p>
+              <a:pPr marL="0" lvl="0" indent="0" algn="l" rtl="0">
+                <a:spcBef>
+                  <a:spcPts val="0"/>
+                </a:spcBef>
+                <a:spcAft>
+                  <a:spcPts val="0"/>
+                </a:spcAft>
+                <a:buNone/>
+              </a:pPr>
+              <a:endParaRPr>
+                <a:latin typeface="Raleway Light"/>
+                <a:ea typeface="Raleway Light"/>
+                <a:cs typeface="Raleway Light"/>
+                <a:sym typeface="Raleway Light"/>
+              </a:endParaRPr>
+            </a:p>
+          </p:txBody>
+        </p:sp>
+        <p:sp>
+          <p:nvSpPr>
+            <p:cNvPr id="40" name="Google Shape;179;p23">
+              <a:extLst>
+                <a:ext uri="{FF2B5EF4-FFF2-40B4-BE49-F238E27FC236}">
+                  <a16:creationId xmlns:a16="http://schemas.microsoft.com/office/drawing/2014/main" id="{DDD6CAA9-63F4-4FFC-AAD8-554CCF9F9A14}"/>
+                </a:ext>
+              </a:extLst>
+            </p:cNvPr>
+            <p:cNvSpPr/>
+            <p:nvPr/>
+          </p:nvSpPr>
+          <p:spPr>
+            <a:xfrm rot="-6598620">
+              <a:off x="4374916" y="913763"/>
+              <a:ext cx="1681581" cy="1681581"/>
+            </a:xfrm>
+            <a:prstGeom prst="ellipse">
+              <a:avLst/>
+            </a:prstGeom>
+            <a:solidFill>
+              <a:srgbClr val="FFE599"/>
+            </a:solidFill>
+            <a:ln>
+              <a:noFill/>
+            </a:ln>
+          </p:spPr>
+          <p:txBody>
+            <a:bodyPr spcFirstLastPara="1" wrap="square" lIns="91425" tIns="91425" rIns="91425" bIns="91425" anchor="ctr" anchorCtr="0">
+              <a:noAutofit/>
+            </a:bodyPr>
+            <a:lstStyle/>
+            <a:p>
+              <a:pPr marL="0" lvl="0" indent="0" algn="l" rtl="0">
+                <a:spcBef>
+                  <a:spcPts val="0"/>
+                </a:spcBef>
+                <a:spcAft>
+                  <a:spcPts val="0"/>
+                </a:spcAft>
+                <a:buNone/>
+              </a:pPr>
+              <a:endParaRPr>
+                <a:latin typeface="Raleway Light"/>
+                <a:ea typeface="Raleway Light"/>
+                <a:cs typeface="Raleway Light"/>
+                <a:sym typeface="Raleway Light"/>
+              </a:endParaRPr>
+            </a:p>
+          </p:txBody>
+        </p:sp>
+        <p:sp>
+          <p:nvSpPr>
+            <p:cNvPr id="41" name="Google Shape;180;p23">
+              <a:extLst>
+                <a:ext uri="{FF2B5EF4-FFF2-40B4-BE49-F238E27FC236}">
+                  <a16:creationId xmlns:a16="http://schemas.microsoft.com/office/drawing/2014/main" id="{5A5A87CF-431A-4D09-BCE5-BD1F43B77051}"/>
+                </a:ext>
+              </a:extLst>
+            </p:cNvPr>
+            <p:cNvSpPr/>
+            <p:nvPr/>
+          </p:nvSpPr>
+          <p:spPr>
+            <a:xfrm rot="-6597866">
+              <a:off x="2661829" y="2208216"/>
+              <a:ext cx="629106" cy="629106"/>
+            </a:xfrm>
+            <a:prstGeom prst="ellipse">
+              <a:avLst/>
+            </a:prstGeom>
+            <a:solidFill>
+              <a:srgbClr val="FFB600"/>
+            </a:solidFill>
+            <a:ln>
+              <a:noFill/>
+            </a:ln>
+          </p:spPr>
+          <p:txBody>
+            <a:bodyPr spcFirstLastPara="1" wrap="square" lIns="91425" tIns="91425" rIns="91425" bIns="91425" anchor="ctr" anchorCtr="0">
+              <a:noAutofit/>
+            </a:bodyPr>
+            <a:lstStyle/>
+            <a:p>
+              <a:pPr marL="0" lvl="0" indent="0" algn="l" rtl="0">
+                <a:spcBef>
+                  <a:spcPts val="0"/>
+                </a:spcBef>
+                <a:spcAft>
+                  <a:spcPts val="0"/>
+                </a:spcAft>
+                <a:buNone/>
+              </a:pPr>
+              <a:endParaRPr>
+                <a:latin typeface="Raleway Light"/>
+                <a:ea typeface="Raleway Light"/>
+                <a:cs typeface="Raleway Light"/>
+                <a:sym typeface="Raleway Light"/>
+              </a:endParaRPr>
+            </a:p>
+          </p:txBody>
+        </p:sp>
+        <p:sp>
+          <p:nvSpPr>
+            <p:cNvPr id="42" name="Google Shape;181;p23">
+              <a:extLst>
+                <a:ext uri="{FF2B5EF4-FFF2-40B4-BE49-F238E27FC236}">
+                  <a16:creationId xmlns:a16="http://schemas.microsoft.com/office/drawing/2014/main" id="{BE8F5DB1-5F77-4F90-86AD-F67773C37F29}"/>
+                </a:ext>
+              </a:extLst>
+            </p:cNvPr>
+            <p:cNvSpPr/>
+            <p:nvPr/>
+          </p:nvSpPr>
+          <p:spPr>
+            <a:xfrm rot="-6597701">
+              <a:off x="3267625" y="1113818"/>
+              <a:ext cx="274172" cy="274172"/>
+            </a:xfrm>
+            <a:prstGeom prst="ellipse">
+              <a:avLst/>
+            </a:prstGeom>
+            <a:solidFill>
+              <a:srgbClr val="FFE599"/>
+            </a:solidFill>
+            <a:ln>
+              <a:noFill/>
+            </a:ln>
+          </p:spPr>
+          <p:txBody>
+            <a:bodyPr spcFirstLastPara="1" wrap="square" lIns="91425" tIns="91425" rIns="91425" bIns="91425" anchor="ctr" anchorCtr="0">
+              <a:noAutofit/>
+            </a:bodyPr>
+            <a:lstStyle/>
+            <a:p>
+              <a:pPr marL="0" lvl="0" indent="0" algn="l" rtl="0">
+                <a:spcBef>
+                  <a:spcPts val="0"/>
+                </a:spcBef>
+                <a:spcAft>
+                  <a:spcPts val="0"/>
+                </a:spcAft>
+                <a:buNone/>
+              </a:pPr>
+              <a:endParaRPr>
+                <a:latin typeface="Raleway Light"/>
+                <a:ea typeface="Raleway Light"/>
+                <a:cs typeface="Raleway Light"/>
+                <a:sym typeface="Raleway Light"/>
+              </a:endParaRPr>
+            </a:p>
+          </p:txBody>
+        </p:sp>
+      </p:grpSp>
+      <p:grpSp>
+        <p:nvGrpSpPr>
+          <p:cNvPr id="43" name="Google Shape;185;p23">
+            <a:extLst>
+              <a:ext uri="{FF2B5EF4-FFF2-40B4-BE49-F238E27FC236}">
+                <a16:creationId xmlns:a16="http://schemas.microsoft.com/office/drawing/2014/main" id="{26DD7417-DC28-4F68-ACAA-2F64CCEB3322}"/>
+              </a:ext>
+            </a:extLst>
+          </p:cNvPr>
+          <p:cNvGrpSpPr/>
+          <p:nvPr/>
+        </p:nvGrpSpPr>
+        <p:grpSpPr>
+          <a:xfrm>
+            <a:off x="5136182" y="1533827"/>
+            <a:ext cx="1454252" cy="1423800"/>
+            <a:chOff x="3460285" y="1374053"/>
+            <a:chExt cx="1454252" cy="1423800"/>
+          </a:xfrm>
+        </p:grpSpPr>
+        <p:sp>
+          <p:nvSpPr>
+            <p:cNvPr id="44" name="Google Shape;186;p23">
+              <a:extLst>
+                <a:ext uri="{FF2B5EF4-FFF2-40B4-BE49-F238E27FC236}">
+                  <a16:creationId xmlns:a16="http://schemas.microsoft.com/office/drawing/2014/main" id="{92E2CE2C-A9AE-4066-B031-B5CD865DB777}"/>
+                </a:ext>
+              </a:extLst>
+            </p:cNvPr>
+            <p:cNvSpPr/>
+            <p:nvPr/>
+          </p:nvSpPr>
+          <p:spPr>
+            <a:xfrm>
+              <a:off x="3490737" y="1374053"/>
+              <a:ext cx="1423800" cy="1423800"/>
+            </a:xfrm>
+            <a:prstGeom prst="ellipse">
+              <a:avLst/>
+            </a:prstGeom>
+            <a:solidFill>
+              <a:srgbClr val="F1C232"/>
+            </a:solidFill>
+            <a:ln>
+              <a:noFill/>
+            </a:ln>
+            <a:effectLst>
+              <a:outerShdw blurRad="228600" dist="50800" dir="5400000" algn="tl" rotWithShape="0">
+                <a:srgbClr val="000000">
+                  <a:alpha val="54900"/>
+                </a:srgbClr>
+              </a:outerShdw>
+            </a:effectLst>
+          </p:spPr>
+          <p:txBody>
+            <a:bodyPr spcFirstLastPara="1" wrap="square" lIns="91425" tIns="91425" rIns="91425" bIns="91425" anchor="ctr" anchorCtr="0">
+              <a:noAutofit/>
+            </a:bodyPr>
+            <a:lstStyle/>
+            <a:p>
+              <a:pPr marL="0" lvl="0" indent="0" algn="l" rtl="0">
+                <a:spcBef>
+                  <a:spcPts val="0"/>
+                </a:spcBef>
+                <a:spcAft>
+                  <a:spcPts val="0"/>
+                </a:spcAft>
+                <a:buNone/>
+              </a:pPr>
+              <a:endParaRPr sz="900">
+                <a:solidFill>
+                  <a:srgbClr val="00695C"/>
+                </a:solidFill>
+                <a:latin typeface="Raleway Light"/>
+                <a:ea typeface="Raleway Light"/>
+                <a:cs typeface="Raleway Light"/>
+                <a:sym typeface="Raleway Light"/>
+              </a:endParaRPr>
+            </a:p>
+          </p:txBody>
+        </p:sp>
+        <p:sp>
+          <p:nvSpPr>
+            <p:cNvPr id="45" name="Google Shape;187;p23">
+              <a:extLst>
+                <a:ext uri="{FF2B5EF4-FFF2-40B4-BE49-F238E27FC236}">
+                  <a16:creationId xmlns:a16="http://schemas.microsoft.com/office/drawing/2014/main" id="{51036726-B235-4D3F-8B6E-30B2BB5B7B3F}"/>
+                </a:ext>
+              </a:extLst>
+            </p:cNvPr>
+            <p:cNvSpPr txBox="1"/>
+            <p:nvPr/>
+          </p:nvSpPr>
+          <p:spPr>
+            <a:xfrm>
+              <a:off x="3460285" y="1613603"/>
+              <a:ext cx="1454252" cy="944700"/>
+            </a:xfrm>
+            <a:prstGeom prst="rect">
+              <a:avLst/>
+            </a:prstGeom>
+            <a:noFill/>
+            <a:ln>
+              <a:noFill/>
+            </a:ln>
+          </p:spPr>
+          <p:txBody>
+            <a:bodyPr spcFirstLastPara="1" wrap="square" lIns="91425" tIns="91425" rIns="91425" bIns="91425" anchor="ctr" anchorCtr="0">
+              <a:noAutofit/>
+            </a:bodyPr>
+            <a:lstStyle/>
+            <a:p>
+              <a:pPr marL="0" lvl="0" indent="0" algn="ctr" rtl="0">
+                <a:spcBef>
+                  <a:spcPts val="0"/>
+                </a:spcBef>
+                <a:spcAft>
+                  <a:spcPts val="0"/>
+                </a:spcAft>
+                <a:buNone/>
+              </a:pPr>
+              <a:r>
+                <a:rPr lang="es-ES" sz="1600" dirty="0">
+                  <a:solidFill>
+                    <a:srgbClr val="FFFFFF"/>
+                  </a:solidFill>
+                  <a:latin typeface="Raleway Light"/>
+                  <a:ea typeface="Raleway Light"/>
+                  <a:cs typeface="Raleway Light"/>
+                  <a:sym typeface="Raleway Light"/>
+                </a:rPr>
+                <a:t>Reuniones de empresa</a:t>
+              </a:r>
+              <a:endParaRPr sz="1600" dirty="0">
+                <a:solidFill>
+                  <a:srgbClr val="FFFFFF"/>
+                </a:solidFill>
+                <a:latin typeface="Raleway Light"/>
+                <a:ea typeface="Raleway Light"/>
+                <a:cs typeface="Raleway Light"/>
+                <a:sym typeface="Raleway Light"/>
+              </a:endParaRPr>
+            </a:p>
+          </p:txBody>
+        </p:sp>
+      </p:grpSp>
+      <p:sp>
+        <p:nvSpPr>
+          <p:cNvPr id="30" name="Google Shape;69;p13">
+            <a:extLst>
+              <a:ext uri="{FF2B5EF4-FFF2-40B4-BE49-F238E27FC236}">
+                <a16:creationId xmlns:a16="http://schemas.microsoft.com/office/drawing/2014/main" id="{AFC2D465-732A-4807-8FEB-5ADE31B65676}"/>
+              </a:ext>
+            </a:extLst>
+          </p:cNvPr>
+          <p:cNvSpPr txBox="1">
+            <a:spLocks/>
+          </p:cNvSpPr>
+          <p:nvPr/>
+        </p:nvSpPr>
+        <p:spPr>
+          <a:xfrm>
+            <a:off x="501041" y="1533828"/>
+            <a:ext cx="7586047" cy="870904"/>
+          </a:xfrm>
+          <a:prstGeom prst="rect">
+            <a:avLst/>
+          </a:prstGeom>
+          <a:noFill/>
+          <a:ln>
+            <a:noFill/>
+          </a:ln>
+        </p:spPr>
+        <p:txBody>
+          <a:bodyPr spcFirstLastPara="1" wrap="square" lIns="91425" tIns="91425" rIns="91425" bIns="91425" anchor="t" anchorCtr="0">
+            <a:noAutofit/>
+          </a:bodyPr>
+          <a:lstStyle>
+            <a:defPPr marR="0" lvl="0" algn="l" rtl="0">
+              <a:lnSpc>
+                <a:spcPct val="100000"/>
+              </a:lnSpc>
+              <a:spcBef>
+                <a:spcPts val="0"/>
+              </a:spcBef>
+              <a:spcAft>
+                <a:spcPts val="0"/>
+              </a:spcAft>
+            </a:defPPr>
+            <a:lvl1pPr marL="457200" marR="0" lvl="0" indent="-317500" algn="l" rtl="0">
+              <a:lnSpc>
+                <a:spcPct val="100000"/>
+              </a:lnSpc>
+              <a:spcBef>
+                <a:spcPts val="600"/>
+              </a:spcBef>
+              <a:spcAft>
+                <a:spcPts val="0"/>
+              </a:spcAft>
+              <a:buClr>
+                <a:srgbClr val="FFB600"/>
+              </a:buClr>
+              <a:buSzPts val="1400"/>
+              <a:buFont typeface="Raleway Light"/>
+              <a:buChar char="●"/>
+              <a:defRPr sz="1400" b="0" i="0" u="none" strike="noStrike" cap="none">
+                <a:solidFill>
+                  <a:srgbClr val="666666"/>
+                </a:solidFill>
+                <a:latin typeface="Raleway Light"/>
+                <a:ea typeface="Raleway Light"/>
+                <a:cs typeface="Raleway Light"/>
+                <a:sym typeface="Raleway Light"/>
+              </a:defRPr>
+            </a:lvl1pPr>
+            <a:lvl2pPr marL="914400" marR="0" lvl="1" indent="-317500" algn="l" rtl="0">
+              <a:lnSpc>
+                <a:spcPct val="100000"/>
+              </a:lnSpc>
+              <a:spcBef>
+                <a:spcPts val="0"/>
+              </a:spcBef>
+              <a:spcAft>
+                <a:spcPts val="0"/>
+              </a:spcAft>
+              <a:buClr>
+                <a:srgbClr val="FFB600"/>
+              </a:buClr>
+              <a:buSzPts val="1400"/>
+              <a:buFont typeface="Raleway Light"/>
+              <a:buChar char="○"/>
+              <a:defRPr sz="1400" b="0" i="0" u="none" strike="noStrike" cap="none">
+                <a:solidFill>
+                  <a:srgbClr val="666666"/>
+                </a:solidFill>
+                <a:latin typeface="Raleway Light"/>
+                <a:ea typeface="Raleway Light"/>
+                <a:cs typeface="Raleway Light"/>
+                <a:sym typeface="Raleway Light"/>
+              </a:defRPr>
+            </a:lvl2pPr>
+            <a:lvl3pPr marL="1371600" marR="0" lvl="2" indent="-317500" algn="l" rtl="0">
+              <a:lnSpc>
+                <a:spcPct val="100000"/>
+              </a:lnSpc>
+              <a:spcBef>
+                <a:spcPts val="0"/>
+              </a:spcBef>
+              <a:spcAft>
+                <a:spcPts val="0"/>
+              </a:spcAft>
+              <a:buClr>
+                <a:srgbClr val="FFB600"/>
+              </a:buClr>
+              <a:buSzPts val="1400"/>
+              <a:buFont typeface="Raleway Light"/>
+              <a:buChar char="■"/>
+              <a:defRPr sz="1400" b="0" i="0" u="none" strike="noStrike" cap="none">
+                <a:solidFill>
+                  <a:srgbClr val="666666"/>
+                </a:solidFill>
+                <a:latin typeface="Raleway Light"/>
+                <a:ea typeface="Raleway Light"/>
+                <a:cs typeface="Raleway Light"/>
+                <a:sym typeface="Raleway Light"/>
+              </a:defRPr>
+            </a:lvl3pPr>
+            <a:lvl4pPr marL="1828800" marR="0" lvl="3" indent="-317500" algn="l" rtl="0">
+              <a:lnSpc>
+                <a:spcPct val="100000"/>
+              </a:lnSpc>
+              <a:spcBef>
+                <a:spcPts val="0"/>
+              </a:spcBef>
+              <a:spcAft>
+                <a:spcPts val="0"/>
+              </a:spcAft>
+              <a:buClr>
+                <a:srgbClr val="666666"/>
+              </a:buClr>
+              <a:buSzPts val="1400"/>
+              <a:buFont typeface="Raleway Light"/>
+              <a:buChar char="●"/>
+              <a:defRPr sz="1400" b="0" i="0" u="none" strike="noStrike" cap="none">
+                <a:solidFill>
+                  <a:srgbClr val="666666"/>
+                </a:solidFill>
+                <a:latin typeface="Raleway Light"/>
+                <a:ea typeface="Raleway Light"/>
+                <a:cs typeface="Raleway Light"/>
+                <a:sym typeface="Raleway Light"/>
+              </a:defRPr>
+            </a:lvl4pPr>
+            <a:lvl5pPr marL="2286000" marR="0" lvl="4" indent="-317500" algn="l" rtl="0">
+              <a:lnSpc>
+                <a:spcPct val="100000"/>
+              </a:lnSpc>
+              <a:spcBef>
+                <a:spcPts val="0"/>
+              </a:spcBef>
+              <a:spcAft>
+                <a:spcPts val="0"/>
+              </a:spcAft>
+              <a:buClr>
+                <a:srgbClr val="666666"/>
+              </a:buClr>
+              <a:buSzPts val="1400"/>
+              <a:buFont typeface="Raleway Light"/>
+              <a:buChar char="○"/>
+              <a:defRPr sz="1400" b="0" i="0" u="none" strike="noStrike" cap="none">
+                <a:solidFill>
+                  <a:srgbClr val="666666"/>
+                </a:solidFill>
+                <a:latin typeface="Raleway Light"/>
+                <a:ea typeface="Raleway Light"/>
+                <a:cs typeface="Raleway Light"/>
+                <a:sym typeface="Raleway Light"/>
+              </a:defRPr>
+            </a:lvl5pPr>
+            <a:lvl6pPr marL="2743200" marR="0" lvl="5" indent="-317500" algn="l" rtl="0">
+              <a:lnSpc>
+                <a:spcPct val="100000"/>
+              </a:lnSpc>
+              <a:spcBef>
+                <a:spcPts val="0"/>
+              </a:spcBef>
+              <a:spcAft>
+                <a:spcPts val="0"/>
+              </a:spcAft>
+              <a:buClr>
+                <a:srgbClr val="666666"/>
+              </a:buClr>
+              <a:buSzPts val="1400"/>
+              <a:buFont typeface="Raleway Light"/>
+              <a:buChar char="■"/>
+              <a:defRPr sz="1400" b="0" i="0" u="none" strike="noStrike" cap="none">
+                <a:solidFill>
+                  <a:srgbClr val="666666"/>
+                </a:solidFill>
+                <a:latin typeface="Raleway Light"/>
+                <a:ea typeface="Raleway Light"/>
+                <a:cs typeface="Raleway Light"/>
+                <a:sym typeface="Raleway Light"/>
+              </a:defRPr>
+            </a:lvl6pPr>
+            <a:lvl7pPr marL="3200400" marR="0" lvl="6" indent="-317500" algn="l" rtl="0">
+              <a:lnSpc>
+                <a:spcPct val="100000"/>
+              </a:lnSpc>
+              <a:spcBef>
+                <a:spcPts val="0"/>
+              </a:spcBef>
+              <a:spcAft>
+                <a:spcPts val="0"/>
+              </a:spcAft>
+              <a:buClr>
+                <a:srgbClr val="666666"/>
+              </a:buClr>
+              <a:buSzPts val="1400"/>
+              <a:buFont typeface="Raleway Light"/>
+              <a:buChar char="●"/>
+              <a:defRPr sz="1400" b="0" i="0" u="none" strike="noStrike" cap="none">
+                <a:solidFill>
+                  <a:srgbClr val="666666"/>
+                </a:solidFill>
+                <a:latin typeface="Raleway Light"/>
+                <a:ea typeface="Raleway Light"/>
+                <a:cs typeface="Raleway Light"/>
+                <a:sym typeface="Raleway Light"/>
+              </a:defRPr>
+            </a:lvl7pPr>
+            <a:lvl8pPr marL="3657600" marR="0" lvl="7" indent="-317500" algn="l" rtl="0">
+              <a:lnSpc>
+                <a:spcPct val="100000"/>
+              </a:lnSpc>
+              <a:spcBef>
+                <a:spcPts val="0"/>
+              </a:spcBef>
+              <a:spcAft>
+                <a:spcPts val="0"/>
+              </a:spcAft>
+              <a:buClr>
+                <a:srgbClr val="666666"/>
+              </a:buClr>
+              <a:buSzPts val="1400"/>
+              <a:buFont typeface="Raleway Light"/>
+              <a:buChar char="○"/>
+              <a:defRPr sz="1400" b="0" i="0" u="none" strike="noStrike" cap="none">
+                <a:solidFill>
+                  <a:srgbClr val="666666"/>
+                </a:solidFill>
+                <a:latin typeface="Raleway Light"/>
+                <a:ea typeface="Raleway Light"/>
+                <a:cs typeface="Raleway Light"/>
+                <a:sym typeface="Raleway Light"/>
+              </a:defRPr>
+            </a:lvl8pPr>
+            <a:lvl9pPr marL="4114800" marR="0" lvl="8" indent="-317500" algn="l" rtl="0">
+              <a:lnSpc>
+                <a:spcPct val="100000"/>
+              </a:lnSpc>
+              <a:spcBef>
+                <a:spcPts val="0"/>
+              </a:spcBef>
+              <a:spcAft>
+                <a:spcPts val="0"/>
+              </a:spcAft>
+              <a:buClr>
+                <a:srgbClr val="666666"/>
+              </a:buClr>
+              <a:buSzPts val="1400"/>
+              <a:buFont typeface="Raleway Light"/>
+              <a:buChar char="■"/>
+              <a:defRPr sz="1400" b="0" i="0" u="none" strike="noStrike" cap="none">
+                <a:solidFill>
+                  <a:srgbClr val="666666"/>
+                </a:solidFill>
+                <a:latin typeface="Raleway Light"/>
+                <a:ea typeface="Raleway Light"/>
+                <a:cs typeface="Raleway Light"/>
+                <a:sym typeface="Raleway Light"/>
+              </a:defRPr>
+            </a:lvl9pPr>
+          </a:lstStyle>
+          <a:p>
+            <a:pPr marL="901700" lvl="1" indent="-422275">
+              <a:spcBef>
+                <a:spcPts val="600"/>
+              </a:spcBef>
+              <a:buClr>
+                <a:srgbClr val="FFC000"/>
+              </a:buClr>
+              <a:buSzPct val="155000"/>
+              <a:buFont typeface="Wingdings" panose="05000000000000000000" pitchFamily="2" charset="2"/>
+              <a:buChar char="§"/>
+              <a:tabLst>
+                <a:tab pos="989013" algn="l"/>
+                <a:tab pos="1077913" algn="l"/>
+              </a:tabLst>
+            </a:pPr>
+            <a:r>
+              <a:rPr lang="es-ES" sz="1800" b="1" dirty="0"/>
+              <a:t>Actividades constantes</a:t>
+            </a:r>
+          </a:p>
+        </p:txBody>
+      </p:sp>
+      <p:sp>
+        <p:nvSpPr>
+          <p:cNvPr id="281" name="Google Shape;281;p29"/>
+          <p:cNvSpPr txBox="1">
+            <a:spLocks noGrp="1"/>
+          </p:cNvSpPr>
+          <p:nvPr>
+            <p:ph type="title"/>
+          </p:nvPr>
+        </p:nvSpPr>
+        <p:spPr>
+          <a:xfrm>
+            <a:off x="922000" y="891775"/>
+            <a:ext cx="6866100" cy="857400"/>
+          </a:xfrm>
+          <a:prstGeom prst="rect">
+            <a:avLst/>
+          </a:prstGeom>
+        </p:spPr>
+        <p:txBody>
+          <a:bodyPr spcFirstLastPara="1" wrap="square" lIns="91425" tIns="91425" rIns="91425" bIns="91425" anchor="t" anchorCtr="0">
+            <a:noAutofit/>
+          </a:bodyPr>
+          <a:lstStyle/>
+          <a:p>
+            <a:pPr marL="0" lvl="0" indent="0" algn="l" rtl="0">
+              <a:spcBef>
+                <a:spcPts val="0"/>
+              </a:spcBef>
+              <a:spcAft>
+                <a:spcPts val="0"/>
+              </a:spcAft>
+              <a:buNone/>
+            </a:pPr>
+            <a:r>
+              <a:rPr lang="es-ES" sz="3600" dirty="0"/>
+              <a:t>Mi experiencia</a:t>
+            </a:r>
+            <a:endParaRPr sz="3600" dirty="0"/>
+          </a:p>
+        </p:txBody>
+      </p:sp>
+      <p:sp>
+        <p:nvSpPr>
+          <p:cNvPr id="285" name="Google Shape;285;p29"/>
+          <p:cNvSpPr txBox="1">
+            <a:spLocks noGrp="1"/>
+          </p:cNvSpPr>
+          <p:nvPr>
+            <p:ph type="sldNum" idx="12"/>
+          </p:nvPr>
+        </p:nvSpPr>
+        <p:spPr>
+          <a:xfrm>
+            <a:off x="8604400" y="4590300"/>
+            <a:ext cx="539700" cy="553200"/>
+          </a:xfrm>
+          <a:prstGeom prst="rect">
+            <a:avLst/>
+          </a:prstGeom>
+        </p:spPr>
+        <p:txBody>
+          <a:bodyPr spcFirstLastPara="1" wrap="square" lIns="91425" tIns="91425" rIns="91425" bIns="91425" anchor="ctr" anchorCtr="0">
+            <a:noAutofit/>
+          </a:bodyPr>
+          <a:lstStyle/>
+          <a:p>
+            <a:pPr marL="0" lvl="0" indent="0" algn="ctr" rtl="0">
+              <a:spcBef>
+                <a:spcPts val="0"/>
+              </a:spcBef>
+              <a:spcAft>
+                <a:spcPts val="0"/>
+              </a:spcAft>
+              <a:buNone/>
+            </a:pPr>
+            <a:fld id="{00000000-1234-1234-1234-123412341234}" type="slidenum">
+              <a:rPr lang="en"/>
+              <a:t>9</a:t>
+            </a:fld>
+            <a:endParaRPr/>
+          </a:p>
+        </p:txBody>
+      </p:sp>
+      <p:sp>
+        <p:nvSpPr>
+          <p:cNvPr id="24" name="Rectángulo 23">
+            <a:extLst>
+              <a:ext uri="{FF2B5EF4-FFF2-40B4-BE49-F238E27FC236}">
+                <a16:creationId xmlns:a16="http://schemas.microsoft.com/office/drawing/2014/main" id="{D0C9F0F4-6EF8-4E4E-A562-DF1734CCA286}"/>
+              </a:ext>
+            </a:extLst>
+          </p:cNvPr>
+          <p:cNvSpPr/>
+          <p:nvPr/>
+        </p:nvSpPr>
+        <p:spPr>
+          <a:xfrm>
+            <a:off x="0" y="988142"/>
+            <a:ext cx="789039" cy="671052"/>
+          </a:xfrm>
+          <a:prstGeom prst="rect">
+            <a:avLst/>
+          </a:prstGeom>
+          <a:solidFill>
+            <a:schemeClr val="bg1"/>
+          </a:solidFill>
+          <a:ln>
+            <a:noFill/>
+          </a:ln>
+        </p:spPr>
+        <p:style>
+          <a:lnRef idx="2">
+            <a:schemeClr val="accent1">
+              <a:shade val="50000"/>
+            </a:schemeClr>
+          </a:lnRef>
+          <a:fillRef idx="1">
+            <a:schemeClr val="accent1"/>
+          </a:fillRef>
+          <a:effectRef idx="0">
+            <a:schemeClr val="accent1"/>
+          </a:effectRef>
+          <a:fontRef idx="minor">
+            <a:schemeClr val="lt1"/>
+          </a:fontRef>
+        </p:style>
+        <p:txBody>
+          <a:bodyPr rtlCol="0" anchor="ctr"/>
+          <a:lstStyle/>
+          <a:p>
+            <a:pPr algn="ctr"/>
+            <a:endParaRPr lang="es-ES"/>
+          </a:p>
+        </p:txBody>
+      </p:sp>
+      <p:pic>
+        <p:nvPicPr>
+          <p:cNvPr id="25" name="Imagen 24">
+            <a:extLst>
+              <a:ext uri="{FF2B5EF4-FFF2-40B4-BE49-F238E27FC236}">
+                <a16:creationId xmlns:a16="http://schemas.microsoft.com/office/drawing/2014/main" id="{92418A32-B329-4C6D-9F00-116E564950FB}"/>
+              </a:ext>
+            </a:extLst>
+          </p:cNvPr>
+          <p:cNvPicPr>
+            <a:picLocks noChangeAspect="1"/>
+          </p:cNvPicPr>
+          <p:nvPr/>
+        </p:nvPicPr>
+        <p:blipFill>
+          <a:blip r:embed="rId3">
+            <a:clrChange>
+              <a:clrFrom>
+                <a:srgbClr val="FFFFFF"/>
+              </a:clrFrom>
+              <a:clrTo>
+                <a:srgbClr val="FFFFFF">
+                  <a:alpha val="0"/>
+                </a:srgbClr>
+              </a:clrTo>
+            </a:clrChange>
+            <a:grayscl/>
+          </a:blip>
+          <a:stretch>
+            <a:fillRect/>
+          </a:stretch>
+        </p:blipFill>
+        <p:spPr>
+          <a:xfrm>
+            <a:off x="146244" y="1028124"/>
+            <a:ext cx="584701" cy="584701"/>
+          </a:xfrm>
+          <a:prstGeom prst="rect">
+            <a:avLst/>
+          </a:prstGeom>
+        </p:spPr>
+      </p:pic>
+      <p:grpSp>
+        <p:nvGrpSpPr>
+          <p:cNvPr id="49" name="Google Shape;191;p23">
+            <a:extLst>
+              <a:ext uri="{FF2B5EF4-FFF2-40B4-BE49-F238E27FC236}">
+                <a16:creationId xmlns:a16="http://schemas.microsoft.com/office/drawing/2014/main" id="{001604D6-3E22-467B-8FA9-40DB3BBB4FD1}"/>
+              </a:ext>
+            </a:extLst>
+          </p:cNvPr>
+          <p:cNvGrpSpPr/>
+          <p:nvPr/>
+        </p:nvGrpSpPr>
+        <p:grpSpPr>
+          <a:xfrm>
+            <a:off x="7287055" y="1350267"/>
+            <a:ext cx="1230488" cy="1230488"/>
+            <a:chOff x="3490737" y="1374053"/>
+            <a:chExt cx="1423800" cy="1423800"/>
+          </a:xfrm>
+        </p:grpSpPr>
+        <p:sp>
+          <p:nvSpPr>
+            <p:cNvPr id="50" name="Google Shape;192;p23">
+              <a:extLst>
+                <a:ext uri="{FF2B5EF4-FFF2-40B4-BE49-F238E27FC236}">
+                  <a16:creationId xmlns:a16="http://schemas.microsoft.com/office/drawing/2014/main" id="{4FF9816E-74E6-4CF6-AF05-F1669128C3C0}"/>
+                </a:ext>
+              </a:extLst>
+            </p:cNvPr>
+            <p:cNvSpPr/>
+            <p:nvPr/>
+          </p:nvSpPr>
+          <p:spPr>
+            <a:xfrm>
+              <a:off x="3490737" y="1374053"/>
+              <a:ext cx="1423800" cy="1423800"/>
+            </a:xfrm>
+            <a:prstGeom prst="ellipse">
+              <a:avLst/>
+            </a:prstGeom>
+            <a:solidFill>
+              <a:srgbClr val="F1C232"/>
+            </a:solidFill>
+            <a:ln>
+              <a:noFill/>
+            </a:ln>
+            <a:effectLst>
+              <a:outerShdw blurRad="228600" dist="50800" dir="5400000" algn="tl" rotWithShape="0">
+                <a:srgbClr val="000000">
+                  <a:alpha val="54900"/>
+                </a:srgbClr>
+              </a:outerShdw>
+            </a:effectLst>
+          </p:spPr>
+          <p:txBody>
+            <a:bodyPr spcFirstLastPara="1" wrap="square" lIns="91425" tIns="91425" rIns="91425" bIns="91425" anchor="ctr" anchorCtr="0">
+              <a:noAutofit/>
+            </a:bodyPr>
+            <a:lstStyle/>
+            <a:p>
+              <a:pPr marL="0" lvl="0" indent="0" algn="l" rtl="0">
+                <a:spcBef>
+                  <a:spcPts val="0"/>
+                </a:spcBef>
+                <a:spcAft>
+                  <a:spcPts val="0"/>
+                </a:spcAft>
+                <a:buNone/>
+              </a:pPr>
+              <a:endParaRPr sz="900">
+                <a:solidFill>
+                  <a:srgbClr val="00695C"/>
+                </a:solidFill>
+                <a:latin typeface="Raleway Light"/>
+                <a:ea typeface="Raleway Light"/>
+                <a:cs typeface="Raleway Light"/>
+                <a:sym typeface="Raleway Light"/>
+              </a:endParaRPr>
+            </a:p>
+          </p:txBody>
+        </p:sp>
+        <p:sp>
+          <p:nvSpPr>
+            <p:cNvPr id="51" name="Google Shape;193;p23">
+              <a:extLst>
+                <a:ext uri="{FF2B5EF4-FFF2-40B4-BE49-F238E27FC236}">
+                  <a16:creationId xmlns:a16="http://schemas.microsoft.com/office/drawing/2014/main" id="{49EBD7E0-9D79-4E38-A8DF-811D6BBCA38D}"/>
+                </a:ext>
+              </a:extLst>
+            </p:cNvPr>
+            <p:cNvSpPr txBox="1"/>
+            <p:nvPr/>
+          </p:nvSpPr>
+          <p:spPr>
+            <a:xfrm>
+              <a:off x="3490737" y="1509682"/>
+              <a:ext cx="1423800" cy="1148542"/>
+            </a:xfrm>
+            <a:prstGeom prst="rect">
+              <a:avLst/>
+            </a:prstGeom>
+            <a:noFill/>
+            <a:ln>
+              <a:noFill/>
+            </a:ln>
+          </p:spPr>
+          <p:txBody>
+            <a:bodyPr spcFirstLastPara="1" wrap="square" lIns="91425" tIns="91425" rIns="91425" bIns="91425" anchor="ctr" anchorCtr="0">
+              <a:noAutofit/>
+            </a:bodyPr>
+            <a:lstStyle/>
+            <a:p>
+              <a:pPr marL="0" lvl="0" indent="0" algn="ctr" rtl="0">
+                <a:spcBef>
+                  <a:spcPts val="0"/>
+                </a:spcBef>
+                <a:spcAft>
+                  <a:spcPts val="0"/>
+                </a:spcAft>
+                <a:buNone/>
+              </a:pPr>
+              <a:r>
+                <a:rPr lang="es-ES" sz="1600" dirty="0">
+                  <a:solidFill>
+                    <a:srgbClr val="FFFFFF"/>
+                  </a:solidFill>
+                  <a:latin typeface="Raleway Light"/>
+                  <a:ea typeface="Raleway Light"/>
+                  <a:cs typeface="Raleway Light"/>
+                  <a:sym typeface="Raleway Light"/>
+                </a:rPr>
+                <a:t>Seminarios</a:t>
+              </a:r>
+              <a:endParaRPr lang="es-ES" sz="1200" dirty="0">
+                <a:solidFill>
+                  <a:srgbClr val="FFFFFF"/>
+                </a:solidFill>
+                <a:latin typeface="Raleway Light"/>
+                <a:ea typeface="Raleway Light"/>
+                <a:cs typeface="Raleway Light"/>
+                <a:sym typeface="Raleway Light"/>
+              </a:endParaRPr>
+            </a:p>
+          </p:txBody>
+        </p:sp>
+      </p:grpSp>
+      <p:sp>
+        <p:nvSpPr>
+          <p:cNvPr id="2" name="Rectángulo: esquinas redondeadas 1">
+            <a:extLst>
+              <a:ext uri="{FF2B5EF4-FFF2-40B4-BE49-F238E27FC236}">
+                <a16:creationId xmlns:a16="http://schemas.microsoft.com/office/drawing/2014/main" id="{113E08A9-61E7-4F44-ACD9-65245D608863}"/>
+              </a:ext>
+            </a:extLst>
+          </p:cNvPr>
+          <p:cNvSpPr/>
+          <p:nvPr/>
+        </p:nvSpPr>
+        <p:spPr>
+          <a:xfrm>
+            <a:off x="4233797" y="478075"/>
+            <a:ext cx="4409162" cy="4112224"/>
+          </a:xfrm>
+          <a:prstGeom prst="roundRect">
+            <a:avLst/>
+          </a:prstGeom>
+          <a:solidFill>
+            <a:srgbClr val="FFFFFF">
+              <a:alpha val="60000"/>
+            </a:srgbClr>
+          </a:solidFill>
+          <a:ln>
+            <a:noFill/>
+          </a:ln>
+        </p:spPr>
+        <p:style>
+          <a:lnRef idx="2">
+            <a:schemeClr val="accent1">
+              <a:shade val="50000"/>
+            </a:schemeClr>
+          </a:lnRef>
+          <a:fillRef idx="1">
+            <a:schemeClr val="accent1"/>
+          </a:fillRef>
+          <a:effectRef idx="0">
+            <a:schemeClr val="accent1"/>
+          </a:effectRef>
+          <a:fontRef idx="minor">
+            <a:schemeClr val="lt1"/>
+          </a:fontRef>
+        </p:style>
+        <p:txBody>
+          <a:bodyPr rtlCol="0" anchor="ctr"/>
+          <a:lstStyle/>
+          <a:p>
+            <a:pPr algn="ctr"/>
+            <a:endParaRPr lang="es-ES"/>
+          </a:p>
+        </p:txBody>
+      </p:sp>
+      <p:sp>
+        <p:nvSpPr>
+          <p:cNvPr id="36" name="Google Shape;69;p13">
+            <a:extLst>
+              <a:ext uri="{FF2B5EF4-FFF2-40B4-BE49-F238E27FC236}">
+                <a16:creationId xmlns:a16="http://schemas.microsoft.com/office/drawing/2014/main" id="{27F36BD1-2D45-4737-822D-8DB043951627}"/>
+              </a:ext>
+            </a:extLst>
+          </p:cNvPr>
+          <p:cNvSpPr txBox="1">
+            <a:spLocks/>
+          </p:cNvSpPr>
+          <p:nvPr/>
+        </p:nvSpPr>
+        <p:spPr>
+          <a:xfrm>
+            <a:off x="973698" y="2534338"/>
+            <a:ext cx="4600537" cy="1422822"/>
+          </a:xfrm>
+          <a:prstGeom prst="rect">
+            <a:avLst/>
+          </a:prstGeom>
+          <a:noFill/>
+          <a:ln>
+            <a:noFill/>
+          </a:ln>
+        </p:spPr>
+        <p:txBody>
+          <a:bodyPr spcFirstLastPara="1" wrap="square" lIns="91425" tIns="91425" rIns="91425" bIns="91425" anchor="t" anchorCtr="0">
+            <a:noAutofit/>
+          </a:bodyPr>
+          <a:lstStyle>
+            <a:defPPr marR="0" lvl="0" algn="l" rtl="0">
+              <a:lnSpc>
+                <a:spcPct val="100000"/>
+              </a:lnSpc>
+              <a:spcBef>
+                <a:spcPts val="0"/>
+              </a:spcBef>
+              <a:spcAft>
+                <a:spcPts val="0"/>
+              </a:spcAft>
+            </a:defPPr>
+            <a:lvl1pPr marL="457200" marR="0" lvl="0" indent="-317500" algn="l" rtl="0">
+              <a:lnSpc>
+                <a:spcPct val="100000"/>
+              </a:lnSpc>
+              <a:spcBef>
+                <a:spcPts val="600"/>
+              </a:spcBef>
+              <a:spcAft>
+                <a:spcPts val="0"/>
+              </a:spcAft>
+              <a:buClr>
+                <a:srgbClr val="FFB600"/>
+              </a:buClr>
+              <a:buSzPts val="1400"/>
+              <a:buFont typeface="Raleway Light"/>
+              <a:buChar char="●"/>
+              <a:defRPr sz="1400" b="0" i="0" u="none" strike="noStrike" cap="none">
+                <a:solidFill>
+                  <a:srgbClr val="666666"/>
+                </a:solidFill>
+                <a:latin typeface="Raleway Light"/>
+                <a:ea typeface="Raleway Light"/>
+                <a:cs typeface="Raleway Light"/>
+                <a:sym typeface="Raleway Light"/>
+              </a:defRPr>
+            </a:lvl1pPr>
+            <a:lvl2pPr marL="914400" marR="0" lvl="1" indent="-317500" algn="l" rtl="0">
+              <a:lnSpc>
+                <a:spcPct val="100000"/>
+              </a:lnSpc>
+              <a:spcBef>
+                <a:spcPts val="0"/>
+              </a:spcBef>
+              <a:spcAft>
+                <a:spcPts val="0"/>
+              </a:spcAft>
+              <a:buClr>
+                <a:srgbClr val="FFB600"/>
+              </a:buClr>
+              <a:buSzPts val="1400"/>
+              <a:buFont typeface="Raleway Light"/>
+              <a:buChar char="○"/>
+              <a:defRPr sz="1400" b="0" i="0" u="none" strike="noStrike" cap="none">
+                <a:solidFill>
+                  <a:srgbClr val="666666"/>
+                </a:solidFill>
+                <a:latin typeface="Raleway Light"/>
+                <a:ea typeface="Raleway Light"/>
+                <a:cs typeface="Raleway Light"/>
+                <a:sym typeface="Raleway Light"/>
+              </a:defRPr>
+            </a:lvl2pPr>
+            <a:lvl3pPr marL="1371600" marR="0" lvl="2" indent="-317500" algn="l" rtl="0">
+              <a:lnSpc>
+                <a:spcPct val="100000"/>
+              </a:lnSpc>
+              <a:spcBef>
+                <a:spcPts val="0"/>
+              </a:spcBef>
+              <a:spcAft>
+                <a:spcPts val="0"/>
+              </a:spcAft>
+              <a:buClr>
+                <a:srgbClr val="FFB600"/>
+              </a:buClr>
+              <a:buSzPts val="1400"/>
+              <a:buFont typeface="Raleway Light"/>
+              <a:buChar char="■"/>
+              <a:defRPr sz="1400" b="0" i="0" u="none" strike="noStrike" cap="none">
+                <a:solidFill>
+                  <a:srgbClr val="666666"/>
+                </a:solidFill>
+                <a:latin typeface="Raleway Light"/>
+                <a:ea typeface="Raleway Light"/>
+                <a:cs typeface="Raleway Light"/>
+                <a:sym typeface="Raleway Light"/>
+              </a:defRPr>
+            </a:lvl3pPr>
+            <a:lvl4pPr marL="1828800" marR="0" lvl="3" indent="-317500" algn="l" rtl="0">
+              <a:lnSpc>
+                <a:spcPct val="100000"/>
+              </a:lnSpc>
+              <a:spcBef>
+                <a:spcPts val="0"/>
+              </a:spcBef>
+              <a:spcAft>
+                <a:spcPts val="0"/>
+              </a:spcAft>
+              <a:buClr>
+                <a:srgbClr val="666666"/>
+              </a:buClr>
+              <a:buSzPts val="1400"/>
+              <a:buFont typeface="Raleway Light"/>
+              <a:buChar char="●"/>
+              <a:defRPr sz="1400" b="0" i="0" u="none" strike="noStrike" cap="none">
+                <a:solidFill>
+                  <a:srgbClr val="666666"/>
+                </a:solidFill>
+                <a:latin typeface="Raleway Light"/>
+                <a:ea typeface="Raleway Light"/>
+                <a:cs typeface="Raleway Light"/>
+                <a:sym typeface="Raleway Light"/>
+              </a:defRPr>
+            </a:lvl4pPr>
+            <a:lvl5pPr marL="2286000" marR="0" lvl="4" indent="-317500" algn="l" rtl="0">
+              <a:lnSpc>
+                <a:spcPct val="100000"/>
+              </a:lnSpc>
+              <a:spcBef>
+                <a:spcPts val="0"/>
+              </a:spcBef>
+              <a:spcAft>
+                <a:spcPts val="0"/>
+              </a:spcAft>
+              <a:buClr>
+                <a:srgbClr val="666666"/>
+              </a:buClr>
+              <a:buSzPts val="1400"/>
+              <a:buFont typeface="Raleway Light"/>
+              <a:buChar char="○"/>
+              <a:defRPr sz="1400" b="0" i="0" u="none" strike="noStrike" cap="none">
+                <a:solidFill>
+                  <a:srgbClr val="666666"/>
+                </a:solidFill>
+                <a:latin typeface="Raleway Light"/>
+                <a:ea typeface="Raleway Light"/>
+                <a:cs typeface="Raleway Light"/>
+                <a:sym typeface="Raleway Light"/>
+              </a:defRPr>
+            </a:lvl5pPr>
+            <a:lvl6pPr marL="2743200" marR="0" lvl="5" indent="-317500" algn="l" rtl="0">
+              <a:lnSpc>
+                <a:spcPct val="100000"/>
+              </a:lnSpc>
+              <a:spcBef>
+                <a:spcPts val="0"/>
+              </a:spcBef>
+              <a:spcAft>
+                <a:spcPts val="0"/>
+              </a:spcAft>
+              <a:buClr>
+                <a:srgbClr val="666666"/>
+              </a:buClr>
+              <a:buSzPts val="1400"/>
+              <a:buFont typeface="Raleway Light"/>
+              <a:buChar char="■"/>
+              <a:defRPr sz="1400" b="0" i="0" u="none" strike="noStrike" cap="none">
+                <a:solidFill>
+                  <a:srgbClr val="666666"/>
+                </a:solidFill>
+                <a:latin typeface="Raleway Light"/>
+                <a:ea typeface="Raleway Light"/>
+                <a:cs typeface="Raleway Light"/>
+                <a:sym typeface="Raleway Light"/>
+              </a:defRPr>
+            </a:lvl6pPr>
+            <a:lvl7pPr marL="3200400" marR="0" lvl="6" indent="-317500" algn="l" rtl="0">
+              <a:lnSpc>
+                <a:spcPct val="100000"/>
+              </a:lnSpc>
+              <a:spcBef>
+                <a:spcPts val="0"/>
+              </a:spcBef>
+              <a:spcAft>
+                <a:spcPts val="0"/>
+              </a:spcAft>
+              <a:buClr>
+                <a:srgbClr val="666666"/>
+              </a:buClr>
+              <a:buSzPts val="1400"/>
+              <a:buFont typeface="Raleway Light"/>
+              <a:buChar char="●"/>
+              <a:defRPr sz="1400" b="0" i="0" u="none" strike="noStrike" cap="none">
+                <a:solidFill>
+                  <a:srgbClr val="666666"/>
+                </a:solidFill>
+                <a:latin typeface="Raleway Light"/>
+                <a:ea typeface="Raleway Light"/>
+                <a:cs typeface="Raleway Light"/>
+                <a:sym typeface="Raleway Light"/>
+              </a:defRPr>
+            </a:lvl7pPr>
+            <a:lvl8pPr marL="3657600" marR="0" lvl="7" indent="-317500" algn="l" rtl="0">
+              <a:lnSpc>
+                <a:spcPct val="100000"/>
+              </a:lnSpc>
+              <a:spcBef>
+                <a:spcPts val="0"/>
+              </a:spcBef>
+              <a:spcAft>
+                <a:spcPts val="0"/>
+              </a:spcAft>
+              <a:buClr>
+                <a:srgbClr val="666666"/>
+              </a:buClr>
+              <a:buSzPts val="1400"/>
+              <a:buFont typeface="Raleway Light"/>
+              <a:buChar char="○"/>
+              <a:defRPr sz="1400" b="0" i="0" u="none" strike="noStrike" cap="none">
+                <a:solidFill>
+                  <a:srgbClr val="666666"/>
+                </a:solidFill>
+                <a:latin typeface="Raleway Light"/>
+                <a:ea typeface="Raleway Light"/>
+                <a:cs typeface="Raleway Light"/>
+                <a:sym typeface="Raleway Light"/>
+              </a:defRPr>
+            </a:lvl8pPr>
+            <a:lvl9pPr marL="4114800" marR="0" lvl="8" indent="-317500" algn="l" rtl="0">
+              <a:lnSpc>
+                <a:spcPct val="100000"/>
+              </a:lnSpc>
+              <a:spcBef>
+                <a:spcPts val="0"/>
+              </a:spcBef>
+              <a:spcAft>
+                <a:spcPts val="0"/>
+              </a:spcAft>
+              <a:buClr>
+                <a:srgbClr val="666666"/>
+              </a:buClr>
+              <a:buSzPts val="1400"/>
+              <a:buFont typeface="Raleway Light"/>
+              <a:buChar char="■"/>
+              <a:defRPr sz="1400" b="0" i="0" u="none" strike="noStrike" cap="none">
+                <a:solidFill>
+                  <a:srgbClr val="666666"/>
+                </a:solidFill>
+                <a:latin typeface="Raleway Light"/>
+                <a:ea typeface="Raleway Light"/>
+                <a:cs typeface="Raleway Light"/>
+                <a:sym typeface="Raleway Light"/>
+              </a:defRPr>
+            </a:lvl9pPr>
+          </a:lstStyle>
+          <a:p>
+            <a:pPr marL="901700" lvl="1" indent="-422275">
+              <a:spcBef>
+                <a:spcPts val="600"/>
+              </a:spcBef>
+              <a:buClr>
+                <a:srgbClr val="FFC000"/>
+              </a:buClr>
+              <a:buSzPct val="155000"/>
+              <a:buFont typeface="+mj-lt"/>
+              <a:buAutoNum type="romanLcPeriod"/>
+              <a:tabLst>
+                <a:tab pos="989013" algn="l"/>
+                <a:tab pos="1077913" algn="l"/>
+              </a:tabLst>
+            </a:pPr>
+            <a:r>
+              <a:rPr lang="es-ES" b="1" dirty="0"/>
+              <a:t>Conocer la empresa y el proyecto</a:t>
+            </a:r>
+          </a:p>
+          <a:p>
+            <a:pPr marL="901700" lvl="1" indent="-422275">
+              <a:spcBef>
+                <a:spcPts val="600"/>
+              </a:spcBef>
+              <a:buClr>
+                <a:srgbClr val="FFC000"/>
+              </a:buClr>
+              <a:buSzPct val="155000"/>
+              <a:buFont typeface="+mj-lt"/>
+              <a:buAutoNum type="romanLcPeriod"/>
+              <a:tabLst>
+                <a:tab pos="989013" algn="l"/>
+                <a:tab pos="1077913" algn="l"/>
+              </a:tabLst>
+            </a:pPr>
+            <a:r>
+              <a:rPr lang="es-ES" b="1" dirty="0"/>
+              <a:t>Desarrollo del guante con sensores FBG</a:t>
+            </a:r>
+          </a:p>
+          <a:p>
+            <a:pPr marL="901700" lvl="1" indent="-422275">
+              <a:spcBef>
+                <a:spcPts val="600"/>
+              </a:spcBef>
+              <a:buClr>
+                <a:srgbClr val="FFC000"/>
+              </a:buClr>
+              <a:buSzPct val="155000"/>
+              <a:buFont typeface="+mj-lt"/>
+              <a:buAutoNum type="romanLcPeriod"/>
+              <a:tabLst>
+                <a:tab pos="989013" algn="l"/>
+                <a:tab pos="1077913" algn="l"/>
+              </a:tabLst>
+            </a:pPr>
+            <a:r>
+              <a:rPr lang="es-ES" b="1" dirty="0"/>
+              <a:t>Advertencia de la inoportunidad de la tecnología empleada</a:t>
+            </a:r>
+          </a:p>
+          <a:p>
+            <a:pPr marL="901700" lvl="1" indent="-422275">
+              <a:spcBef>
+                <a:spcPts val="600"/>
+              </a:spcBef>
+              <a:buClr>
+                <a:srgbClr val="FFC000"/>
+              </a:buClr>
+              <a:buSzPct val="155000"/>
+              <a:buFont typeface="+mj-lt"/>
+              <a:buAutoNum type="romanLcPeriod"/>
+              <a:tabLst>
+                <a:tab pos="989013" algn="l"/>
+                <a:tab pos="1077913" algn="l"/>
+              </a:tabLst>
+            </a:pPr>
+            <a:r>
+              <a:rPr lang="es-ES" b="1" dirty="0"/>
+              <a:t>Reorientación del proyecto </a:t>
+            </a:r>
+          </a:p>
+        </p:txBody>
+      </p:sp>
+      <p:grpSp>
+        <p:nvGrpSpPr>
+          <p:cNvPr id="28" name="Google Shape;182;p23">
+            <a:extLst>
+              <a:ext uri="{FF2B5EF4-FFF2-40B4-BE49-F238E27FC236}">
+                <a16:creationId xmlns:a16="http://schemas.microsoft.com/office/drawing/2014/main" id="{2A91F697-A1FA-4231-92E0-19C0CBF4FE9A}"/>
+              </a:ext>
+            </a:extLst>
+          </p:cNvPr>
+          <p:cNvGrpSpPr/>
+          <p:nvPr/>
+        </p:nvGrpSpPr>
+        <p:grpSpPr>
+          <a:xfrm>
+            <a:off x="6046891" y="1975540"/>
+            <a:ext cx="2440200" cy="2440200"/>
+            <a:chOff x="4447194" y="1815766"/>
+            <a:chExt cx="2440200" cy="2440200"/>
+          </a:xfrm>
+        </p:grpSpPr>
+        <p:sp>
+          <p:nvSpPr>
+            <p:cNvPr id="29" name="Google Shape;183;p23">
+              <a:extLst>
+                <a:ext uri="{FF2B5EF4-FFF2-40B4-BE49-F238E27FC236}">
+                  <a16:creationId xmlns:a16="http://schemas.microsoft.com/office/drawing/2014/main" id="{6A90C8B5-6F91-40A0-83BE-6D73B7C12E70}"/>
+                </a:ext>
+              </a:extLst>
+            </p:cNvPr>
+            <p:cNvSpPr/>
+            <p:nvPr/>
+          </p:nvSpPr>
+          <p:spPr>
+            <a:xfrm>
+              <a:off x="4447194" y="1815766"/>
+              <a:ext cx="2440200" cy="2440200"/>
+            </a:xfrm>
+            <a:prstGeom prst="ellipse">
+              <a:avLst/>
+            </a:prstGeom>
+            <a:solidFill>
+              <a:srgbClr val="FFB600"/>
+            </a:solidFill>
+            <a:ln>
+              <a:noFill/>
+            </a:ln>
+            <a:effectLst>
+              <a:outerShdw blurRad="228600" dist="50800" dir="5400000" algn="tl" rotWithShape="0">
+                <a:srgbClr val="000000">
+                  <a:alpha val="54900"/>
+                </a:srgbClr>
+              </a:outerShdw>
+            </a:effectLst>
+          </p:spPr>
+          <p:txBody>
+            <a:bodyPr spcFirstLastPara="1" wrap="square" lIns="91425" tIns="91425" rIns="91425" bIns="91425" anchor="ctr" anchorCtr="0">
+              <a:noAutofit/>
+            </a:bodyPr>
+            <a:lstStyle/>
+            <a:p>
+              <a:pPr marL="0" lvl="0" indent="0" algn="l" rtl="0">
+                <a:spcBef>
+                  <a:spcPts val="0"/>
+                </a:spcBef>
+                <a:spcAft>
+                  <a:spcPts val="0"/>
+                </a:spcAft>
+                <a:buNone/>
+              </a:pPr>
+              <a:endParaRPr sz="900">
+                <a:solidFill>
+                  <a:srgbClr val="00695C"/>
+                </a:solidFill>
+                <a:latin typeface="Raleway Light"/>
+                <a:ea typeface="Raleway Light"/>
+                <a:cs typeface="Raleway Light"/>
+                <a:sym typeface="Raleway Light"/>
+              </a:endParaRPr>
+            </a:p>
+          </p:txBody>
+        </p:sp>
+        <p:sp>
+          <p:nvSpPr>
+            <p:cNvPr id="31" name="Google Shape;184;p23">
+              <a:extLst>
+                <a:ext uri="{FF2B5EF4-FFF2-40B4-BE49-F238E27FC236}">
+                  <a16:creationId xmlns:a16="http://schemas.microsoft.com/office/drawing/2014/main" id="{1D582AB5-5E39-46F2-B6E1-B6565CE41E86}"/>
+                </a:ext>
+              </a:extLst>
+            </p:cNvPr>
+            <p:cNvSpPr txBox="1"/>
+            <p:nvPr/>
+          </p:nvSpPr>
+          <p:spPr>
+            <a:xfrm>
+              <a:off x="4606589" y="2504275"/>
+              <a:ext cx="2185353" cy="1163400"/>
+            </a:xfrm>
+            <a:prstGeom prst="rect">
+              <a:avLst/>
+            </a:prstGeom>
+            <a:noFill/>
+            <a:ln>
+              <a:noFill/>
+            </a:ln>
+          </p:spPr>
+          <p:txBody>
+            <a:bodyPr spcFirstLastPara="1" wrap="square" lIns="91425" tIns="91425" rIns="91425" bIns="91425" anchor="ctr" anchorCtr="0">
+              <a:noAutofit/>
+            </a:bodyPr>
+            <a:lstStyle/>
+            <a:p>
+              <a:pPr marL="0" lvl="0" indent="0" algn="ctr" rtl="0">
+                <a:spcBef>
+                  <a:spcPts val="0"/>
+                </a:spcBef>
+                <a:spcAft>
+                  <a:spcPts val="0"/>
+                </a:spcAft>
+                <a:buNone/>
+              </a:pPr>
+              <a:r>
+                <a:rPr lang="es-ES" sz="2000" dirty="0">
+                  <a:solidFill>
+                    <a:srgbClr val="FFFFFF"/>
+                  </a:solidFill>
+                  <a:latin typeface="Raleway Light"/>
+                  <a:ea typeface="Raleway Light"/>
+                  <a:cs typeface="Raleway Light"/>
+                  <a:sym typeface="Raleway Light"/>
+                </a:rPr>
+                <a:t>Desarrollo diario del proyecto</a:t>
+              </a:r>
+              <a:endParaRPr sz="2000" dirty="0">
+                <a:solidFill>
+                  <a:srgbClr val="FFFFFF"/>
+                </a:solidFill>
+                <a:latin typeface="Raleway Light"/>
+                <a:ea typeface="Raleway Light"/>
+                <a:cs typeface="Raleway Light"/>
+                <a:sym typeface="Raleway Light"/>
+              </a:endParaRPr>
+            </a:p>
+          </p:txBody>
+        </p:sp>
+      </p:grpSp>
+      <p:grpSp>
+        <p:nvGrpSpPr>
+          <p:cNvPr id="9" name="Google Shape;230;p26">
+            <a:extLst>
+              <a:ext uri="{FF2B5EF4-FFF2-40B4-BE49-F238E27FC236}">
+                <a16:creationId xmlns:a16="http://schemas.microsoft.com/office/drawing/2014/main" id="{5B21FD8B-D05D-4E26-B1F2-3B5829A0AF6C}"/>
+              </a:ext>
+            </a:extLst>
+          </p:cNvPr>
+          <p:cNvGrpSpPr/>
+          <p:nvPr/>
+        </p:nvGrpSpPr>
+        <p:grpSpPr>
+          <a:xfrm>
+            <a:off x="8056529" y="173652"/>
+            <a:ext cx="793438" cy="1034192"/>
+            <a:chOff x="2624850" y="4296000"/>
+            <a:chExt cx="380400" cy="495825"/>
+          </a:xfrm>
+        </p:grpSpPr>
+        <p:sp>
+          <p:nvSpPr>
+            <p:cNvPr id="10" name="Google Shape;231;p26">
+              <a:extLst>
+                <a:ext uri="{FF2B5EF4-FFF2-40B4-BE49-F238E27FC236}">
+                  <a16:creationId xmlns:a16="http://schemas.microsoft.com/office/drawing/2014/main" id="{D1826046-EF54-4EF2-90BA-109FC765AD28}"/>
+                </a:ext>
+              </a:extLst>
+            </p:cNvPr>
+            <p:cNvSpPr/>
+            <p:nvPr/>
+          </p:nvSpPr>
+          <p:spPr>
+            <a:xfrm>
+              <a:off x="2845875" y="4296000"/>
+              <a:ext cx="126425" cy="125800"/>
+            </a:xfrm>
+            <a:custGeom>
+              <a:avLst/>
+              <a:gdLst/>
+              <a:ahLst/>
+              <a:cxnLst/>
+              <a:rect l="l" t="t" r="r" b="b"/>
+              <a:pathLst>
+                <a:path w="5057" h="5032" extrusionOk="0">
+                  <a:moveTo>
+                    <a:pt x="4812" y="1"/>
+                  </a:moveTo>
+                  <a:lnTo>
+                    <a:pt x="4372" y="74"/>
+                  </a:lnTo>
+                  <a:lnTo>
+                    <a:pt x="3762" y="196"/>
+                  </a:lnTo>
+                  <a:lnTo>
+                    <a:pt x="3053" y="392"/>
+                  </a:lnTo>
+                  <a:lnTo>
+                    <a:pt x="2321" y="636"/>
+                  </a:lnTo>
+                  <a:lnTo>
+                    <a:pt x="1612" y="929"/>
+                  </a:lnTo>
+                  <a:lnTo>
+                    <a:pt x="1295" y="1075"/>
+                  </a:lnTo>
+                  <a:lnTo>
+                    <a:pt x="1026" y="1222"/>
+                  </a:lnTo>
+                  <a:lnTo>
+                    <a:pt x="782" y="1368"/>
+                  </a:lnTo>
+                  <a:lnTo>
+                    <a:pt x="611" y="1515"/>
+                  </a:lnTo>
+                  <a:lnTo>
+                    <a:pt x="489" y="1662"/>
+                  </a:lnTo>
+                  <a:lnTo>
+                    <a:pt x="367" y="1808"/>
+                  </a:lnTo>
+                  <a:lnTo>
+                    <a:pt x="269" y="1979"/>
+                  </a:lnTo>
+                  <a:lnTo>
+                    <a:pt x="172" y="2150"/>
+                  </a:lnTo>
+                  <a:lnTo>
+                    <a:pt x="123" y="2321"/>
+                  </a:lnTo>
+                  <a:lnTo>
+                    <a:pt x="74" y="2492"/>
+                  </a:lnTo>
+                  <a:lnTo>
+                    <a:pt x="25" y="2687"/>
+                  </a:lnTo>
+                  <a:lnTo>
+                    <a:pt x="1" y="2858"/>
+                  </a:lnTo>
+                  <a:lnTo>
+                    <a:pt x="1" y="3054"/>
+                  </a:lnTo>
+                  <a:lnTo>
+                    <a:pt x="25" y="3225"/>
+                  </a:lnTo>
+                  <a:lnTo>
+                    <a:pt x="49" y="3420"/>
+                  </a:lnTo>
+                  <a:lnTo>
+                    <a:pt x="98" y="3591"/>
+                  </a:lnTo>
+                  <a:lnTo>
+                    <a:pt x="172" y="3762"/>
+                  </a:lnTo>
+                  <a:lnTo>
+                    <a:pt x="245" y="3933"/>
+                  </a:lnTo>
+                  <a:lnTo>
+                    <a:pt x="342" y="4104"/>
+                  </a:lnTo>
+                  <a:lnTo>
+                    <a:pt x="440" y="4250"/>
+                  </a:lnTo>
+                  <a:lnTo>
+                    <a:pt x="2638" y="2052"/>
+                  </a:lnTo>
+                  <a:lnTo>
+                    <a:pt x="2736" y="2003"/>
+                  </a:lnTo>
+                  <a:lnTo>
+                    <a:pt x="2809" y="1979"/>
+                  </a:lnTo>
+                  <a:lnTo>
+                    <a:pt x="2907" y="2003"/>
+                  </a:lnTo>
+                  <a:lnTo>
+                    <a:pt x="2980" y="2052"/>
+                  </a:lnTo>
+                  <a:lnTo>
+                    <a:pt x="3029" y="2126"/>
+                  </a:lnTo>
+                  <a:lnTo>
+                    <a:pt x="3053" y="2223"/>
+                  </a:lnTo>
+                  <a:lnTo>
+                    <a:pt x="3029" y="2321"/>
+                  </a:lnTo>
+                  <a:lnTo>
+                    <a:pt x="2980" y="2394"/>
+                  </a:lnTo>
+                  <a:lnTo>
+                    <a:pt x="782" y="4592"/>
+                  </a:lnTo>
+                  <a:lnTo>
+                    <a:pt x="953" y="4690"/>
+                  </a:lnTo>
+                  <a:lnTo>
+                    <a:pt x="1100" y="4788"/>
+                  </a:lnTo>
+                  <a:lnTo>
+                    <a:pt x="1271" y="4885"/>
+                  </a:lnTo>
+                  <a:lnTo>
+                    <a:pt x="1466" y="4934"/>
+                  </a:lnTo>
+                  <a:lnTo>
+                    <a:pt x="1637" y="4983"/>
+                  </a:lnTo>
+                  <a:lnTo>
+                    <a:pt x="1808" y="5008"/>
+                  </a:lnTo>
+                  <a:lnTo>
+                    <a:pt x="2003" y="5032"/>
+                  </a:lnTo>
+                  <a:lnTo>
+                    <a:pt x="2174" y="5032"/>
+                  </a:lnTo>
+                  <a:lnTo>
+                    <a:pt x="2370" y="5008"/>
+                  </a:lnTo>
+                  <a:lnTo>
+                    <a:pt x="2541" y="4983"/>
+                  </a:lnTo>
+                  <a:lnTo>
+                    <a:pt x="2712" y="4934"/>
+                  </a:lnTo>
+                  <a:lnTo>
+                    <a:pt x="2907" y="4861"/>
+                  </a:lnTo>
+                  <a:lnTo>
+                    <a:pt x="3053" y="4788"/>
+                  </a:lnTo>
+                  <a:lnTo>
+                    <a:pt x="3224" y="4690"/>
+                  </a:lnTo>
+                  <a:lnTo>
+                    <a:pt x="3371" y="4568"/>
+                  </a:lnTo>
+                  <a:lnTo>
+                    <a:pt x="3517" y="4421"/>
+                  </a:lnTo>
+                  <a:lnTo>
+                    <a:pt x="3664" y="4250"/>
+                  </a:lnTo>
+                  <a:lnTo>
+                    <a:pt x="3835" y="4006"/>
+                  </a:lnTo>
+                  <a:lnTo>
+                    <a:pt x="3981" y="3738"/>
+                  </a:lnTo>
+                  <a:lnTo>
+                    <a:pt x="4128" y="3420"/>
+                  </a:lnTo>
+                  <a:lnTo>
+                    <a:pt x="4397" y="2736"/>
+                  </a:lnTo>
+                  <a:lnTo>
+                    <a:pt x="4641" y="1979"/>
+                  </a:lnTo>
+                  <a:lnTo>
+                    <a:pt x="4836" y="1271"/>
+                  </a:lnTo>
+                  <a:lnTo>
+                    <a:pt x="4983" y="660"/>
+                  </a:lnTo>
+                  <a:lnTo>
+                    <a:pt x="5032" y="221"/>
+                  </a:lnTo>
+                  <a:lnTo>
+                    <a:pt x="5056" y="98"/>
+                  </a:lnTo>
+                  <a:lnTo>
+                    <a:pt x="5032" y="25"/>
+                  </a:lnTo>
+                  <a:lnTo>
+                    <a:pt x="4958" y="1"/>
+                  </a:lnTo>
+                  <a:close/>
+                </a:path>
+              </a:pathLst>
+            </a:custGeom>
+            <a:solidFill>
+              <a:srgbClr val="FFB600"/>
+            </a:solidFill>
+            <a:ln>
+              <a:noFill/>
+            </a:ln>
+          </p:spPr>
+          <p:txBody>
+            <a:bodyPr spcFirstLastPara="1" wrap="square" lIns="91425" tIns="91425" rIns="91425" bIns="91425" anchor="ctr" anchorCtr="0">
+              <a:noAutofit/>
+            </a:bodyPr>
+            <a:lstStyle/>
+            <a:p>
+              <a:pPr marL="0" lvl="0" indent="0" algn="l" rtl="0">
+                <a:spcBef>
+                  <a:spcPts val="0"/>
+                </a:spcBef>
+                <a:spcAft>
+                  <a:spcPts val="0"/>
+                </a:spcAft>
+                <a:buNone/>
+              </a:pPr>
+              <a:endParaRPr/>
+            </a:p>
+          </p:txBody>
+        </p:sp>
+        <p:sp>
+          <p:nvSpPr>
+            <p:cNvPr id="11" name="Google Shape;232;p26">
+              <a:extLst>
+                <a:ext uri="{FF2B5EF4-FFF2-40B4-BE49-F238E27FC236}">
+                  <a16:creationId xmlns:a16="http://schemas.microsoft.com/office/drawing/2014/main" id="{FB8B03AC-05BF-4129-8213-B39815751AC2}"/>
+                </a:ext>
+              </a:extLst>
+            </p:cNvPr>
+            <p:cNvSpPr/>
+            <p:nvPr/>
+          </p:nvSpPr>
+          <p:spPr>
+            <a:xfrm>
+              <a:off x="2635850" y="4316150"/>
+              <a:ext cx="369400" cy="475675"/>
+            </a:xfrm>
+            <a:custGeom>
+              <a:avLst/>
+              <a:gdLst/>
+              <a:ahLst/>
+              <a:cxnLst/>
+              <a:rect l="l" t="t" r="r" b="b"/>
+              <a:pathLst>
+                <a:path w="14776" h="19027" extrusionOk="0">
+                  <a:moveTo>
+                    <a:pt x="7400" y="1"/>
+                  </a:moveTo>
+                  <a:lnTo>
+                    <a:pt x="7254" y="25"/>
+                  </a:lnTo>
+                  <a:lnTo>
+                    <a:pt x="7132" y="50"/>
+                  </a:lnTo>
+                  <a:lnTo>
+                    <a:pt x="7034" y="123"/>
+                  </a:lnTo>
+                  <a:lnTo>
+                    <a:pt x="6936" y="196"/>
+                  </a:lnTo>
+                  <a:lnTo>
+                    <a:pt x="6863" y="294"/>
+                  </a:lnTo>
+                  <a:lnTo>
+                    <a:pt x="6790" y="392"/>
+                  </a:lnTo>
+                  <a:lnTo>
+                    <a:pt x="6765" y="514"/>
+                  </a:lnTo>
+                  <a:lnTo>
+                    <a:pt x="6741" y="636"/>
+                  </a:lnTo>
+                  <a:lnTo>
+                    <a:pt x="6741" y="4226"/>
+                  </a:lnTo>
+                  <a:lnTo>
+                    <a:pt x="6887" y="4592"/>
+                  </a:lnTo>
+                  <a:lnTo>
+                    <a:pt x="7009" y="4959"/>
+                  </a:lnTo>
+                  <a:lnTo>
+                    <a:pt x="7058" y="5325"/>
+                  </a:lnTo>
+                  <a:lnTo>
+                    <a:pt x="7083" y="5716"/>
+                  </a:lnTo>
+                  <a:lnTo>
+                    <a:pt x="7058" y="6107"/>
+                  </a:lnTo>
+                  <a:lnTo>
+                    <a:pt x="7009" y="6473"/>
+                  </a:lnTo>
+                  <a:lnTo>
+                    <a:pt x="6887" y="6864"/>
+                  </a:lnTo>
+                  <a:lnTo>
+                    <a:pt x="6741" y="7230"/>
+                  </a:lnTo>
+                  <a:lnTo>
+                    <a:pt x="6741" y="13629"/>
+                  </a:lnTo>
+                  <a:lnTo>
+                    <a:pt x="6203" y="13678"/>
+                  </a:lnTo>
+                  <a:lnTo>
+                    <a:pt x="5666" y="13775"/>
+                  </a:lnTo>
+                  <a:lnTo>
+                    <a:pt x="5153" y="13897"/>
+                  </a:lnTo>
+                  <a:lnTo>
+                    <a:pt x="4640" y="14044"/>
+                  </a:lnTo>
+                  <a:lnTo>
+                    <a:pt x="4152" y="14239"/>
+                  </a:lnTo>
+                  <a:lnTo>
+                    <a:pt x="3688" y="14459"/>
+                  </a:lnTo>
+                  <a:lnTo>
+                    <a:pt x="3224" y="14703"/>
+                  </a:lnTo>
+                  <a:lnTo>
+                    <a:pt x="2784" y="14972"/>
+                  </a:lnTo>
+                  <a:lnTo>
+                    <a:pt x="2369" y="15265"/>
+                  </a:lnTo>
+                  <a:lnTo>
+                    <a:pt x="1954" y="15583"/>
+                  </a:lnTo>
+                  <a:lnTo>
+                    <a:pt x="1588" y="15925"/>
+                  </a:lnTo>
+                  <a:lnTo>
+                    <a:pt x="1221" y="16291"/>
+                  </a:lnTo>
+                  <a:lnTo>
+                    <a:pt x="879" y="16682"/>
+                  </a:lnTo>
+                  <a:lnTo>
+                    <a:pt x="562" y="17097"/>
+                  </a:lnTo>
+                  <a:lnTo>
+                    <a:pt x="269" y="17512"/>
+                  </a:lnTo>
+                  <a:lnTo>
+                    <a:pt x="0" y="17952"/>
+                  </a:lnTo>
+                  <a:lnTo>
+                    <a:pt x="293" y="18074"/>
+                  </a:lnTo>
+                  <a:lnTo>
+                    <a:pt x="611" y="18196"/>
+                  </a:lnTo>
+                  <a:lnTo>
+                    <a:pt x="1319" y="18391"/>
+                  </a:lnTo>
+                  <a:lnTo>
+                    <a:pt x="2125" y="18587"/>
+                  </a:lnTo>
+                  <a:lnTo>
+                    <a:pt x="3053" y="18733"/>
+                  </a:lnTo>
+                  <a:lnTo>
+                    <a:pt x="4030" y="18855"/>
+                  </a:lnTo>
+                  <a:lnTo>
+                    <a:pt x="5104" y="18953"/>
+                  </a:lnTo>
+                  <a:lnTo>
+                    <a:pt x="6228" y="19002"/>
+                  </a:lnTo>
+                  <a:lnTo>
+                    <a:pt x="7376" y="19026"/>
+                  </a:lnTo>
+                  <a:lnTo>
+                    <a:pt x="8548" y="19002"/>
+                  </a:lnTo>
+                  <a:lnTo>
+                    <a:pt x="9672" y="18953"/>
+                  </a:lnTo>
+                  <a:lnTo>
+                    <a:pt x="10746" y="18855"/>
+                  </a:lnTo>
+                  <a:lnTo>
+                    <a:pt x="11723" y="18733"/>
+                  </a:lnTo>
+                  <a:lnTo>
+                    <a:pt x="12651" y="18587"/>
+                  </a:lnTo>
+                  <a:lnTo>
+                    <a:pt x="13457" y="18391"/>
+                  </a:lnTo>
+                  <a:lnTo>
+                    <a:pt x="14165" y="18196"/>
+                  </a:lnTo>
+                  <a:lnTo>
+                    <a:pt x="14483" y="18074"/>
+                  </a:lnTo>
+                  <a:lnTo>
+                    <a:pt x="14776" y="17952"/>
+                  </a:lnTo>
+                  <a:lnTo>
+                    <a:pt x="14507" y="17512"/>
+                  </a:lnTo>
+                  <a:lnTo>
+                    <a:pt x="14214" y="17097"/>
+                  </a:lnTo>
+                  <a:lnTo>
+                    <a:pt x="13897" y="16682"/>
+                  </a:lnTo>
+                  <a:lnTo>
+                    <a:pt x="13555" y="16291"/>
+                  </a:lnTo>
+                  <a:lnTo>
+                    <a:pt x="13188" y="15925"/>
+                  </a:lnTo>
+                  <a:lnTo>
+                    <a:pt x="12822" y="15583"/>
+                  </a:lnTo>
+                  <a:lnTo>
+                    <a:pt x="12407" y="15265"/>
+                  </a:lnTo>
+                  <a:lnTo>
+                    <a:pt x="11992" y="14972"/>
+                  </a:lnTo>
+                  <a:lnTo>
+                    <a:pt x="11552" y="14703"/>
+                  </a:lnTo>
+                  <a:lnTo>
+                    <a:pt x="11088" y="14459"/>
+                  </a:lnTo>
+                  <a:lnTo>
+                    <a:pt x="10624" y="14239"/>
+                  </a:lnTo>
+                  <a:lnTo>
+                    <a:pt x="10136" y="14044"/>
+                  </a:lnTo>
+                  <a:lnTo>
+                    <a:pt x="9623" y="13897"/>
+                  </a:lnTo>
+                  <a:lnTo>
+                    <a:pt x="9110" y="13775"/>
+                  </a:lnTo>
+                  <a:lnTo>
+                    <a:pt x="8573" y="13678"/>
+                  </a:lnTo>
+                  <a:lnTo>
+                    <a:pt x="8035" y="13629"/>
+                  </a:lnTo>
+                  <a:lnTo>
+                    <a:pt x="8035" y="3347"/>
+                  </a:lnTo>
+                  <a:lnTo>
+                    <a:pt x="7913" y="3054"/>
+                  </a:lnTo>
+                  <a:lnTo>
+                    <a:pt x="7840" y="2761"/>
+                  </a:lnTo>
+                  <a:lnTo>
+                    <a:pt x="7791" y="2467"/>
+                  </a:lnTo>
+                  <a:lnTo>
+                    <a:pt x="7767" y="2174"/>
+                  </a:lnTo>
+                  <a:lnTo>
+                    <a:pt x="7791" y="1857"/>
+                  </a:lnTo>
+                  <a:lnTo>
+                    <a:pt x="7840" y="1564"/>
+                  </a:lnTo>
+                  <a:lnTo>
+                    <a:pt x="7913" y="1271"/>
+                  </a:lnTo>
+                  <a:lnTo>
+                    <a:pt x="8035" y="978"/>
+                  </a:lnTo>
+                  <a:lnTo>
+                    <a:pt x="8035" y="636"/>
+                  </a:lnTo>
+                  <a:lnTo>
+                    <a:pt x="8011" y="514"/>
+                  </a:lnTo>
+                  <a:lnTo>
+                    <a:pt x="7986" y="392"/>
+                  </a:lnTo>
+                  <a:lnTo>
+                    <a:pt x="7913" y="294"/>
+                  </a:lnTo>
+                  <a:lnTo>
+                    <a:pt x="7840" y="196"/>
+                  </a:lnTo>
+                  <a:lnTo>
+                    <a:pt x="7742" y="123"/>
+                  </a:lnTo>
+                  <a:lnTo>
+                    <a:pt x="7644" y="50"/>
+                  </a:lnTo>
+                  <a:lnTo>
+                    <a:pt x="7522" y="25"/>
+                  </a:lnTo>
+                  <a:lnTo>
+                    <a:pt x="7400" y="1"/>
+                  </a:lnTo>
+                  <a:close/>
+                </a:path>
+              </a:pathLst>
+            </a:custGeom>
+            <a:solidFill>
+              <a:srgbClr val="FFB600"/>
+            </a:solidFill>
+            <a:ln>
+              <a:noFill/>
+            </a:ln>
+          </p:spPr>
+          <p:txBody>
+            <a:bodyPr spcFirstLastPara="1" wrap="square" lIns="91425" tIns="91425" rIns="91425" bIns="91425" anchor="ctr" anchorCtr="0">
+              <a:noAutofit/>
+            </a:bodyPr>
+            <a:lstStyle/>
+            <a:p>
+              <a:pPr marL="0" lvl="0" indent="0" algn="l" rtl="0">
+                <a:spcBef>
+                  <a:spcPts val="0"/>
+                </a:spcBef>
+                <a:spcAft>
+                  <a:spcPts val="0"/>
+                </a:spcAft>
+                <a:buNone/>
+              </a:pPr>
+              <a:endParaRPr/>
+            </a:p>
+          </p:txBody>
+        </p:sp>
+        <p:sp>
+          <p:nvSpPr>
+            <p:cNvPr id="12" name="Google Shape;233;p26">
+              <a:extLst>
+                <a:ext uri="{FF2B5EF4-FFF2-40B4-BE49-F238E27FC236}">
+                  <a16:creationId xmlns:a16="http://schemas.microsoft.com/office/drawing/2014/main" id="{7B1E2892-98EA-46E3-A29E-23C00B723BE6}"/>
+                </a:ext>
+              </a:extLst>
+            </p:cNvPr>
+            <p:cNvSpPr/>
+            <p:nvPr/>
+          </p:nvSpPr>
+          <p:spPr>
+            <a:xfrm>
+              <a:off x="2624850" y="4357675"/>
+              <a:ext cx="171600" cy="171600"/>
+            </a:xfrm>
+            <a:custGeom>
+              <a:avLst/>
+              <a:gdLst/>
+              <a:ahLst/>
+              <a:cxnLst/>
+              <a:rect l="l" t="t" r="r" b="b"/>
+              <a:pathLst>
+                <a:path w="6864" h="6864" extrusionOk="0">
+                  <a:moveTo>
+                    <a:pt x="74" y="1"/>
+                  </a:moveTo>
+                  <a:lnTo>
+                    <a:pt x="25" y="25"/>
+                  </a:lnTo>
+                  <a:lnTo>
+                    <a:pt x="0" y="74"/>
+                  </a:lnTo>
+                  <a:lnTo>
+                    <a:pt x="0" y="123"/>
+                  </a:lnTo>
+                  <a:lnTo>
+                    <a:pt x="0" y="318"/>
+                  </a:lnTo>
+                  <a:lnTo>
+                    <a:pt x="25" y="587"/>
+                  </a:lnTo>
+                  <a:lnTo>
+                    <a:pt x="74" y="929"/>
+                  </a:lnTo>
+                  <a:lnTo>
+                    <a:pt x="269" y="1759"/>
+                  </a:lnTo>
+                  <a:lnTo>
+                    <a:pt x="538" y="2736"/>
+                  </a:lnTo>
+                  <a:lnTo>
+                    <a:pt x="880" y="3737"/>
+                  </a:lnTo>
+                  <a:lnTo>
+                    <a:pt x="1051" y="4226"/>
+                  </a:lnTo>
+                  <a:lnTo>
+                    <a:pt x="1246" y="4690"/>
+                  </a:lnTo>
+                  <a:lnTo>
+                    <a:pt x="1441" y="5105"/>
+                  </a:lnTo>
+                  <a:lnTo>
+                    <a:pt x="1661" y="5496"/>
+                  </a:lnTo>
+                  <a:lnTo>
+                    <a:pt x="1857" y="5813"/>
+                  </a:lnTo>
+                  <a:lnTo>
+                    <a:pt x="2076" y="6057"/>
+                  </a:lnTo>
+                  <a:lnTo>
+                    <a:pt x="2272" y="6228"/>
+                  </a:lnTo>
+                  <a:lnTo>
+                    <a:pt x="2492" y="6399"/>
+                  </a:lnTo>
+                  <a:lnTo>
+                    <a:pt x="2711" y="6521"/>
+                  </a:lnTo>
+                  <a:lnTo>
+                    <a:pt x="2956" y="6644"/>
+                  </a:lnTo>
+                  <a:lnTo>
+                    <a:pt x="3200" y="6741"/>
+                  </a:lnTo>
+                  <a:lnTo>
+                    <a:pt x="3444" y="6815"/>
+                  </a:lnTo>
+                  <a:lnTo>
+                    <a:pt x="3688" y="6863"/>
+                  </a:lnTo>
+                  <a:lnTo>
+                    <a:pt x="4201" y="6863"/>
+                  </a:lnTo>
+                  <a:lnTo>
+                    <a:pt x="4445" y="6839"/>
+                  </a:lnTo>
+                  <a:lnTo>
+                    <a:pt x="4690" y="6815"/>
+                  </a:lnTo>
+                  <a:lnTo>
+                    <a:pt x="4958" y="6741"/>
+                  </a:lnTo>
+                  <a:lnTo>
+                    <a:pt x="5178" y="6644"/>
+                  </a:lnTo>
+                  <a:lnTo>
+                    <a:pt x="5422" y="6521"/>
+                  </a:lnTo>
+                  <a:lnTo>
+                    <a:pt x="5642" y="6399"/>
+                  </a:lnTo>
+                  <a:lnTo>
+                    <a:pt x="5862" y="6228"/>
+                  </a:lnTo>
+                  <a:lnTo>
+                    <a:pt x="2198" y="2565"/>
+                  </a:lnTo>
+                  <a:lnTo>
+                    <a:pt x="2150" y="2492"/>
+                  </a:lnTo>
+                  <a:lnTo>
+                    <a:pt x="2125" y="2394"/>
+                  </a:lnTo>
+                  <a:lnTo>
+                    <a:pt x="2150" y="2296"/>
+                  </a:lnTo>
+                  <a:lnTo>
+                    <a:pt x="2198" y="2199"/>
+                  </a:lnTo>
+                  <a:lnTo>
+                    <a:pt x="2296" y="2150"/>
+                  </a:lnTo>
+                  <a:lnTo>
+                    <a:pt x="2394" y="2125"/>
+                  </a:lnTo>
+                  <a:lnTo>
+                    <a:pt x="2492" y="2150"/>
+                  </a:lnTo>
+                  <a:lnTo>
+                    <a:pt x="2565" y="2199"/>
+                  </a:lnTo>
+                  <a:lnTo>
+                    <a:pt x="6228" y="5862"/>
+                  </a:lnTo>
+                  <a:lnTo>
+                    <a:pt x="6375" y="5642"/>
+                  </a:lnTo>
+                  <a:lnTo>
+                    <a:pt x="6521" y="5422"/>
+                  </a:lnTo>
+                  <a:lnTo>
+                    <a:pt x="6643" y="5203"/>
+                  </a:lnTo>
+                  <a:lnTo>
+                    <a:pt x="6741" y="4958"/>
+                  </a:lnTo>
+                  <a:lnTo>
+                    <a:pt x="6814" y="4714"/>
+                  </a:lnTo>
+                  <a:lnTo>
+                    <a:pt x="6839" y="4446"/>
+                  </a:lnTo>
+                  <a:lnTo>
+                    <a:pt x="6863" y="4201"/>
+                  </a:lnTo>
+                  <a:lnTo>
+                    <a:pt x="6863" y="3933"/>
+                  </a:lnTo>
+                  <a:lnTo>
+                    <a:pt x="6839" y="3688"/>
+                  </a:lnTo>
+                  <a:lnTo>
+                    <a:pt x="6814" y="3444"/>
+                  </a:lnTo>
+                  <a:lnTo>
+                    <a:pt x="6741" y="3200"/>
+                  </a:lnTo>
+                  <a:lnTo>
+                    <a:pt x="6643" y="2956"/>
+                  </a:lnTo>
+                  <a:lnTo>
+                    <a:pt x="6521" y="2711"/>
+                  </a:lnTo>
+                  <a:lnTo>
+                    <a:pt x="6399" y="2492"/>
+                  </a:lnTo>
+                  <a:lnTo>
+                    <a:pt x="6228" y="2272"/>
+                  </a:lnTo>
+                  <a:lnTo>
+                    <a:pt x="6057" y="2076"/>
+                  </a:lnTo>
+                  <a:lnTo>
+                    <a:pt x="5813" y="1857"/>
+                  </a:lnTo>
+                  <a:lnTo>
+                    <a:pt x="5496" y="1661"/>
+                  </a:lnTo>
+                  <a:lnTo>
+                    <a:pt x="5105" y="1466"/>
+                  </a:lnTo>
+                  <a:lnTo>
+                    <a:pt x="4690" y="1246"/>
+                  </a:lnTo>
+                  <a:lnTo>
+                    <a:pt x="4226" y="1051"/>
+                  </a:lnTo>
+                  <a:lnTo>
+                    <a:pt x="3737" y="880"/>
+                  </a:lnTo>
+                  <a:lnTo>
+                    <a:pt x="2736" y="538"/>
+                  </a:lnTo>
+                  <a:lnTo>
+                    <a:pt x="1759" y="269"/>
+                  </a:lnTo>
+                  <a:lnTo>
+                    <a:pt x="928" y="74"/>
+                  </a:lnTo>
+                  <a:lnTo>
+                    <a:pt x="587" y="25"/>
+                  </a:lnTo>
+                  <a:lnTo>
+                    <a:pt x="318" y="1"/>
+                  </a:lnTo>
+                  <a:close/>
+                </a:path>
+              </a:pathLst>
+            </a:custGeom>
+            <a:solidFill>
+              <a:srgbClr val="FFB600"/>
+            </a:solidFill>
+            <a:ln>
+              <a:noFill/>
+            </a:ln>
+          </p:spPr>
+          <p:txBody>
+            <a:bodyPr spcFirstLastPara="1" wrap="square" lIns="91425" tIns="91425" rIns="91425" bIns="91425" anchor="ctr" anchorCtr="0">
+              <a:noAutofit/>
+            </a:bodyPr>
+            <a:lstStyle/>
+            <a:p>
+              <a:pPr marL="0" lvl="0" indent="0" algn="l" rtl="0">
+                <a:spcBef>
+                  <a:spcPts val="0"/>
+                </a:spcBef>
+                <a:spcAft>
+                  <a:spcPts val="0"/>
+                </a:spcAft>
+                <a:buNone/>
+              </a:pPr>
+              <a:endParaRPr/>
+            </a:p>
+          </p:txBody>
+        </p:sp>
+      </p:grpSp>
+    </p:spTree>
+    <p:extLst>
+      <p:ext uri="{BB962C8B-B14F-4D97-AF65-F5344CB8AC3E}">
+        <p14:creationId xmlns:p14="http://schemas.microsoft.com/office/powerpoint/2010/main" val="1168613318"/>
+      </p:ext>
+    </p:extLst>
+  </p:cSld>
+  <p:clrMapOvr>
+    <a:masterClrMapping/>
+  </p:clrMapOvr>
+</p:sld>
+</file>
+
 <file path=ppt/theme/theme1.xml><?xml version="1.0" encoding="utf-8"?>
 <a:theme xmlns:a="http://schemas.openxmlformats.org/drawingml/2006/main" name="Olivia template">
   <a:themeElements>
